--- a/Theory Class-Notes/Complete Syllabus and Notes/Module-4 Exception Handling.pptx
+++ b/Theory Class-Notes/Complete Syllabus and Notes/Module-4 Exception Handling.pptx
@@ -17,22 +17,27 @@
     <p:sldId id="482" r:id="rId11"/>
     <p:sldId id="483" r:id="rId12"/>
     <p:sldId id="485" r:id="rId13"/>
-    <p:sldId id="489" r:id="rId14"/>
-    <p:sldId id="256" r:id="rId15"/>
-    <p:sldId id="490" r:id="rId16"/>
-    <p:sldId id="491" r:id="rId17"/>
-    <p:sldId id="492" r:id="rId18"/>
-    <p:sldId id="493" r:id="rId19"/>
-    <p:sldId id="494" r:id="rId20"/>
-    <p:sldId id="495" r:id="rId21"/>
-    <p:sldId id="486" r:id="rId22"/>
-    <p:sldId id="487" r:id="rId23"/>
-    <p:sldId id="488" r:id="rId24"/>
-    <p:sldId id="471" r:id="rId25"/>
-    <p:sldId id="472" r:id="rId26"/>
-    <p:sldId id="473" r:id="rId27"/>
-    <p:sldId id="474" r:id="rId28"/>
-    <p:sldId id="475" r:id="rId29"/>
+    <p:sldId id="490" r:id="rId14"/>
+    <p:sldId id="491" r:id="rId15"/>
+    <p:sldId id="492" r:id="rId16"/>
+    <p:sldId id="489" r:id="rId17"/>
+    <p:sldId id="493" r:id="rId18"/>
+    <p:sldId id="494" r:id="rId19"/>
+    <p:sldId id="495" r:id="rId20"/>
+    <p:sldId id="486" r:id="rId21"/>
+    <p:sldId id="487" r:id="rId22"/>
+    <p:sldId id="488" r:id="rId23"/>
+    <p:sldId id="256" r:id="rId24"/>
+    <p:sldId id="496" r:id="rId25"/>
+    <p:sldId id="497" r:id="rId26"/>
+    <p:sldId id="498" r:id="rId27"/>
+    <p:sldId id="499" r:id="rId28"/>
+    <p:sldId id="500" r:id="rId29"/>
+    <p:sldId id="471" r:id="rId30"/>
+    <p:sldId id="472" r:id="rId31"/>
+    <p:sldId id="473" r:id="rId32"/>
+    <p:sldId id="474" r:id="rId33"/>
+    <p:sldId id="475" r:id="rId34"/>
   </p:sldIdLst>
   <p:sldSz cx="12192000" cy="6858000"/>
   <p:notesSz cx="6858000" cy="9144000"/>
@@ -131,6 +136,11 @@
       </a:defRPr>
     </a:lvl9pPr>
   </p:defaultTextStyle>
+  <p:extLst>
+    <p:ext uri="{EFAFB233-063F-42B5-8137-9DF3F51BA10A}">
+      <p15:sldGuideLst xmlns:p15="http://schemas.microsoft.com/office/powerpoint/2012/main"/>
+    </p:ext>
+  </p:extLst>
 </p:presentation>
 </file>
 
@@ -283,7 +293,7 @@
           <a:p>
             <a:fld id="{9C0243F3-34DD-41B1-BD71-84560502D122}" type="datetimeFigureOut">
               <a:rPr lang="en-IN" smtClean="0"/>
-              <a:t>26-09-2024</a:t>
+              <a:t>27-09-2024</a:t>
             </a:fld>
             <a:endParaRPr lang="en-IN"/>
           </a:p>
@@ -483,7 +493,7 @@
           <a:p>
             <a:fld id="{9C0243F3-34DD-41B1-BD71-84560502D122}" type="datetimeFigureOut">
               <a:rPr lang="en-IN" smtClean="0"/>
-              <a:t>26-09-2024</a:t>
+              <a:t>27-09-2024</a:t>
             </a:fld>
             <a:endParaRPr lang="en-IN"/>
           </a:p>
@@ -693,7 +703,7 @@
           <a:p>
             <a:fld id="{9C0243F3-34DD-41B1-BD71-84560502D122}" type="datetimeFigureOut">
               <a:rPr lang="en-IN" smtClean="0"/>
-              <a:t>26-09-2024</a:t>
+              <a:t>27-09-2024</a:t>
             </a:fld>
             <a:endParaRPr lang="en-IN"/>
           </a:p>
@@ -893,7 +903,7 @@
           <a:p>
             <a:fld id="{9C0243F3-34DD-41B1-BD71-84560502D122}" type="datetimeFigureOut">
               <a:rPr lang="en-IN" smtClean="0"/>
-              <a:t>26-09-2024</a:t>
+              <a:t>27-09-2024</a:t>
             </a:fld>
             <a:endParaRPr lang="en-IN"/>
           </a:p>
@@ -1169,7 +1179,7 @@
           <a:p>
             <a:fld id="{9C0243F3-34DD-41B1-BD71-84560502D122}" type="datetimeFigureOut">
               <a:rPr lang="en-IN" smtClean="0"/>
-              <a:t>26-09-2024</a:t>
+              <a:t>27-09-2024</a:t>
             </a:fld>
             <a:endParaRPr lang="en-IN"/>
           </a:p>
@@ -1437,7 +1447,7 @@
           <a:p>
             <a:fld id="{9C0243F3-34DD-41B1-BD71-84560502D122}" type="datetimeFigureOut">
               <a:rPr lang="en-IN" smtClean="0"/>
-              <a:t>26-09-2024</a:t>
+              <a:t>27-09-2024</a:t>
             </a:fld>
             <a:endParaRPr lang="en-IN"/>
           </a:p>
@@ -1852,7 +1862,7 @@
           <a:p>
             <a:fld id="{9C0243F3-34DD-41B1-BD71-84560502D122}" type="datetimeFigureOut">
               <a:rPr lang="en-IN" smtClean="0"/>
-              <a:t>26-09-2024</a:t>
+              <a:t>27-09-2024</a:t>
             </a:fld>
             <a:endParaRPr lang="en-IN"/>
           </a:p>
@@ -1994,7 +2004,7 @@
           <a:p>
             <a:fld id="{9C0243F3-34DD-41B1-BD71-84560502D122}" type="datetimeFigureOut">
               <a:rPr lang="en-IN" smtClean="0"/>
-              <a:t>26-09-2024</a:t>
+              <a:t>27-09-2024</a:t>
             </a:fld>
             <a:endParaRPr lang="en-IN"/>
           </a:p>
@@ -2107,7 +2117,7 @@
           <a:p>
             <a:fld id="{9C0243F3-34DD-41B1-BD71-84560502D122}" type="datetimeFigureOut">
               <a:rPr lang="en-IN" smtClean="0"/>
-              <a:t>26-09-2024</a:t>
+              <a:t>27-09-2024</a:t>
             </a:fld>
             <a:endParaRPr lang="en-IN"/>
           </a:p>
@@ -2420,7 +2430,7 @@
           <a:p>
             <a:fld id="{9C0243F3-34DD-41B1-BD71-84560502D122}" type="datetimeFigureOut">
               <a:rPr lang="en-IN" smtClean="0"/>
-              <a:t>26-09-2024</a:t>
+              <a:t>27-09-2024</a:t>
             </a:fld>
             <a:endParaRPr lang="en-IN"/>
           </a:p>
@@ -2709,7 +2719,7 @@
           <a:p>
             <a:fld id="{9C0243F3-34DD-41B1-BD71-84560502D122}" type="datetimeFigureOut">
               <a:rPr lang="en-IN" smtClean="0"/>
-              <a:t>26-09-2024</a:t>
+              <a:t>27-09-2024</a:t>
             </a:fld>
             <a:endParaRPr lang="en-IN"/>
           </a:p>
@@ -2952,7 +2962,7 @@
           <a:p>
             <a:fld id="{9C0243F3-34DD-41B1-BD71-84560502D122}" type="datetimeFigureOut">
               <a:rPr lang="en-IN" smtClean="0"/>
-              <a:t>26-09-2024</a:t>
+              <a:t>27-09-2024</a:t>
             </a:fld>
             <a:endParaRPr lang="en-IN"/>
           </a:p>
@@ -3680,13 +3690,13 @@
         </p:nvSpPr>
         <p:spPr>
           <a:xfrm>
-            <a:off x="442128" y="472273"/>
-            <a:ext cx="11123526" cy="6039059"/>
+            <a:off x="344129" y="216311"/>
+            <a:ext cx="11415252" cy="6518786"/>
           </a:xfrm>
         </p:spPr>
         <p:txBody>
           <a:bodyPr>
-            <a:normAutofit fontScale="77500" lnSpcReduction="20000"/>
+            <a:normAutofit/>
           </a:bodyPr>
           <a:lstStyle/>
           <a:p>
@@ -3711,45 +3721,24 @@
             </a:r>
           </a:p>
           <a:p>
-            <a:pPr marL="514350" indent="-514350">
-              <a:buAutoNum type="arabicPeriod"/>
-            </a:pPr>
-            <a:r>
-              <a:rPr lang="en-US" b="1" dirty="0"/>
-              <a:t>try: (Holds Risky Code)</a:t>
-            </a:r>
-          </a:p>
-          <a:p>
-            <a:pPr marL="0" indent="0">
-              <a:buNone/>
-            </a:pPr>
-            <a:r>
-              <a:rPr lang="en-US" dirty="0"/>
-              <a:t>The try block is the block where the block of code that is needed to be checked for exceptions is placed. The try block is followed by a catch or finally block, it cannot stand alone.</a:t>
-            </a:r>
-          </a:p>
-          <a:p>
-            <a:pPr marL="0" indent="0">
-              <a:buNone/>
-            </a:pPr>
-            <a:endParaRPr lang="en-US" sz="1000" dirty="0"/>
-          </a:p>
-          <a:p>
-            <a:pPr marL="0" indent="0">
-              <a:buNone/>
-            </a:pPr>
-            <a:r>
-              <a:rPr lang="en-US" b="1" dirty="0"/>
-              <a:t>2. catch: </a:t>
-            </a:r>
-          </a:p>
-          <a:p>
-            <a:pPr marL="0" indent="0">
-              <a:buNone/>
-            </a:pPr>
-            <a:r>
-              <a:rPr lang="en-US" dirty="0"/>
-              <a:t>Using the catch block we can </a:t>
+            <a:pPr marL="0" indent="0">
+              <a:buNone/>
+            </a:pPr>
+            <a:r>
+              <a:rPr lang="en-US" dirty="0"/>
+              <a:t>In Java, exception handling is done using </a:t>
+            </a:r>
+            <a:r>
+              <a:rPr lang="en-US" b="1" dirty="0">
+                <a:solidFill>
+                  <a:srgbClr val="C00000"/>
+                </a:solidFill>
+              </a:rPr>
+              <a:t>try</a:t>
+            </a:r>
+            <a:r>
+              <a:rPr lang="en-US" dirty="0"/>
+              <a:t>, </a:t>
             </a:r>
             <a:r>
               <a:rPr lang="en-US" b="1" dirty="0">
@@ -3761,11 +3750,7 @@
             </a:r>
             <a:r>
               <a:rPr lang="en-US" dirty="0"/>
-              <a:t> the </a:t>
-            </a:r>
-            <a:r>
-              <a:rPr lang="en-US" b="1" dirty="0"/>
-              <a:t>exception thrown by the </a:t>
+              <a:t>, </a:t>
             </a:r>
             <a:r>
               <a:rPr lang="en-US" b="1" dirty="0">
@@ -3773,11 +3758,11 @@
                   <a:srgbClr val="C00000"/>
                 </a:solidFill>
               </a:rPr>
-              <a:t>try</a:t>
-            </a:r>
-            <a:r>
-              <a:rPr lang="en-US" b="1" dirty="0"/>
-              <a:t> </a:t>
+              <a:t>throw</a:t>
+            </a:r>
+            <a:r>
+              <a:rPr lang="en-US" dirty="0"/>
+              <a:t>, </a:t>
             </a:r>
             <a:r>
               <a:rPr lang="en-US" b="1" dirty="0">
@@ -3785,51 +3770,11 @@
                   <a:srgbClr val="C00000"/>
                 </a:solidFill>
               </a:rPr>
-              <a:t>block</a:t>
-            </a:r>
-            <a:r>
-              <a:rPr lang="en-US" dirty="0"/>
-              <a:t>. It is declared after the try block.</a:t>
-            </a:r>
-          </a:p>
-          <a:p>
-            <a:pPr marL="0" indent="0">
-              <a:buNone/>
-            </a:pPr>
-            <a:endParaRPr lang="en-US" dirty="0"/>
-          </a:p>
-          <a:p>
-            <a:pPr marL="0" indent="0">
-              <a:buNone/>
-            </a:pPr>
-            <a:r>
-              <a:rPr lang="en-US" b="1" dirty="0"/>
-              <a:t>3. finally: </a:t>
-            </a:r>
-          </a:p>
-          <a:p>
-            <a:pPr marL="0" indent="0">
-              <a:buNone/>
-            </a:pPr>
-            <a:r>
-              <a:rPr lang="en-US" dirty="0"/>
-              <a:t>Using the finally block we can </a:t>
-            </a:r>
-            <a:r>
-              <a:rPr lang="en-US" b="1" dirty="0"/>
-              <a:t>execute an important piece </a:t>
-            </a:r>
-            <a:r>
-              <a:rPr lang="en-US" dirty="0"/>
-              <a:t>of </a:t>
-            </a:r>
-            <a:r>
-              <a:rPr lang="en-US" b="1" dirty="0"/>
-              <a:t>code</a:t>
-            </a:r>
-            <a:r>
-              <a:rPr lang="en-US" dirty="0"/>
-              <a:t> because the finally block will be executed </a:t>
+              <a:t>throws</a:t>
+            </a:r>
+            <a:r>
+              <a:rPr lang="en-US" dirty="0"/>
+              <a:t>, and </a:t>
             </a:r>
             <a:r>
               <a:rPr lang="en-US" b="1" dirty="0">
@@ -3837,11 +3782,11 @@
                   <a:srgbClr val="C00000"/>
                 </a:solidFill>
               </a:rPr>
-              <a:t>regardless</a:t>
-            </a:r>
-            <a:r>
-              <a:rPr lang="en-US" dirty="0"/>
-              <a:t> of what the outcome is from the try block.</a:t>
+              <a:t>finally</a:t>
+            </a:r>
+            <a:r>
+              <a:rPr lang="en-US" dirty="0"/>
+              <a:t>. These constructs allow you to handle runtime errors gracefully.</a:t>
             </a:r>
           </a:p>
           <a:p>
@@ -3854,65 +3799,57 @@
             <a:pPr marL="0" indent="0">
               <a:buNone/>
             </a:pPr>
-            <a:r>
-              <a:rPr lang="en-US" b="1" dirty="0"/>
-              <a:t>4. throw: </a:t>
-            </a:r>
-            <a:r>
-              <a:rPr lang="en-US" dirty="0"/>
-              <a:t>Using the throw keyword we can </a:t>
-            </a:r>
-            <a:r>
-              <a:rPr lang="en-US" b="1" dirty="0"/>
-              <a:t>throw a </a:t>
-            </a:r>
-            <a:r>
-              <a:rPr lang="en-US" b="1" dirty="0">
+            <a:endParaRPr lang="en-US" dirty="0"/>
+          </a:p>
+        </p:txBody>
+      </p:sp>
+      <p:pic>
+        <p:nvPicPr>
+          <p:cNvPr id="1028" name="Picture 4" descr="Mastering Try-Catch Blocks: A Guide to Exception Handling in Java">
+            <a:extLst>
+              <a:ext uri="{FF2B5EF4-FFF2-40B4-BE49-F238E27FC236}">
+                <a16:creationId xmlns:a16="http://schemas.microsoft.com/office/drawing/2014/main" id="{B3373151-ED57-57CE-6A00-D149713BF1B4}"/>
+              </a:ext>
+            </a:extLst>
+          </p:cNvPr>
+          <p:cNvPicPr>
+            <a:picLocks noChangeAspect="1" noChangeArrowheads="1"/>
+          </p:cNvPicPr>
+          <p:nvPr/>
+        </p:nvPicPr>
+        <p:blipFill>
+          <a:blip r:embed="rId2">
+            <a:extLst>
+              <a:ext uri="{28A0092B-C50C-407E-A947-70E740481C1C}">
+                <a14:useLocalDpi xmlns:a14="http://schemas.microsoft.com/office/drawing/2010/main" val="0"/>
+              </a:ext>
+            </a:extLst>
+          </a:blip>
+          <a:srcRect/>
+          <a:stretch>
+            <a:fillRect/>
+          </a:stretch>
+        </p:blipFill>
+        <p:spPr bwMode="auto">
+          <a:xfrm>
+            <a:off x="1479755" y="1976284"/>
+            <a:ext cx="8396748" cy="4198374"/>
+          </a:xfrm>
+          <a:prstGeom prst="rect">
+            <a:avLst/>
+          </a:prstGeom>
+          <a:noFill/>
+          <a:extLst>
+            <a:ext uri="{909E8E84-426E-40DD-AFC4-6F175D3DCCD1}">
+              <a14:hiddenFill xmlns:a14="http://schemas.microsoft.com/office/drawing/2010/main">
                 <a:solidFill>
-                  <a:srgbClr val="C00000"/>
+                  <a:srgbClr val="FFFFFF"/>
                 </a:solidFill>
-              </a:rPr>
-              <a:t>predefined</a:t>
-            </a:r>
-            <a:r>
-              <a:rPr lang="en-US" b="1" dirty="0"/>
-              <a:t> exception.</a:t>
-            </a:r>
-          </a:p>
-          <a:p>
-            <a:pPr marL="0" indent="0">
-              <a:buNone/>
-            </a:pPr>
-            <a:endParaRPr lang="en-US" dirty="0"/>
-          </a:p>
-          <a:p>
-            <a:pPr marL="0" indent="0">
-              <a:buNone/>
-            </a:pPr>
-            <a:r>
-              <a:rPr lang="en-US" b="1" dirty="0"/>
-              <a:t>5. throws: </a:t>
-            </a:r>
-            <a:r>
-              <a:rPr lang="en-US" dirty="0"/>
-              <a:t>Using the throws keyword we can </a:t>
-            </a:r>
-            <a:r>
-              <a:rPr lang="en-US" b="1" dirty="0">
-                <a:solidFill>
-                  <a:srgbClr val="C00000"/>
-                </a:solidFill>
-              </a:rPr>
-              <a:t>declare a new exception </a:t>
-            </a:r>
-            <a:r>
-              <a:rPr lang="en-US" dirty="0"/>
-              <a:t>from the exception classes.</a:t>
-            </a:r>
-            <a:endParaRPr lang="en-IN" dirty="0"/>
-          </a:p>
-        </p:txBody>
-      </p:sp>
+              </a14:hiddenFill>
+            </a:ext>
+          </a:extLst>
+        </p:spPr>
+      </p:pic>
     </p:spTree>
     <p:extLst>
       <p:ext uri="{BB962C8B-B14F-4D97-AF65-F5344CB8AC3E}">
@@ -3974,10 +3911,148 @@
             <a:pPr marL="0" indent="0">
               <a:buNone/>
             </a:pPr>
+            <a:r>
+              <a:rPr lang="en-US" dirty="0"/>
+              <a:t>1. </a:t>
+            </a:r>
+            <a:r>
+              <a:rPr lang="en-US" sz="3200" b="1" dirty="0">
+                <a:solidFill>
+                  <a:srgbClr val="C00000"/>
+                </a:solidFill>
+              </a:rPr>
+              <a:t>try</a:t>
+            </a:r>
+            <a:r>
+              <a:rPr lang="en-US" b="1" dirty="0"/>
+              <a:t>: (Holds </a:t>
+            </a:r>
+            <a:r>
+              <a:rPr lang="en-US" dirty="0"/>
+              <a:t>Risky Code</a:t>
+            </a:r>
+            <a:r>
+              <a:rPr lang="en-US" b="1" dirty="0"/>
+              <a:t>)</a:t>
+            </a:r>
+          </a:p>
+          <a:p>
+            <a:r>
+              <a:rPr lang="en-US" dirty="0"/>
+              <a:t>The try block contains the code that </a:t>
+            </a:r>
+            <a:r>
+              <a:rPr lang="en-US" b="1" dirty="0"/>
+              <a:t>might throw an exception</a:t>
+            </a:r>
+            <a:r>
+              <a:rPr lang="en-US" dirty="0"/>
+              <a:t>. If an exception occurs, it </a:t>
+            </a:r>
+            <a:r>
+              <a:rPr lang="en-US" b="1" dirty="0"/>
+              <a:t>jumps to the </a:t>
+            </a:r>
+            <a:r>
+              <a:rPr lang="en-US" b="1" dirty="0">
+                <a:solidFill>
+                  <a:srgbClr val="C00000"/>
+                </a:solidFill>
+              </a:rPr>
+              <a:t>catch</a:t>
+            </a:r>
+            <a:r>
+              <a:rPr lang="en-US" b="1" dirty="0"/>
+              <a:t> block</a:t>
+            </a:r>
+            <a:r>
+              <a:rPr lang="en-US" dirty="0"/>
+              <a:t>. </a:t>
+            </a:r>
+          </a:p>
+          <a:p>
+            <a:r>
+              <a:rPr lang="en-US" dirty="0"/>
+              <a:t>The try block is the block where the block of code that is needed to be </a:t>
+            </a:r>
+            <a:r>
+              <a:rPr lang="en-US" b="1" dirty="0"/>
+              <a:t>checked for exceptions </a:t>
+            </a:r>
+            <a:r>
+              <a:rPr lang="en-US" dirty="0"/>
+              <a:t>is placed. The try block is </a:t>
+            </a:r>
+            <a:r>
+              <a:rPr lang="en-US" b="1" dirty="0"/>
+              <a:t>followed by a catch or finally block, it </a:t>
+            </a:r>
+            <a:r>
+              <a:rPr lang="en-US" b="1" dirty="0">
+                <a:solidFill>
+                  <a:srgbClr val="C00000"/>
+                </a:solidFill>
+              </a:rPr>
+              <a:t>cannot stand alone</a:t>
+            </a:r>
+            <a:r>
+              <a:rPr lang="en-US" b="1" dirty="0"/>
+              <a:t>.</a:t>
+            </a:r>
+          </a:p>
+          <a:p>
+            <a:pPr marL="0" indent="0">
+              <a:buNone/>
+            </a:pPr>
+            <a:r>
+              <a:rPr lang="en-US" b="1" dirty="0"/>
+              <a:t>Example:</a:t>
+            </a:r>
+          </a:p>
+          <a:p>
+            <a:pPr marL="0" indent="0">
+              <a:buNone/>
+            </a:pPr>
+            <a:endParaRPr lang="en-US" b="1" dirty="0"/>
+          </a:p>
+          <a:p>
+            <a:pPr marL="0" indent="0">
+              <a:buNone/>
+            </a:pPr>
             <a:endParaRPr lang="en-IN" dirty="0"/>
           </a:p>
         </p:txBody>
       </p:sp>
+      <p:pic>
+        <p:nvPicPr>
+          <p:cNvPr id="4" name="Picture 3">
+            <a:extLst>
+              <a:ext uri="{FF2B5EF4-FFF2-40B4-BE49-F238E27FC236}">
+                <a16:creationId xmlns:a16="http://schemas.microsoft.com/office/drawing/2014/main" id="{39A5FC88-C553-9E9D-2DDE-1EF3452B74BE}"/>
+              </a:ext>
+            </a:extLst>
+          </p:cNvPr>
+          <p:cNvPicPr>
+            <a:picLocks noChangeAspect="1"/>
+          </p:cNvPicPr>
+          <p:nvPr/>
+        </p:nvPicPr>
+        <p:blipFill>
+          <a:blip r:embed="rId2"/>
+          <a:stretch>
+            <a:fillRect/>
+          </a:stretch>
+        </p:blipFill>
+        <p:spPr>
+          <a:xfrm>
+            <a:off x="1486824" y="4091895"/>
+            <a:ext cx="9948091" cy="2063098"/>
+          </a:xfrm>
+          <a:prstGeom prst="rect">
+            <a:avLst/>
+          </a:prstGeom>
+        </p:spPr>
+      </p:pic>
     </p:spTree>
     <p:extLst>
       <p:ext uri="{BB962C8B-B14F-4D97-AF65-F5344CB8AC3E}">
@@ -4039,14 +4114,112 @@
             <a:pPr marL="0" indent="0">
               <a:buNone/>
             </a:pPr>
-            <a:endParaRPr lang="en-IN" dirty="0"/>
-          </a:p>
-        </p:txBody>
-      </p:sp>
+            <a:r>
+              <a:rPr lang="en-US" b="1" dirty="0"/>
+              <a:t>2. catch: </a:t>
+            </a:r>
+          </a:p>
+          <a:p>
+            <a:r>
+              <a:rPr lang="en-US" dirty="0"/>
+              <a:t>The catch block is used to </a:t>
+            </a:r>
+            <a:r>
+              <a:rPr lang="en-US" b="1" dirty="0"/>
+              <a:t>handle the exception </a:t>
+            </a:r>
+            <a:r>
+              <a:rPr lang="en-US" b="1" dirty="0">
+                <a:solidFill>
+                  <a:srgbClr val="C00000"/>
+                </a:solidFill>
+              </a:rPr>
+              <a:t>thrown</a:t>
+            </a:r>
+            <a:r>
+              <a:rPr lang="en-US" b="1" dirty="0"/>
+              <a:t> </a:t>
+            </a:r>
+            <a:r>
+              <a:rPr lang="en-US" b="1" dirty="0">
+                <a:solidFill>
+                  <a:srgbClr val="C00000"/>
+                </a:solidFill>
+              </a:rPr>
+              <a:t>by</a:t>
+            </a:r>
+            <a:r>
+              <a:rPr lang="en-US" b="1" dirty="0"/>
+              <a:t> the try block</a:t>
+            </a:r>
+            <a:r>
+              <a:rPr lang="en-US" dirty="0"/>
+              <a:t>. You can catch different types of exceptions by </a:t>
+            </a:r>
+            <a:r>
+              <a:rPr lang="en-US" b="1" dirty="0">
+                <a:solidFill>
+                  <a:srgbClr val="C00000"/>
+                </a:solidFill>
+              </a:rPr>
+              <a:t>chaining</a:t>
+            </a:r>
+            <a:r>
+              <a:rPr lang="en-US" dirty="0"/>
+              <a:t> multiple catch blocks. It is declared after the try block.</a:t>
+            </a:r>
+          </a:p>
+          <a:p>
+            <a:pPr marL="0" indent="0">
+              <a:buNone/>
+            </a:pPr>
+            <a:endParaRPr lang="en-US" sz="800" dirty="0"/>
+          </a:p>
+          <a:p>
+            <a:pPr marL="0" indent="0">
+              <a:buNone/>
+            </a:pPr>
+            <a:r>
+              <a:rPr lang="en-US" b="1" dirty="0"/>
+              <a:t>Example:</a:t>
+            </a:r>
+          </a:p>
+        </p:txBody>
+      </p:sp>
+      <p:pic>
+        <p:nvPicPr>
+          <p:cNvPr id="4" name="Picture 3">
+            <a:extLst>
+              <a:ext uri="{FF2B5EF4-FFF2-40B4-BE49-F238E27FC236}">
+                <a16:creationId xmlns:a16="http://schemas.microsoft.com/office/drawing/2014/main" id="{9282EAB3-DBF1-FB7A-8825-85A1EF027A70}"/>
+              </a:ext>
+            </a:extLst>
+          </p:cNvPr>
+          <p:cNvPicPr>
+            <a:picLocks noChangeAspect="1"/>
+          </p:cNvPicPr>
+          <p:nvPr/>
+        </p:nvPicPr>
+        <p:blipFill>
+          <a:blip r:embed="rId2"/>
+          <a:stretch>
+            <a:fillRect/>
+          </a:stretch>
+        </p:blipFill>
+        <p:spPr>
+          <a:xfrm>
+            <a:off x="1722914" y="3278796"/>
+            <a:ext cx="9318711" cy="2743706"/>
+          </a:xfrm>
+          <a:prstGeom prst="rect">
+            <a:avLst/>
+          </a:prstGeom>
+        </p:spPr>
+      </p:pic>
     </p:spTree>
     <p:extLst>
       <p:ext uri="{BB962C8B-B14F-4D97-AF65-F5344CB8AC3E}">
-        <p14:creationId xmlns:p14="http://schemas.microsoft.com/office/powerpoint/2010/main" val="2837523724"/>
+        <p14:creationId xmlns:p14="http://schemas.microsoft.com/office/powerpoint/2010/main" val="1452697800"/>
       </p:ext>
     </p:extLst>
   </p:cSld>
@@ -4075,391 +4248,174 @@
       </p:grpSpPr>
       <p:sp>
         <p:nvSpPr>
-          <p:cNvPr id="5" name="Content Placeholder 2">
-            <a:extLst>
-              <a:ext uri="{FF2B5EF4-FFF2-40B4-BE49-F238E27FC236}">
-                <a16:creationId xmlns:a16="http://schemas.microsoft.com/office/drawing/2014/main" id="{36EC6F28-ADD0-A5F2-2DE5-31F3DC653397}"/>
-              </a:ext>
-            </a:extLst>
-          </p:cNvPr>
-          <p:cNvSpPr txBox="1">
-            <a:spLocks/>
-          </p:cNvSpPr>
-          <p:nvPr/>
+          <p:cNvPr id="3" name="Content Placeholder 2">
+            <a:extLst>
+              <a:ext uri="{FF2B5EF4-FFF2-40B4-BE49-F238E27FC236}">
+                <a16:creationId xmlns:a16="http://schemas.microsoft.com/office/drawing/2014/main" id="{E42FB284-DAF2-8CB9-9090-285BF2A5822E}"/>
+              </a:ext>
+            </a:extLst>
+          </p:cNvPr>
+          <p:cNvSpPr>
+            <a:spLocks noGrp="1"/>
+          </p:cNvSpPr>
+          <p:nvPr>
+            <p:ph idx="1"/>
+          </p:nvPr>
         </p:nvSpPr>
         <p:spPr>
           <a:xfrm>
-            <a:off x="650465" y="561975"/>
-            <a:ext cx="10770010" cy="5962650"/>
+            <a:off x="453512" y="252464"/>
+            <a:ext cx="11284975" cy="5646891"/>
+          </a:xfrm>
+        </p:spPr>
+        <p:txBody>
+          <a:bodyPr>
+            <a:normAutofit/>
+          </a:bodyPr>
+          <a:lstStyle/>
+          <a:p>
+            <a:pPr marL="0" indent="0">
+              <a:buNone/>
+            </a:pPr>
+            <a:r>
+              <a:rPr lang="en-US" b="1" dirty="0"/>
+              <a:t>3. finally: </a:t>
+            </a:r>
+          </a:p>
+          <a:p>
+            <a:r>
+              <a:rPr lang="en-US" dirty="0"/>
+              <a:t>The finally block contains code that will </a:t>
+            </a:r>
+            <a:r>
+              <a:rPr lang="en-US" b="1" dirty="0">
+                <a:solidFill>
+                  <a:srgbClr val="C00000"/>
+                </a:solidFill>
+              </a:rPr>
+              <a:t>always execute </a:t>
+            </a:r>
+            <a:r>
+              <a:rPr lang="en-US" dirty="0"/>
+              <a:t>after the </a:t>
+            </a:r>
+            <a:r>
+              <a:rPr lang="en-US" b="1" dirty="0"/>
+              <a:t>try</a:t>
+            </a:r>
+            <a:r>
+              <a:rPr lang="en-US" dirty="0"/>
+              <a:t> and </a:t>
+            </a:r>
+            <a:r>
+              <a:rPr lang="en-US" b="1" dirty="0"/>
+              <a:t>catch</a:t>
+            </a:r>
+            <a:r>
+              <a:rPr lang="en-US" dirty="0"/>
+              <a:t> blocks, regardless of whether an </a:t>
+            </a:r>
+            <a:r>
+              <a:rPr lang="en-US" b="1" dirty="0"/>
+              <a:t>exception was thrown</a:t>
+            </a:r>
+            <a:r>
+              <a:rPr lang="en-US" dirty="0"/>
+              <a:t>. It is typically used for cleanup actions, like closing resources.</a:t>
+            </a:r>
+            <a:endParaRPr lang="en-US" b="1" dirty="0"/>
+          </a:p>
+          <a:p>
+            <a:r>
+              <a:rPr lang="en-US" dirty="0"/>
+              <a:t>Using the finally block we can </a:t>
+            </a:r>
+            <a:r>
+              <a:rPr lang="en-US" b="1" dirty="0"/>
+              <a:t>execute an important piece </a:t>
+            </a:r>
+            <a:r>
+              <a:rPr lang="en-US" dirty="0"/>
+              <a:t>of </a:t>
+            </a:r>
+            <a:r>
+              <a:rPr lang="en-US" b="1" dirty="0"/>
+              <a:t>code</a:t>
+            </a:r>
+            <a:r>
+              <a:rPr lang="en-US" dirty="0"/>
+              <a:t> because the finally block will be executed </a:t>
+            </a:r>
+            <a:r>
+              <a:rPr lang="en-US" b="1" dirty="0">
+                <a:solidFill>
+                  <a:srgbClr val="C00000"/>
+                </a:solidFill>
+              </a:rPr>
+              <a:t>regardless</a:t>
+            </a:r>
+            <a:r>
+              <a:rPr lang="en-US" dirty="0"/>
+              <a:t> of what the outcome is from the try block.</a:t>
+            </a:r>
+          </a:p>
+          <a:p>
+            <a:pPr marL="0" indent="0">
+              <a:buNone/>
+            </a:pPr>
+            <a:r>
+              <a:rPr lang="en-US" b="1" dirty="0"/>
+              <a:t>Example:</a:t>
+            </a:r>
+          </a:p>
+          <a:p>
+            <a:pPr marL="0" indent="0">
+              <a:buNone/>
+            </a:pPr>
+            <a:endParaRPr lang="en-US" dirty="0"/>
+          </a:p>
+          <a:p>
+            <a:pPr marL="0" indent="0">
+              <a:buNone/>
+            </a:pPr>
+            <a:endParaRPr lang="en-IN" dirty="0"/>
+          </a:p>
+        </p:txBody>
+      </p:sp>
+      <p:pic>
+        <p:nvPicPr>
+          <p:cNvPr id="4" name="Picture 3">
+            <a:extLst>
+              <a:ext uri="{FF2B5EF4-FFF2-40B4-BE49-F238E27FC236}">
+                <a16:creationId xmlns:a16="http://schemas.microsoft.com/office/drawing/2014/main" id="{5FB1409B-BAB0-9321-4CF7-0F4170F61DC9}"/>
+              </a:ext>
+            </a:extLst>
+          </p:cNvPr>
+          <p:cNvPicPr>
+            <a:picLocks noChangeAspect="1"/>
+          </p:cNvPicPr>
+          <p:nvPr/>
+        </p:nvPicPr>
+        <p:blipFill>
+          <a:blip r:embed="rId2"/>
+          <a:stretch>
+            <a:fillRect/>
+          </a:stretch>
+        </p:blipFill>
+        <p:spPr>
+          <a:xfrm>
+            <a:off x="2479177" y="3429000"/>
+            <a:ext cx="8631275" cy="3286415"/>
           </a:xfrm>
           <a:prstGeom prst="rect">
             <a:avLst/>
           </a:prstGeom>
         </p:spPr>
-        <p:txBody>
-          <a:bodyPr vert="horz" lIns="91440" tIns="45720" rIns="91440" bIns="45720" rtlCol="0">
-            <a:normAutofit/>
-          </a:bodyPr>
-          <a:lstStyle>
-            <a:lvl1pPr marL="0" indent="0" algn="ctr" defTabSz="914400" rtl="0" eaLnBrk="1" latinLnBrk="0" hangingPunct="1">
-              <a:lnSpc>
-                <a:spcPct val="90000"/>
-              </a:lnSpc>
-              <a:spcBef>
-                <a:spcPts val="1000"/>
-              </a:spcBef>
-              <a:buFont typeface="Arial" panose="020B0604020202020204" pitchFamily="34" charset="0"/>
-              <a:buNone/>
-              <a:defRPr sz="2400" kern="1200">
-                <a:solidFill>
-                  <a:schemeClr val="tx1"/>
-                </a:solidFill>
-                <a:latin typeface="+mn-lt"/>
-                <a:ea typeface="+mn-ea"/>
-                <a:cs typeface="+mn-cs"/>
-              </a:defRPr>
-            </a:lvl1pPr>
-            <a:lvl2pPr marL="457200" indent="0" algn="ctr" defTabSz="914400" rtl="0" eaLnBrk="1" latinLnBrk="0" hangingPunct="1">
-              <a:lnSpc>
-                <a:spcPct val="90000"/>
-              </a:lnSpc>
-              <a:spcBef>
-                <a:spcPts val="500"/>
-              </a:spcBef>
-              <a:buFont typeface="Arial" panose="020B0604020202020204" pitchFamily="34" charset="0"/>
-              <a:buNone/>
-              <a:defRPr sz="2000" kern="1200">
-                <a:solidFill>
-                  <a:schemeClr val="tx1"/>
-                </a:solidFill>
-                <a:latin typeface="+mn-lt"/>
-                <a:ea typeface="+mn-ea"/>
-                <a:cs typeface="+mn-cs"/>
-              </a:defRPr>
-            </a:lvl2pPr>
-            <a:lvl3pPr marL="914400" indent="0" algn="ctr" defTabSz="914400" rtl="0" eaLnBrk="1" latinLnBrk="0" hangingPunct="1">
-              <a:lnSpc>
-                <a:spcPct val="90000"/>
-              </a:lnSpc>
-              <a:spcBef>
-                <a:spcPts val="500"/>
-              </a:spcBef>
-              <a:buFont typeface="Arial" panose="020B0604020202020204" pitchFamily="34" charset="0"/>
-              <a:buNone/>
-              <a:defRPr sz="1800" kern="1200">
-                <a:solidFill>
-                  <a:schemeClr val="tx1"/>
-                </a:solidFill>
-                <a:latin typeface="+mn-lt"/>
-                <a:ea typeface="+mn-ea"/>
-                <a:cs typeface="+mn-cs"/>
-              </a:defRPr>
-            </a:lvl3pPr>
-            <a:lvl4pPr marL="1371600" indent="0" algn="ctr" defTabSz="914400" rtl="0" eaLnBrk="1" latinLnBrk="0" hangingPunct="1">
-              <a:lnSpc>
-                <a:spcPct val="90000"/>
-              </a:lnSpc>
-              <a:spcBef>
-                <a:spcPts val="500"/>
-              </a:spcBef>
-              <a:buFont typeface="Arial" panose="020B0604020202020204" pitchFamily="34" charset="0"/>
-              <a:buNone/>
-              <a:defRPr sz="1600" kern="1200">
-                <a:solidFill>
-                  <a:schemeClr val="tx1"/>
-                </a:solidFill>
-                <a:latin typeface="+mn-lt"/>
-                <a:ea typeface="+mn-ea"/>
-                <a:cs typeface="+mn-cs"/>
-              </a:defRPr>
-            </a:lvl4pPr>
-            <a:lvl5pPr marL="1828800" indent="0" algn="ctr" defTabSz="914400" rtl="0" eaLnBrk="1" latinLnBrk="0" hangingPunct="1">
-              <a:lnSpc>
-                <a:spcPct val="90000"/>
-              </a:lnSpc>
-              <a:spcBef>
-                <a:spcPts val="500"/>
-              </a:spcBef>
-              <a:buFont typeface="Arial" panose="020B0604020202020204" pitchFamily="34" charset="0"/>
-              <a:buNone/>
-              <a:defRPr sz="1600" kern="1200">
-                <a:solidFill>
-                  <a:schemeClr val="tx1"/>
-                </a:solidFill>
-                <a:latin typeface="+mn-lt"/>
-                <a:ea typeface="+mn-ea"/>
-                <a:cs typeface="+mn-cs"/>
-              </a:defRPr>
-            </a:lvl5pPr>
-            <a:lvl6pPr marL="2286000" indent="0" algn="ctr" defTabSz="914400" rtl="0" eaLnBrk="1" latinLnBrk="0" hangingPunct="1">
-              <a:lnSpc>
-                <a:spcPct val="90000"/>
-              </a:lnSpc>
-              <a:spcBef>
-                <a:spcPts val="500"/>
-              </a:spcBef>
-              <a:buFont typeface="Arial" panose="020B0604020202020204" pitchFamily="34" charset="0"/>
-              <a:buNone/>
-              <a:defRPr sz="1600" kern="1200">
-                <a:solidFill>
-                  <a:schemeClr val="tx1"/>
-                </a:solidFill>
-                <a:latin typeface="+mn-lt"/>
-                <a:ea typeface="+mn-ea"/>
-                <a:cs typeface="+mn-cs"/>
-              </a:defRPr>
-            </a:lvl6pPr>
-            <a:lvl7pPr marL="2743200" indent="0" algn="ctr" defTabSz="914400" rtl="0" eaLnBrk="1" latinLnBrk="0" hangingPunct="1">
-              <a:lnSpc>
-                <a:spcPct val="90000"/>
-              </a:lnSpc>
-              <a:spcBef>
-                <a:spcPts val="500"/>
-              </a:spcBef>
-              <a:buFont typeface="Arial" panose="020B0604020202020204" pitchFamily="34" charset="0"/>
-              <a:buNone/>
-              <a:defRPr sz="1600" kern="1200">
-                <a:solidFill>
-                  <a:schemeClr val="tx1"/>
-                </a:solidFill>
-                <a:latin typeface="+mn-lt"/>
-                <a:ea typeface="+mn-ea"/>
-                <a:cs typeface="+mn-cs"/>
-              </a:defRPr>
-            </a:lvl7pPr>
-            <a:lvl8pPr marL="3200400" indent="0" algn="ctr" defTabSz="914400" rtl="0" eaLnBrk="1" latinLnBrk="0" hangingPunct="1">
-              <a:lnSpc>
-                <a:spcPct val="90000"/>
-              </a:lnSpc>
-              <a:spcBef>
-                <a:spcPts val="500"/>
-              </a:spcBef>
-              <a:buFont typeface="Arial" panose="020B0604020202020204" pitchFamily="34" charset="0"/>
-              <a:buNone/>
-              <a:defRPr sz="1600" kern="1200">
-                <a:solidFill>
-                  <a:schemeClr val="tx1"/>
-                </a:solidFill>
-                <a:latin typeface="+mn-lt"/>
-                <a:ea typeface="+mn-ea"/>
-                <a:cs typeface="+mn-cs"/>
-              </a:defRPr>
-            </a:lvl8pPr>
-            <a:lvl9pPr marL="3657600" indent="0" algn="ctr" defTabSz="914400" rtl="0" eaLnBrk="1" latinLnBrk="0" hangingPunct="1">
-              <a:lnSpc>
-                <a:spcPct val="90000"/>
-              </a:lnSpc>
-              <a:spcBef>
-                <a:spcPts val="500"/>
-              </a:spcBef>
-              <a:buFont typeface="Arial" panose="020B0604020202020204" pitchFamily="34" charset="0"/>
-              <a:buNone/>
-              <a:defRPr sz="1600" kern="1200">
-                <a:solidFill>
-                  <a:schemeClr val="tx1"/>
-                </a:solidFill>
-                <a:latin typeface="+mn-lt"/>
-                <a:ea typeface="+mn-ea"/>
-                <a:cs typeface="+mn-cs"/>
-              </a:defRPr>
-            </a:lvl9pPr>
-          </a:lstStyle>
-          <a:p>
-            <a:r>
-              <a:rPr lang="en-US" b="1" dirty="0">
-                <a:solidFill>
-                  <a:schemeClr val="tx2"/>
-                </a:solidFill>
-              </a:rPr>
-              <a:t>Module-4: </a:t>
-            </a:r>
-            <a:r>
-              <a:rPr lang="en-US" b="1" dirty="0">
-                <a:solidFill>
-                  <a:srgbClr val="C00000"/>
-                </a:solidFill>
-              </a:rPr>
-              <a:t>EXCEPTION HANDLING (5hrs)</a:t>
-            </a:r>
-          </a:p>
-          <a:p>
-            <a:r>
-              <a:rPr lang="en-US" b="1" dirty="0"/>
-              <a:t>Exception Handling:</a:t>
-            </a:r>
-            <a:r>
-              <a:rPr lang="en-US" dirty="0"/>
-              <a:t> </a:t>
-            </a:r>
-            <a:r>
-              <a:rPr lang="en-US" b="1" dirty="0"/>
-              <a:t>Benefits of exception handling</a:t>
-            </a:r>
-            <a:r>
-              <a:rPr lang="en-US" dirty="0"/>
-              <a:t>, </a:t>
-            </a:r>
-            <a:r>
-              <a:rPr lang="en-US" b="1" dirty="0"/>
-              <a:t>the classification of exceptions,</a:t>
-            </a:r>
-            <a:r>
-              <a:rPr lang="en-US" dirty="0"/>
-              <a:t> </a:t>
-            </a:r>
-            <a:r>
-              <a:rPr lang="en-US" b="1" dirty="0"/>
-              <a:t>exception hierarchy</a:t>
-            </a:r>
-            <a:r>
-              <a:rPr lang="en-US" dirty="0"/>
-              <a:t>, </a:t>
-            </a:r>
-            <a:r>
-              <a:rPr lang="en-US" b="1" dirty="0"/>
-              <a:t>checked exceptions and unchecked exceptions,</a:t>
-            </a:r>
-            <a:r>
-              <a:rPr lang="en-US" dirty="0"/>
-              <a:t> usage of try, catch, throw, throws and finally. rethrowing exceptions, exception specification</a:t>
-            </a:r>
-            <a:r>
-              <a:rPr lang="en-US" b="1" dirty="0"/>
-              <a:t>, built in exceptions</a:t>
-            </a:r>
-            <a:r>
-              <a:rPr lang="en-US" dirty="0"/>
-              <a:t>, creating own exception sub classes.</a:t>
-            </a:r>
-          </a:p>
-          <a:p>
-            <a:endParaRPr lang="en-US" dirty="0"/>
-          </a:p>
-          <a:p>
-            <a:r>
-              <a:rPr lang="en-US" b="1" dirty="0">
-                <a:solidFill>
-                  <a:schemeClr val="tx2"/>
-                </a:solidFill>
-              </a:rPr>
-              <a:t>Module-5: </a:t>
-            </a:r>
-            <a:r>
-              <a:rPr lang="en-US" b="1" dirty="0">
-                <a:solidFill>
-                  <a:srgbClr val="C00000"/>
-                </a:solidFill>
-              </a:rPr>
-              <a:t>GUI PROGRAMMING AND APPLETS (6)</a:t>
-            </a:r>
-          </a:p>
-          <a:p>
-            <a:r>
-              <a:rPr lang="en-US" b="1" dirty="0"/>
-              <a:t>GUI Programming with Java: </a:t>
-            </a:r>
-            <a:r>
-              <a:rPr lang="en-US" dirty="0"/>
-              <a:t>The AWT class hierarchy, introduction to swing. </a:t>
-            </a:r>
-            <a:r>
-              <a:rPr lang="en-US" dirty="0" err="1"/>
-              <a:t>swangs</a:t>
-            </a:r>
-            <a:r>
-              <a:rPr lang="en-US" dirty="0"/>
-              <a:t> Vs AWT, hierarchy for swing components. </a:t>
-            </a:r>
-          </a:p>
-          <a:p>
-            <a:r>
-              <a:rPr lang="en-US" b="1" dirty="0"/>
-              <a:t>Containers: </a:t>
-            </a:r>
-            <a:r>
-              <a:rPr lang="en-US" dirty="0" err="1"/>
-              <a:t>JFrame</a:t>
-            </a:r>
-            <a:r>
-              <a:rPr lang="en-US" dirty="0"/>
-              <a:t>. </a:t>
-            </a:r>
-            <a:r>
-              <a:rPr lang="en-US" dirty="0" err="1"/>
-              <a:t>JApplet</a:t>
-            </a:r>
-            <a:r>
-              <a:rPr lang="en-US" dirty="0"/>
-              <a:t>, </a:t>
-            </a:r>
-            <a:r>
-              <a:rPr lang="en-US" dirty="0" err="1"/>
-              <a:t>JDialog</a:t>
-            </a:r>
-            <a:r>
-              <a:rPr lang="en-US" dirty="0"/>
-              <a:t>. </a:t>
-            </a:r>
-            <a:r>
-              <a:rPr lang="en-US" dirty="0" err="1"/>
-              <a:t>Jpanel</a:t>
-            </a:r>
-            <a:r>
-              <a:rPr lang="en-US" dirty="0"/>
-              <a:t>, overview of some swing components </a:t>
-            </a:r>
-            <a:r>
-              <a:rPr lang="en-US" dirty="0" err="1"/>
-              <a:t>JButton</a:t>
-            </a:r>
-            <a:r>
-              <a:rPr lang="en-US" dirty="0"/>
-              <a:t>, </a:t>
-            </a:r>
-            <a:r>
-              <a:rPr lang="en-US" dirty="0" err="1"/>
-              <a:t>JLabel</a:t>
-            </a:r>
-            <a:r>
-              <a:rPr lang="en-US" dirty="0"/>
-              <a:t>, </a:t>
-            </a:r>
-            <a:r>
-              <a:rPr lang="en-US" dirty="0" err="1"/>
-              <a:t>JTextField</a:t>
-            </a:r>
-            <a:r>
-              <a:rPr lang="en-US" dirty="0"/>
-              <a:t>, </a:t>
-            </a:r>
-            <a:r>
-              <a:rPr lang="en-US" dirty="0" err="1"/>
-              <a:t>JTextArea</a:t>
-            </a:r>
-            <a:r>
-              <a:rPr lang="en-US" dirty="0"/>
-              <a:t>, simple applications Layout management Layout manager types, border, grid and flow.</a:t>
-            </a:r>
-          </a:p>
-          <a:p>
-            <a:r>
-              <a:rPr lang="en-US" b="1" dirty="0"/>
-              <a:t>Applets: </a:t>
-            </a:r>
-            <a:r>
-              <a:rPr lang="en-US" dirty="0"/>
-              <a:t>Inheritance hierarchy for applets, differences between applets and applications, life cycle of an applet, passing parameters to applets.</a:t>
-            </a:r>
-          </a:p>
-          <a:p>
-            <a:endParaRPr lang="en-IN" dirty="0"/>
-          </a:p>
-        </p:txBody>
-      </p:sp>
+      </p:pic>
     </p:spTree>
     <p:extLst>
       <p:ext uri="{BB962C8B-B14F-4D97-AF65-F5344CB8AC3E}">
-        <p14:creationId xmlns:p14="http://schemas.microsoft.com/office/powerpoint/2010/main" val="361719691"/>
+        <p14:creationId xmlns:p14="http://schemas.microsoft.com/office/powerpoint/2010/main" val="2056879648"/>
       </p:ext>
     </p:extLst>
   </p:cSld>
@@ -4517,14 +4473,91 @@
             <a:pPr marL="0" indent="0">
               <a:buNone/>
             </a:pPr>
-            <a:endParaRPr lang="en-IN" dirty="0"/>
-          </a:p>
-        </p:txBody>
-      </p:sp>
+            <a:r>
+              <a:rPr lang="en-US" b="1" dirty="0"/>
+              <a:t>4. throw: </a:t>
+            </a:r>
+          </a:p>
+          <a:p>
+            <a:r>
+              <a:rPr lang="en-US" dirty="0"/>
+              <a:t>The throw keyword is used to explicitly throw an exception.</a:t>
+            </a:r>
+            <a:endParaRPr lang="en-US" b="1" dirty="0"/>
+          </a:p>
+          <a:p>
+            <a:r>
+              <a:rPr lang="en-US" dirty="0"/>
+              <a:t>Using the throw keyword we can </a:t>
+            </a:r>
+            <a:r>
+              <a:rPr lang="en-US" b="1" dirty="0"/>
+              <a:t>throw a </a:t>
+            </a:r>
+            <a:r>
+              <a:rPr lang="en-US" b="1" dirty="0">
+                <a:solidFill>
+                  <a:srgbClr val="C00000"/>
+                </a:solidFill>
+              </a:rPr>
+              <a:t>predefined</a:t>
+            </a:r>
+            <a:r>
+              <a:rPr lang="en-US" b="1" dirty="0"/>
+              <a:t> exception.</a:t>
+            </a:r>
+          </a:p>
+          <a:p>
+            <a:pPr marL="0" indent="0">
+              <a:buNone/>
+            </a:pPr>
+            <a:r>
+              <a:rPr lang="en-IN" b="1" dirty="0"/>
+              <a:t>Example:</a:t>
+            </a:r>
+          </a:p>
+          <a:p>
+            <a:pPr marL="0" indent="0">
+              <a:buNone/>
+            </a:pPr>
+            <a:endParaRPr lang="en-IN" b="1" dirty="0"/>
+          </a:p>
+        </p:txBody>
+      </p:sp>
+      <p:pic>
+        <p:nvPicPr>
+          <p:cNvPr id="4" name="Picture 3">
+            <a:extLst>
+              <a:ext uri="{FF2B5EF4-FFF2-40B4-BE49-F238E27FC236}">
+                <a16:creationId xmlns:a16="http://schemas.microsoft.com/office/drawing/2014/main" id="{E5C05FDF-EAD2-34D9-F725-547547562AFC}"/>
+              </a:ext>
+            </a:extLst>
+          </p:cNvPr>
+          <p:cNvPicPr>
+            <a:picLocks noChangeAspect="1"/>
+          </p:cNvPicPr>
+          <p:nvPr/>
+        </p:nvPicPr>
+        <p:blipFill>
+          <a:blip r:embed="rId2"/>
+          <a:stretch>
+            <a:fillRect/>
+          </a:stretch>
+        </p:blipFill>
+        <p:spPr>
+          <a:xfrm>
+            <a:off x="1567428" y="2993140"/>
+            <a:ext cx="9933071" cy="2444099"/>
+          </a:xfrm>
+          <a:prstGeom prst="rect">
+            <a:avLst/>
+          </a:prstGeom>
+        </p:spPr>
+      </p:pic>
     </p:spTree>
     <p:extLst>
       <p:ext uri="{BB962C8B-B14F-4D97-AF65-F5344CB8AC3E}">
-        <p14:creationId xmlns:p14="http://schemas.microsoft.com/office/powerpoint/2010/main" val="1452697800"/>
+        <p14:creationId xmlns:p14="http://schemas.microsoft.com/office/powerpoint/2010/main" val="239559287"/>
       </p:ext>
     </p:extLst>
   </p:cSld>
@@ -4582,14 +4615,85 @@
             <a:pPr marL="0" indent="0">
               <a:buNone/>
             </a:pPr>
-            <a:endParaRPr lang="en-IN" dirty="0"/>
-          </a:p>
-        </p:txBody>
-      </p:sp>
+            <a:r>
+              <a:rPr lang="en-US" b="1" dirty="0"/>
+              <a:t>5. throws: </a:t>
+            </a:r>
+          </a:p>
+          <a:p>
+            <a:pPr marL="0" indent="0">
+              <a:buNone/>
+            </a:pPr>
+            <a:r>
+              <a:rPr lang="en-US" dirty="0"/>
+              <a:t>The throws keyword is used in </a:t>
+            </a:r>
+            <a:r>
+              <a:rPr lang="en-US" b="1" dirty="0">
+                <a:solidFill>
+                  <a:srgbClr val="C00000"/>
+                </a:solidFill>
+              </a:rPr>
+              <a:t>method signatures </a:t>
+            </a:r>
+            <a:r>
+              <a:rPr lang="en-US" dirty="0"/>
+              <a:t>to declare that a </a:t>
+            </a:r>
+            <a:r>
+              <a:rPr lang="en-US" b="1" dirty="0"/>
+              <a:t>method might throw one or more exceptions</a:t>
+            </a:r>
+            <a:r>
+              <a:rPr lang="en-US" dirty="0"/>
+              <a:t>. This is useful for checked exceptions.</a:t>
+            </a:r>
+          </a:p>
+          <a:p>
+            <a:pPr marL="0" indent="0">
+              <a:buNone/>
+            </a:pPr>
+            <a:r>
+              <a:rPr lang="en-IN" b="1" dirty="0"/>
+              <a:t>Example:</a:t>
+            </a:r>
+          </a:p>
+        </p:txBody>
+      </p:sp>
+      <p:pic>
+        <p:nvPicPr>
+          <p:cNvPr id="5" name="Picture 4">
+            <a:extLst>
+              <a:ext uri="{FF2B5EF4-FFF2-40B4-BE49-F238E27FC236}">
+                <a16:creationId xmlns:a16="http://schemas.microsoft.com/office/drawing/2014/main" id="{A76EE70E-D5BB-7CF2-7C28-FE45C313D9C9}"/>
+              </a:ext>
+            </a:extLst>
+          </p:cNvPr>
+          <p:cNvPicPr>
+            <a:picLocks noChangeAspect="1"/>
+          </p:cNvPicPr>
+          <p:nvPr/>
+        </p:nvPicPr>
+        <p:blipFill>
+          <a:blip r:embed="rId2"/>
+          <a:stretch>
+            <a:fillRect/>
+          </a:stretch>
+        </p:blipFill>
+        <p:spPr>
+          <a:xfrm>
+            <a:off x="1961086" y="3036579"/>
+            <a:ext cx="8928289" cy="2282673"/>
+          </a:xfrm>
+          <a:prstGeom prst="rect">
+            <a:avLst/>
+          </a:prstGeom>
+        </p:spPr>
+      </p:pic>
     </p:spTree>
     <p:extLst>
       <p:ext uri="{BB962C8B-B14F-4D97-AF65-F5344CB8AC3E}">
-        <p14:creationId xmlns:p14="http://schemas.microsoft.com/office/powerpoint/2010/main" val="2056879648"/>
+        <p14:creationId xmlns:p14="http://schemas.microsoft.com/office/powerpoint/2010/main" val="2837523724"/>
       </p:ext>
     </p:extLst>
   </p:cSld>
@@ -4647,6 +4751,122 @@
             <a:pPr marL="0" indent="0">
               <a:buNone/>
             </a:pPr>
+            <a:r>
+              <a:rPr lang="en-US" b="1" dirty="0"/>
+              <a:t>Creating own Exception sub-classes:</a:t>
+            </a:r>
+          </a:p>
+          <a:p>
+            <a:pPr marL="0" indent="0">
+              <a:buNone/>
+            </a:pPr>
+            <a:r>
+              <a:rPr lang="en-US" dirty="0"/>
+              <a:t>In Java, you can create your own custom exception classes by </a:t>
+            </a:r>
+            <a:r>
+              <a:rPr lang="en-US" b="1" dirty="0">
+                <a:solidFill>
+                  <a:srgbClr val="C00000"/>
+                </a:solidFill>
+              </a:rPr>
+              <a:t>extending</a:t>
+            </a:r>
+            <a:r>
+              <a:rPr lang="en-US" dirty="0"/>
+              <a:t> the built-in </a:t>
+            </a:r>
+            <a:r>
+              <a:rPr lang="en-US" b="1" dirty="0">
+                <a:solidFill>
+                  <a:srgbClr val="C00000"/>
+                </a:solidFill>
+              </a:rPr>
+              <a:t>Exception</a:t>
+            </a:r>
+            <a:r>
+              <a:rPr lang="en-US" dirty="0"/>
+              <a:t> </a:t>
+            </a:r>
+            <a:r>
+              <a:rPr lang="en-US" b="1" dirty="0"/>
+              <a:t>class</a:t>
+            </a:r>
+            <a:r>
+              <a:rPr lang="en-US" dirty="0"/>
+              <a:t> (for checked exceptions) or </a:t>
+            </a:r>
+            <a:r>
+              <a:rPr lang="en-US" b="1" dirty="0" err="1">
+                <a:solidFill>
+                  <a:srgbClr val="C00000"/>
+                </a:solidFill>
+              </a:rPr>
+              <a:t>RuntimeException</a:t>
+            </a:r>
+            <a:r>
+              <a:rPr lang="en-US" dirty="0"/>
+              <a:t> class (for unchecked exceptions). Custom exceptions are useful when you want to </a:t>
+            </a:r>
+            <a:r>
+              <a:rPr lang="en-US" b="1" dirty="0">
+                <a:solidFill>
+                  <a:srgbClr val="C00000"/>
+                </a:solidFill>
+              </a:rPr>
+              <a:t>throw specific errors </a:t>
+            </a:r>
+            <a:r>
+              <a:rPr lang="en-US" dirty="0"/>
+              <a:t>related to your application's business logic.</a:t>
+            </a:r>
+          </a:p>
+          <a:p>
+            <a:pPr marL="0" indent="0">
+              <a:buNone/>
+            </a:pPr>
+            <a:endParaRPr lang="en-US" sz="800" b="1" dirty="0"/>
+          </a:p>
+          <a:p>
+            <a:pPr marL="0" indent="0">
+              <a:buNone/>
+            </a:pPr>
+            <a:r>
+              <a:rPr lang="en-US" b="1" dirty="0"/>
+              <a:t>Steps to Create a Custom Exception Class:</a:t>
+            </a:r>
+          </a:p>
+          <a:p>
+            <a:r>
+              <a:rPr lang="en-US" b="1" dirty="0"/>
+              <a:t>Extend</a:t>
+            </a:r>
+            <a:r>
+              <a:rPr lang="en-US" dirty="0"/>
+              <a:t> the Exception class (for checked exceptions) or </a:t>
+            </a:r>
+            <a:r>
+              <a:rPr lang="en-US" dirty="0" err="1"/>
+              <a:t>RuntimeException</a:t>
+            </a:r>
+            <a:r>
+              <a:rPr lang="en-US" dirty="0"/>
+              <a:t> class (for unchecked exceptions).</a:t>
+            </a:r>
+          </a:p>
+          <a:p>
+            <a:r>
+              <a:rPr lang="en-US" dirty="0"/>
+              <a:t>Provide </a:t>
+            </a:r>
+            <a:r>
+              <a:rPr lang="en-US" b="1" dirty="0"/>
+              <a:t>constructors</a:t>
+            </a:r>
+            <a:r>
+              <a:rPr lang="en-US" dirty="0"/>
+              <a:t> to initialize the exception message and optionally pass other information like the cause of the exception.</a:t>
+            </a:r>
             <a:endParaRPr lang="en-IN" dirty="0"/>
           </a:p>
         </p:txBody>
@@ -4654,7 +4874,7 @@
     </p:spTree>
     <p:extLst>
       <p:ext uri="{BB962C8B-B14F-4D97-AF65-F5344CB8AC3E}">
-        <p14:creationId xmlns:p14="http://schemas.microsoft.com/office/powerpoint/2010/main" val="239559287"/>
+        <p14:creationId xmlns:p14="http://schemas.microsoft.com/office/powerpoint/2010/main" val="2045915813"/>
       </p:ext>
     </p:extLst>
   </p:cSld>
@@ -4712,14 +4932,71 @@
             <a:pPr marL="0" indent="0">
               <a:buNone/>
             </a:pPr>
+            <a:r>
+              <a:rPr lang="en-US" dirty="0"/>
+              <a:t>1. Creating a Custom Checked Exception:</a:t>
+            </a:r>
+          </a:p>
+          <a:p>
+            <a:pPr marL="0" indent="0">
+              <a:buNone/>
+            </a:pPr>
+            <a:r>
+              <a:rPr lang="en-US" dirty="0"/>
+              <a:t>A checked exception must be declared in the method signature using the throws keyword and must be handled (caught) in the calling method.</a:t>
+            </a:r>
+          </a:p>
+          <a:p>
+            <a:pPr marL="0" indent="0">
+              <a:buNone/>
+            </a:pPr>
+            <a:r>
+              <a:rPr lang="en-US" dirty="0"/>
+              <a:t>Example:</a:t>
+            </a:r>
+          </a:p>
+          <a:p>
+            <a:pPr marL="0" indent="0">
+              <a:buNone/>
+            </a:pPr>
             <a:endParaRPr lang="en-IN" dirty="0"/>
           </a:p>
         </p:txBody>
       </p:sp>
+      <p:pic>
+        <p:nvPicPr>
+          <p:cNvPr id="5" name="Picture 4">
+            <a:extLst>
+              <a:ext uri="{FF2B5EF4-FFF2-40B4-BE49-F238E27FC236}">
+                <a16:creationId xmlns:a16="http://schemas.microsoft.com/office/drawing/2014/main" id="{FA0B9E55-4C04-C123-D6B4-916EEB734E04}"/>
+              </a:ext>
+            </a:extLst>
+          </p:cNvPr>
+          <p:cNvPicPr>
+            <a:picLocks noChangeAspect="1"/>
+          </p:cNvPicPr>
+          <p:nvPr/>
+        </p:nvPicPr>
+        <p:blipFill>
+          <a:blip r:embed="rId2"/>
+          <a:stretch>
+            <a:fillRect/>
+          </a:stretch>
+        </p:blipFill>
+        <p:spPr>
+          <a:xfrm>
+            <a:off x="2184468" y="2832950"/>
+            <a:ext cx="9250447" cy="3322043"/>
+          </a:xfrm>
+          <a:prstGeom prst="rect">
+            <a:avLst/>
+          </a:prstGeom>
+        </p:spPr>
+      </p:pic>
     </p:spTree>
     <p:extLst>
       <p:ext uri="{BB962C8B-B14F-4D97-AF65-F5344CB8AC3E}">
-        <p14:creationId xmlns:p14="http://schemas.microsoft.com/office/powerpoint/2010/main" val="2045915813"/>
+        <p14:creationId xmlns:p14="http://schemas.microsoft.com/office/powerpoint/2010/main" val="1807678130"/>
       </p:ext>
     </p:extLst>
   </p:cSld>
@@ -4746,45 +5023,44 @@
           <a:chExt cx="0" cy="0"/>
         </a:xfrm>
       </p:grpSpPr>
-      <p:sp>
-        <p:nvSpPr>
-          <p:cNvPr id="3" name="Content Placeholder 2">
-            <a:extLst>
-              <a:ext uri="{FF2B5EF4-FFF2-40B4-BE49-F238E27FC236}">
-                <a16:creationId xmlns:a16="http://schemas.microsoft.com/office/drawing/2014/main" id="{E42FB284-DAF2-8CB9-9090-285BF2A5822E}"/>
-              </a:ext>
-            </a:extLst>
-          </p:cNvPr>
-          <p:cNvSpPr>
-            <a:spLocks noGrp="1"/>
-          </p:cNvSpPr>
+      <p:pic>
+        <p:nvPicPr>
+          <p:cNvPr id="4" name="Content Placeholder 3" descr="A screen shot of a computer program&#10;&#10;Description automatically generated">
+            <a:extLst>
+              <a:ext uri="{FF2B5EF4-FFF2-40B4-BE49-F238E27FC236}">
+                <a16:creationId xmlns:a16="http://schemas.microsoft.com/office/drawing/2014/main" id="{638C618B-3EFF-3925-F870-B5CC6E5BEC6F}"/>
+              </a:ext>
+            </a:extLst>
+          </p:cNvPr>
+          <p:cNvPicPr>
+            <a:picLocks noGrp="1" noChangeAspect="1"/>
+          </p:cNvPicPr>
           <p:nvPr>
             <p:ph idx="1"/>
           </p:nvPr>
-        </p:nvSpPr>
+        </p:nvPicPr>
+        <p:blipFill>
+          <a:blip r:embed="rId2">
+            <a:extLst>
+              <a:ext uri="{28A0092B-C50C-407E-A947-70E740481C1C}">
+                <a14:useLocalDpi xmlns:a14="http://schemas.microsoft.com/office/drawing/2010/main" val="0"/>
+              </a:ext>
+            </a:extLst>
+          </a:blip>
+          <a:srcRect l="3147" t="5630" r="3277" b="4522"/>
+          <a:stretch/>
+        </p:blipFill>
         <p:spPr>
           <a:xfrm>
-            <a:off x="631722" y="508102"/>
-            <a:ext cx="10803193" cy="5646891"/>
+            <a:off x="511278" y="390832"/>
+            <a:ext cx="10953134" cy="6118123"/>
           </a:xfrm>
         </p:spPr>
-        <p:txBody>
-          <a:bodyPr>
-            <a:normAutofit/>
-          </a:bodyPr>
-          <a:lstStyle/>
-          <a:p>
-            <a:pPr marL="0" indent="0">
-              <a:buNone/>
-            </a:pPr>
-            <a:endParaRPr lang="en-IN" dirty="0"/>
-          </a:p>
-        </p:txBody>
-      </p:sp>
+      </p:pic>
     </p:spTree>
     <p:extLst>
       <p:ext uri="{BB962C8B-B14F-4D97-AF65-F5344CB8AC3E}">
-        <p14:creationId xmlns:p14="http://schemas.microsoft.com/office/powerpoint/2010/main" val="1807678130"/>
+        <p14:creationId xmlns:p14="http://schemas.microsoft.com/office/powerpoint/2010/main" val="774912569"/>
       </p:ext>
     </p:extLst>
   </p:cSld>
@@ -5041,6 +5317,58 @@
             <a:pPr marL="0" indent="0">
               <a:buNone/>
             </a:pPr>
+            <a:r>
+              <a:rPr lang="en-US" b="1" dirty="0"/>
+              <a:t>Explanation:</a:t>
+            </a:r>
+            <a:endParaRPr lang="en-US" dirty="0"/>
+          </a:p>
+          <a:p>
+            <a:pPr marL="0" indent="0">
+              <a:buNone/>
+            </a:pPr>
+            <a:r>
+              <a:rPr lang="en-US" b="1" dirty="0" err="1"/>
+              <a:t>InvalidAgeException</a:t>
+            </a:r>
+            <a:r>
+              <a:rPr lang="en-US" dirty="0"/>
+              <a:t> is a custom checked exception that must be declared in the method signature (throws </a:t>
+            </a:r>
+            <a:r>
+              <a:rPr lang="en-US" dirty="0" err="1"/>
+              <a:t>InvalidAgeException</a:t>
+            </a:r>
+            <a:r>
+              <a:rPr lang="en-US" dirty="0"/>
+              <a:t>).</a:t>
+            </a:r>
+          </a:p>
+          <a:p>
+            <a:pPr marL="0" indent="0">
+              <a:buNone/>
+            </a:pPr>
+            <a:r>
+              <a:rPr lang="en-US" dirty="0"/>
+              <a:t>When the age is less than 18, an </a:t>
+            </a:r>
+            <a:r>
+              <a:rPr lang="en-US" dirty="0" err="1"/>
+              <a:t>InvalidAgeException</a:t>
+            </a:r>
+            <a:r>
+              <a:rPr lang="en-US" dirty="0"/>
+              <a:t> is thrown with a custom message.</a:t>
+            </a:r>
+          </a:p>
+          <a:p>
+            <a:pPr marL="0" indent="0">
+              <a:buNone/>
+            </a:pPr>
+            <a:r>
+              <a:rPr lang="en-US" dirty="0"/>
+              <a:t>The calling method (main()) must catch or declare this exception.</a:t>
+            </a:r>
             <a:endParaRPr lang="en-IN" dirty="0"/>
           </a:p>
         </p:txBody>
@@ -5048,7 +5376,7 @@
     </p:spTree>
     <p:extLst>
       <p:ext uri="{BB962C8B-B14F-4D97-AF65-F5344CB8AC3E}">
-        <p14:creationId xmlns:p14="http://schemas.microsoft.com/office/powerpoint/2010/main" val="774912569"/>
+        <p14:creationId xmlns:p14="http://schemas.microsoft.com/office/powerpoint/2010/main" val="2180223442"/>
       </p:ext>
     </p:extLst>
   </p:cSld>
@@ -5106,14 +5434,78 @@
             <a:pPr marL="0" indent="0">
               <a:buNone/>
             </a:pPr>
+            <a:r>
+              <a:rPr lang="en-US" dirty="0"/>
+              <a:t>2. Creating a Custom Unchecked Exception</a:t>
+            </a:r>
+          </a:p>
+          <a:p>
+            <a:pPr marL="0" indent="0">
+              <a:buNone/>
+            </a:pPr>
+            <a:r>
+              <a:rPr lang="en-US" dirty="0"/>
+              <a:t>An unchecked exception is created by extending </a:t>
+            </a:r>
+            <a:r>
+              <a:rPr lang="en-US" dirty="0" err="1"/>
+              <a:t>RuntimeException</a:t>
+            </a:r>
+            <a:r>
+              <a:rPr lang="en-US" dirty="0"/>
+              <a:t>. Unlike checked exceptions, these do not need to be declared in the method signature or caught.</a:t>
+            </a:r>
+          </a:p>
+          <a:p>
+            <a:pPr marL="0" indent="0">
+              <a:buNone/>
+            </a:pPr>
+            <a:r>
+              <a:rPr lang="en-US" b="1" dirty="0"/>
+              <a:t>Example: </a:t>
+            </a:r>
+            <a:r>
+              <a:rPr lang="en-US" dirty="0"/>
+              <a:t>Creating a Custom Unchecked Exception</a:t>
+            </a:r>
             <a:endParaRPr lang="en-IN" dirty="0"/>
           </a:p>
         </p:txBody>
       </p:sp>
+      <p:pic>
+        <p:nvPicPr>
+          <p:cNvPr id="4" name="Picture 3">
+            <a:extLst>
+              <a:ext uri="{FF2B5EF4-FFF2-40B4-BE49-F238E27FC236}">
+                <a16:creationId xmlns:a16="http://schemas.microsoft.com/office/drawing/2014/main" id="{DE3F2B86-3825-B2D6-2A38-E72478042976}"/>
+              </a:ext>
+            </a:extLst>
+          </p:cNvPr>
+          <p:cNvPicPr>
+            <a:picLocks noChangeAspect="1"/>
+          </p:cNvPicPr>
+          <p:nvPr/>
+        </p:nvPicPr>
+        <p:blipFill>
+          <a:blip r:embed="rId2"/>
+          <a:stretch>
+            <a:fillRect/>
+          </a:stretch>
+        </p:blipFill>
+        <p:spPr>
+          <a:xfrm>
+            <a:off x="1282872" y="3137577"/>
+            <a:ext cx="9891516" cy="3086242"/>
+          </a:xfrm>
+          <a:prstGeom prst="rect">
+            <a:avLst/>
+          </a:prstGeom>
+        </p:spPr>
+      </p:pic>
     </p:spTree>
     <p:extLst>
       <p:ext uri="{BB962C8B-B14F-4D97-AF65-F5344CB8AC3E}">
-        <p14:creationId xmlns:p14="http://schemas.microsoft.com/office/powerpoint/2010/main" val="2180223442"/>
+        <p14:creationId xmlns:p14="http://schemas.microsoft.com/office/powerpoint/2010/main" val="889186300"/>
       </p:ext>
     </p:extLst>
   </p:cSld>
@@ -5140,45 +5532,118 @@
           <a:chExt cx="0" cy="0"/>
         </a:xfrm>
       </p:grpSpPr>
-      <p:sp>
-        <p:nvSpPr>
-          <p:cNvPr id="3" name="Content Placeholder 2">
-            <a:extLst>
-              <a:ext uri="{FF2B5EF4-FFF2-40B4-BE49-F238E27FC236}">
-                <a16:creationId xmlns:a16="http://schemas.microsoft.com/office/drawing/2014/main" id="{E42FB284-DAF2-8CB9-9090-285BF2A5822E}"/>
-              </a:ext>
-            </a:extLst>
-          </p:cNvPr>
-          <p:cNvSpPr>
-            <a:spLocks noGrp="1"/>
-          </p:cNvSpPr>
+      <p:pic>
+        <p:nvPicPr>
+          <p:cNvPr id="4" name="Content Placeholder 3" descr="A screen shot of a computer code&#10;&#10;Description automatically generated">
+            <a:extLst>
+              <a:ext uri="{FF2B5EF4-FFF2-40B4-BE49-F238E27FC236}">
+                <a16:creationId xmlns:a16="http://schemas.microsoft.com/office/drawing/2014/main" id="{A66CA5F0-B355-8058-87B5-757442D51199}"/>
+              </a:ext>
+            </a:extLst>
+          </p:cNvPr>
+          <p:cNvPicPr>
+            <a:picLocks noGrp="1" noChangeAspect="1"/>
+          </p:cNvPicPr>
           <p:nvPr>
             <p:ph idx="1"/>
           </p:nvPr>
-        </p:nvSpPr>
+        </p:nvPicPr>
+        <p:blipFill>
+          <a:blip r:embed="rId2">
+            <a:extLst>
+              <a:ext uri="{28A0092B-C50C-407E-A947-70E740481C1C}">
+                <a14:useLocalDpi xmlns:a14="http://schemas.microsoft.com/office/drawing/2010/main" val="0"/>
+              </a:ext>
+            </a:extLst>
+          </a:blip>
+          <a:srcRect l="2616" t="6225" r="2911" b="6354"/>
+          <a:stretch/>
+        </p:blipFill>
         <p:spPr>
           <a:xfrm>
-            <a:off x="631722" y="508102"/>
-            <a:ext cx="10803193" cy="5646891"/>
+            <a:off x="374971" y="2050835"/>
+            <a:ext cx="11138604" cy="4624988"/>
           </a:xfrm>
         </p:spPr>
-        <p:txBody>
-          <a:bodyPr>
-            <a:normAutofit/>
+      </p:pic>
+      <p:sp>
+        <p:nvSpPr>
+          <p:cNvPr id="7" name="TextBox 6">
+            <a:extLst>
+              <a:ext uri="{FF2B5EF4-FFF2-40B4-BE49-F238E27FC236}">
+                <a16:creationId xmlns:a16="http://schemas.microsoft.com/office/drawing/2014/main" id="{DE0BFDE2-93B7-5A41-B0C6-843FF513A9E6}"/>
+              </a:ext>
+            </a:extLst>
+          </p:cNvPr>
+          <p:cNvSpPr txBox="1"/>
+          <p:nvPr/>
+        </p:nvSpPr>
+        <p:spPr>
+          <a:xfrm>
+            <a:off x="452285" y="339493"/>
+            <a:ext cx="11552902" cy="1477328"/>
+          </a:xfrm>
+          <a:prstGeom prst="rect">
+            <a:avLst/>
+          </a:prstGeom>
+          <a:noFill/>
+        </p:spPr>
+        <p:txBody>
+          <a:bodyPr wrap="square">
+            <a:spAutoFit/>
           </a:bodyPr>
           <a:lstStyle/>
           <a:p>
-            <a:pPr marL="0" indent="0">
-              <a:buNone/>
-            </a:pPr>
+            <a:r>
+              <a:rPr lang="en-IN" b="1" dirty="0"/>
+              <a:t>Explanation:</a:t>
+            </a:r>
             <a:endParaRPr lang="en-IN" dirty="0"/>
+          </a:p>
+          <a:p>
+            <a:r>
+              <a:rPr lang="en-IN" dirty="0" err="1"/>
+              <a:t>InsufficientFundsException</a:t>
+            </a:r>
+            <a:r>
+              <a:rPr lang="en-IN" dirty="0"/>
+              <a:t> is a custom unchecked exception (subclass of </a:t>
+            </a:r>
+            <a:r>
+              <a:rPr lang="en-IN" dirty="0" err="1"/>
+              <a:t>RuntimeException</a:t>
+            </a:r>
+            <a:r>
+              <a:rPr lang="en-IN" dirty="0"/>
+              <a:t>).</a:t>
+            </a:r>
+          </a:p>
+          <a:p>
+            <a:r>
+              <a:rPr lang="en-IN" dirty="0"/>
+              <a:t>In this case, if the withdrawal amount exceeds the balance, an </a:t>
+            </a:r>
+            <a:r>
+              <a:rPr lang="en-IN" dirty="0" err="1"/>
+              <a:t>InsufficientFundsException</a:t>
+            </a:r>
+            <a:r>
+              <a:rPr lang="en-IN" dirty="0"/>
+              <a:t> is thrown.</a:t>
+            </a:r>
+          </a:p>
+          <a:p>
+            <a:r>
+              <a:rPr lang="en-IN" dirty="0"/>
+              <a:t>This exception does not need to be declared in the method signature, nor does it need to be caught unless the developer chooses to.</a:t>
+            </a:r>
           </a:p>
         </p:txBody>
       </p:sp>
     </p:spTree>
     <p:extLst>
       <p:ext uri="{BB962C8B-B14F-4D97-AF65-F5344CB8AC3E}">
-        <p14:creationId xmlns:p14="http://schemas.microsoft.com/office/powerpoint/2010/main" val="889186300"/>
+        <p14:creationId xmlns:p14="http://schemas.microsoft.com/office/powerpoint/2010/main" val="3770629899"/>
       </p:ext>
     </p:extLst>
   </p:cSld>
@@ -5207,35 +5672,395 @@
       </p:grpSpPr>
       <p:sp>
         <p:nvSpPr>
-          <p:cNvPr id="3" name="Content Placeholder 2">
-            <a:extLst>
-              <a:ext uri="{FF2B5EF4-FFF2-40B4-BE49-F238E27FC236}">
-                <a16:creationId xmlns:a16="http://schemas.microsoft.com/office/drawing/2014/main" id="{E42FB284-DAF2-8CB9-9090-285BF2A5822E}"/>
-              </a:ext>
-            </a:extLst>
-          </p:cNvPr>
-          <p:cNvSpPr>
-            <a:spLocks noGrp="1"/>
-          </p:cNvSpPr>
-          <p:nvPr>
-            <p:ph idx="1"/>
-          </p:nvPr>
+          <p:cNvPr id="5" name="Content Placeholder 2">
+            <a:extLst>
+              <a:ext uri="{FF2B5EF4-FFF2-40B4-BE49-F238E27FC236}">
+                <a16:creationId xmlns:a16="http://schemas.microsoft.com/office/drawing/2014/main" id="{36EC6F28-ADD0-A5F2-2DE5-31F3DC653397}"/>
+              </a:ext>
+            </a:extLst>
+          </p:cNvPr>
+          <p:cNvSpPr txBox="1">
+            <a:spLocks/>
+          </p:cNvSpPr>
+          <p:nvPr/>
         </p:nvSpPr>
         <p:spPr>
           <a:xfrm>
-            <a:off x="631722" y="508102"/>
-            <a:ext cx="10803193" cy="5646891"/>
+            <a:off x="650465" y="561975"/>
+            <a:ext cx="10770010" cy="5962650"/>
           </a:xfrm>
+          <a:prstGeom prst="rect">
+            <a:avLst/>
+          </a:prstGeom>
         </p:spPr>
         <p:txBody>
-          <a:bodyPr>
+          <a:bodyPr vert="horz" lIns="91440" tIns="45720" rIns="91440" bIns="45720" rtlCol="0">
             <a:normAutofit/>
           </a:bodyPr>
-          <a:lstStyle/>
-          <a:p>
-            <a:pPr marL="0" indent="0">
-              <a:buNone/>
-            </a:pPr>
+          <a:lstStyle>
+            <a:lvl1pPr marL="0" indent="0" algn="ctr" defTabSz="914400" rtl="0" eaLnBrk="1" latinLnBrk="0" hangingPunct="1">
+              <a:lnSpc>
+                <a:spcPct val="90000"/>
+              </a:lnSpc>
+              <a:spcBef>
+                <a:spcPts val="1000"/>
+              </a:spcBef>
+              <a:buFont typeface="Arial" panose="020B0604020202020204" pitchFamily="34" charset="0"/>
+              <a:buNone/>
+              <a:defRPr sz="2400" kern="1200">
+                <a:solidFill>
+                  <a:schemeClr val="tx1"/>
+                </a:solidFill>
+                <a:latin typeface="+mn-lt"/>
+                <a:ea typeface="+mn-ea"/>
+                <a:cs typeface="+mn-cs"/>
+              </a:defRPr>
+            </a:lvl1pPr>
+            <a:lvl2pPr marL="457200" indent="0" algn="ctr" defTabSz="914400" rtl="0" eaLnBrk="1" latinLnBrk="0" hangingPunct="1">
+              <a:lnSpc>
+                <a:spcPct val="90000"/>
+              </a:lnSpc>
+              <a:spcBef>
+                <a:spcPts val="500"/>
+              </a:spcBef>
+              <a:buFont typeface="Arial" panose="020B0604020202020204" pitchFamily="34" charset="0"/>
+              <a:buNone/>
+              <a:defRPr sz="2000" kern="1200">
+                <a:solidFill>
+                  <a:schemeClr val="tx1"/>
+                </a:solidFill>
+                <a:latin typeface="+mn-lt"/>
+                <a:ea typeface="+mn-ea"/>
+                <a:cs typeface="+mn-cs"/>
+              </a:defRPr>
+            </a:lvl2pPr>
+            <a:lvl3pPr marL="914400" indent="0" algn="ctr" defTabSz="914400" rtl="0" eaLnBrk="1" latinLnBrk="0" hangingPunct="1">
+              <a:lnSpc>
+                <a:spcPct val="90000"/>
+              </a:lnSpc>
+              <a:spcBef>
+                <a:spcPts val="500"/>
+              </a:spcBef>
+              <a:buFont typeface="Arial" panose="020B0604020202020204" pitchFamily="34" charset="0"/>
+              <a:buNone/>
+              <a:defRPr sz="1800" kern="1200">
+                <a:solidFill>
+                  <a:schemeClr val="tx1"/>
+                </a:solidFill>
+                <a:latin typeface="+mn-lt"/>
+                <a:ea typeface="+mn-ea"/>
+                <a:cs typeface="+mn-cs"/>
+              </a:defRPr>
+            </a:lvl3pPr>
+            <a:lvl4pPr marL="1371600" indent="0" algn="ctr" defTabSz="914400" rtl="0" eaLnBrk="1" latinLnBrk="0" hangingPunct="1">
+              <a:lnSpc>
+                <a:spcPct val="90000"/>
+              </a:lnSpc>
+              <a:spcBef>
+                <a:spcPts val="500"/>
+              </a:spcBef>
+              <a:buFont typeface="Arial" panose="020B0604020202020204" pitchFamily="34" charset="0"/>
+              <a:buNone/>
+              <a:defRPr sz="1600" kern="1200">
+                <a:solidFill>
+                  <a:schemeClr val="tx1"/>
+                </a:solidFill>
+                <a:latin typeface="+mn-lt"/>
+                <a:ea typeface="+mn-ea"/>
+                <a:cs typeface="+mn-cs"/>
+              </a:defRPr>
+            </a:lvl4pPr>
+            <a:lvl5pPr marL="1828800" indent="0" algn="ctr" defTabSz="914400" rtl="0" eaLnBrk="1" latinLnBrk="0" hangingPunct="1">
+              <a:lnSpc>
+                <a:spcPct val="90000"/>
+              </a:lnSpc>
+              <a:spcBef>
+                <a:spcPts val="500"/>
+              </a:spcBef>
+              <a:buFont typeface="Arial" panose="020B0604020202020204" pitchFamily="34" charset="0"/>
+              <a:buNone/>
+              <a:defRPr sz="1600" kern="1200">
+                <a:solidFill>
+                  <a:schemeClr val="tx1"/>
+                </a:solidFill>
+                <a:latin typeface="+mn-lt"/>
+                <a:ea typeface="+mn-ea"/>
+                <a:cs typeface="+mn-cs"/>
+              </a:defRPr>
+            </a:lvl5pPr>
+            <a:lvl6pPr marL="2286000" indent="0" algn="ctr" defTabSz="914400" rtl="0" eaLnBrk="1" latinLnBrk="0" hangingPunct="1">
+              <a:lnSpc>
+                <a:spcPct val="90000"/>
+              </a:lnSpc>
+              <a:spcBef>
+                <a:spcPts val="500"/>
+              </a:spcBef>
+              <a:buFont typeface="Arial" panose="020B0604020202020204" pitchFamily="34" charset="0"/>
+              <a:buNone/>
+              <a:defRPr sz="1600" kern="1200">
+                <a:solidFill>
+                  <a:schemeClr val="tx1"/>
+                </a:solidFill>
+                <a:latin typeface="+mn-lt"/>
+                <a:ea typeface="+mn-ea"/>
+                <a:cs typeface="+mn-cs"/>
+              </a:defRPr>
+            </a:lvl6pPr>
+            <a:lvl7pPr marL="2743200" indent="0" algn="ctr" defTabSz="914400" rtl="0" eaLnBrk="1" latinLnBrk="0" hangingPunct="1">
+              <a:lnSpc>
+                <a:spcPct val="90000"/>
+              </a:lnSpc>
+              <a:spcBef>
+                <a:spcPts val="500"/>
+              </a:spcBef>
+              <a:buFont typeface="Arial" panose="020B0604020202020204" pitchFamily="34" charset="0"/>
+              <a:buNone/>
+              <a:defRPr sz="1600" kern="1200">
+                <a:solidFill>
+                  <a:schemeClr val="tx1"/>
+                </a:solidFill>
+                <a:latin typeface="+mn-lt"/>
+                <a:ea typeface="+mn-ea"/>
+                <a:cs typeface="+mn-cs"/>
+              </a:defRPr>
+            </a:lvl7pPr>
+            <a:lvl8pPr marL="3200400" indent="0" algn="ctr" defTabSz="914400" rtl="0" eaLnBrk="1" latinLnBrk="0" hangingPunct="1">
+              <a:lnSpc>
+                <a:spcPct val="90000"/>
+              </a:lnSpc>
+              <a:spcBef>
+                <a:spcPts val="500"/>
+              </a:spcBef>
+              <a:buFont typeface="Arial" panose="020B0604020202020204" pitchFamily="34" charset="0"/>
+              <a:buNone/>
+              <a:defRPr sz="1600" kern="1200">
+                <a:solidFill>
+                  <a:schemeClr val="tx1"/>
+                </a:solidFill>
+                <a:latin typeface="+mn-lt"/>
+                <a:ea typeface="+mn-ea"/>
+                <a:cs typeface="+mn-cs"/>
+              </a:defRPr>
+            </a:lvl8pPr>
+            <a:lvl9pPr marL="3657600" indent="0" algn="ctr" defTabSz="914400" rtl="0" eaLnBrk="1" latinLnBrk="0" hangingPunct="1">
+              <a:lnSpc>
+                <a:spcPct val="90000"/>
+              </a:lnSpc>
+              <a:spcBef>
+                <a:spcPts val="500"/>
+              </a:spcBef>
+              <a:buFont typeface="Arial" panose="020B0604020202020204" pitchFamily="34" charset="0"/>
+              <a:buNone/>
+              <a:defRPr sz="1600" kern="1200">
+                <a:solidFill>
+                  <a:schemeClr val="tx1"/>
+                </a:solidFill>
+                <a:latin typeface="+mn-lt"/>
+                <a:ea typeface="+mn-ea"/>
+                <a:cs typeface="+mn-cs"/>
+              </a:defRPr>
+            </a:lvl9pPr>
+          </a:lstStyle>
+          <a:p>
+            <a:r>
+              <a:rPr lang="en-US" b="1" dirty="0">
+                <a:solidFill>
+                  <a:schemeClr val="tx2"/>
+                </a:solidFill>
+              </a:rPr>
+              <a:t>Module-4: </a:t>
+            </a:r>
+            <a:r>
+              <a:rPr lang="en-US" b="1" dirty="0">
+                <a:solidFill>
+                  <a:srgbClr val="C00000"/>
+                </a:solidFill>
+              </a:rPr>
+              <a:t>EXCEPTION HANDLING (5hrs)</a:t>
+            </a:r>
+          </a:p>
+          <a:p>
+            <a:r>
+              <a:rPr lang="en-US" b="1" dirty="0"/>
+              <a:t>Exception Handling:</a:t>
+            </a:r>
+            <a:r>
+              <a:rPr lang="en-US" dirty="0"/>
+              <a:t> </a:t>
+            </a:r>
+            <a:r>
+              <a:rPr lang="en-US" b="1" dirty="0"/>
+              <a:t>Benefits of exception handling</a:t>
+            </a:r>
+            <a:r>
+              <a:rPr lang="en-US" dirty="0"/>
+              <a:t>, </a:t>
+            </a:r>
+            <a:r>
+              <a:rPr lang="en-US" b="1" dirty="0"/>
+              <a:t>the classification of exceptions,</a:t>
+            </a:r>
+            <a:r>
+              <a:rPr lang="en-US" dirty="0"/>
+              <a:t> </a:t>
+            </a:r>
+            <a:r>
+              <a:rPr lang="en-US" b="1" dirty="0"/>
+              <a:t>exception hierarchy</a:t>
+            </a:r>
+            <a:r>
+              <a:rPr lang="en-US" dirty="0"/>
+              <a:t>, </a:t>
+            </a:r>
+            <a:r>
+              <a:rPr lang="en-US" b="1" dirty="0"/>
+              <a:t>checked exceptions and unchecked exceptions,</a:t>
+            </a:r>
+            <a:r>
+              <a:rPr lang="en-US" dirty="0"/>
+              <a:t> </a:t>
+            </a:r>
+            <a:r>
+              <a:rPr lang="en-US" b="1" dirty="0"/>
+              <a:t>usage of try, catch, throw, throws and finally</a:t>
+            </a:r>
+            <a:r>
+              <a:rPr lang="en-US" dirty="0"/>
+              <a:t>. rethrowing exceptions, exception specification</a:t>
+            </a:r>
+            <a:r>
+              <a:rPr lang="en-US" b="1" dirty="0"/>
+              <a:t>, built in exceptions</a:t>
+            </a:r>
+            <a:r>
+              <a:rPr lang="en-US" dirty="0"/>
+              <a:t>, </a:t>
+            </a:r>
+            <a:r>
+              <a:rPr lang="en-US" b="1" dirty="0"/>
+              <a:t>creating own exception sub classes.</a:t>
+            </a:r>
+          </a:p>
+          <a:p>
+            <a:endParaRPr lang="en-US" dirty="0"/>
+          </a:p>
+          <a:p>
+            <a:r>
+              <a:rPr lang="en-US" b="1" dirty="0">
+                <a:solidFill>
+                  <a:schemeClr val="tx2"/>
+                </a:solidFill>
+              </a:rPr>
+              <a:t>Module-5: </a:t>
+            </a:r>
+            <a:r>
+              <a:rPr lang="en-US" b="1" dirty="0">
+                <a:solidFill>
+                  <a:srgbClr val="C00000"/>
+                </a:solidFill>
+              </a:rPr>
+              <a:t>GUI PROGRAMMING AND APPLETS (6)</a:t>
+            </a:r>
+          </a:p>
+          <a:p>
+            <a:r>
+              <a:rPr lang="en-US" b="1" dirty="0"/>
+              <a:t>GUI Programming with Java: </a:t>
+            </a:r>
+            <a:r>
+              <a:rPr lang="en-US" dirty="0"/>
+              <a:t>The AWT class hierarchy, introduction to swing. </a:t>
+            </a:r>
+            <a:r>
+              <a:rPr lang="en-US" dirty="0" err="1"/>
+              <a:t>swangs</a:t>
+            </a:r>
+            <a:r>
+              <a:rPr lang="en-US" dirty="0"/>
+              <a:t> Vs AWT, hierarchy for swing components. </a:t>
+            </a:r>
+          </a:p>
+          <a:p>
+            <a:r>
+              <a:rPr lang="en-US" b="1" dirty="0"/>
+              <a:t>Containers: </a:t>
+            </a:r>
+            <a:r>
+              <a:rPr lang="en-US" dirty="0" err="1"/>
+              <a:t>JFrame</a:t>
+            </a:r>
+            <a:r>
+              <a:rPr lang="en-US" dirty="0"/>
+              <a:t>. </a:t>
+            </a:r>
+            <a:r>
+              <a:rPr lang="en-US" dirty="0" err="1"/>
+              <a:t>JApplet</a:t>
+            </a:r>
+            <a:r>
+              <a:rPr lang="en-US" dirty="0"/>
+              <a:t>, </a:t>
+            </a:r>
+            <a:r>
+              <a:rPr lang="en-US" dirty="0" err="1"/>
+              <a:t>JDialog</a:t>
+            </a:r>
+            <a:r>
+              <a:rPr lang="en-US" dirty="0"/>
+              <a:t>. </a:t>
+            </a:r>
+            <a:r>
+              <a:rPr lang="en-US" dirty="0" err="1"/>
+              <a:t>Jpanel</a:t>
+            </a:r>
+            <a:r>
+              <a:rPr lang="en-US" dirty="0"/>
+              <a:t>, overview of some swing components </a:t>
+            </a:r>
+            <a:r>
+              <a:rPr lang="en-US" dirty="0" err="1"/>
+              <a:t>JButton</a:t>
+            </a:r>
+            <a:r>
+              <a:rPr lang="en-US" dirty="0"/>
+              <a:t>, </a:t>
+            </a:r>
+            <a:r>
+              <a:rPr lang="en-US" dirty="0" err="1"/>
+              <a:t>JLabel</a:t>
+            </a:r>
+            <a:r>
+              <a:rPr lang="en-US" dirty="0"/>
+              <a:t>, </a:t>
+            </a:r>
+            <a:r>
+              <a:rPr lang="en-US" dirty="0" err="1"/>
+              <a:t>JTextField</a:t>
+            </a:r>
+            <a:r>
+              <a:rPr lang="en-US" dirty="0"/>
+              <a:t>, </a:t>
+            </a:r>
+            <a:r>
+              <a:rPr lang="en-US" dirty="0" err="1"/>
+              <a:t>JTextArea</a:t>
+            </a:r>
+            <a:r>
+              <a:rPr lang="en-US" dirty="0"/>
+              <a:t>, simple applications Layout management Layout manager types, border, grid and flow.</a:t>
+            </a:r>
+          </a:p>
+          <a:p>
+            <a:r>
+              <a:rPr lang="en-US" b="1" dirty="0"/>
+              <a:t>Applets: </a:t>
+            </a:r>
+            <a:r>
+              <a:rPr lang="en-US" dirty="0"/>
+              <a:t>Inheritance hierarchy for applets, differences between applets and applications, life cycle of an applet, passing parameters to applets.</a:t>
+            </a:r>
+          </a:p>
+          <a:p>
             <a:endParaRPr lang="en-IN" dirty="0"/>
           </a:p>
         </p:txBody>
@@ -5243,7 +6068,7 @@
     </p:spTree>
     <p:extLst>
       <p:ext uri="{BB962C8B-B14F-4D97-AF65-F5344CB8AC3E}">
-        <p14:creationId xmlns:p14="http://schemas.microsoft.com/office/powerpoint/2010/main" val="3770629899"/>
+        <p14:creationId xmlns:p14="http://schemas.microsoft.com/office/powerpoint/2010/main" val="361719691"/>
       </p:ext>
     </p:extLst>
   </p:cSld>
@@ -5301,6 +6126,331 @@
             <a:pPr marL="0" indent="0">
               <a:buNone/>
             </a:pPr>
+            <a:endParaRPr lang="en-IN" dirty="0"/>
+          </a:p>
+        </p:txBody>
+      </p:sp>
+    </p:spTree>
+    <p:extLst>
+      <p:ext uri="{BB962C8B-B14F-4D97-AF65-F5344CB8AC3E}">
+        <p14:creationId xmlns:p14="http://schemas.microsoft.com/office/powerpoint/2010/main" val="984527558"/>
+      </p:ext>
+    </p:extLst>
+  </p:cSld>
+  <p:clrMapOvr>
+    <a:masterClrMapping/>
+  </p:clrMapOvr>
+</p:sld>
+</file>
+
+<file path=ppt/slides/slide25.xml><?xml version="1.0" encoding="utf-8"?>
+<p:sld xmlns:a="http://schemas.openxmlformats.org/drawingml/2006/main" xmlns:r="http://schemas.openxmlformats.org/officeDocument/2006/relationships" xmlns:p="http://schemas.openxmlformats.org/presentationml/2006/main">
+  <p:cSld>
+    <p:spTree>
+      <p:nvGrpSpPr>
+        <p:cNvPr id="1" name=""/>
+        <p:cNvGrpSpPr/>
+        <p:nvPr/>
+      </p:nvGrpSpPr>
+      <p:grpSpPr>
+        <a:xfrm>
+          <a:off x="0" y="0"/>
+          <a:ext cx="0" cy="0"/>
+          <a:chOff x="0" y="0"/>
+          <a:chExt cx="0" cy="0"/>
+        </a:xfrm>
+      </p:grpSpPr>
+      <p:sp>
+        <p:nvSpPr>
+          <p:cNvPr id="3" name="Content Placeholder 2">
+            <a:extLst>
+              <a:ext uri="{FF2B5EF4-FFF2-40B4-BE49-F238E27FC236}">
+                <a16:creationId xmlns:a16="http://schemas.microsoft.com/office/drawing/2014/main" id="{E42FB284-DAF2-8CB9-9090-285BF2A5822E}"/>
+              </a:ext>
+            </a:extLst>
+          </p:cNvPr>
+          <p:cNvSpPr>
+            <a:spLocks noGrp="1"/>
+          </p:cNvSpPr>
+          <p:nvPr>
+            <p:ph idx="1"/>
+          </p:nvPr>
+        </p:nvSpPr>
+        <p:spPr>
+          <a:xfrm>
+            <a:off x="631722" y="508102"/>
+            <a:ext cx="10803193" cy="5646891"/>
+          </a:xfrm>
+        </p:spPr>
+        <p:txBody>
+          <a:bodyPr>
+            <a:normAutofit/>
+          </a:bodyPr>
+          <a:lstStyle/>
+          <a:p>
+            <a:pPr marL="0" indent="0">
+              <a:buNone/>
+            </a:pPr>
+            <a:endParaRPr lang="en-IN" dirty="0"/>
+          </a:p>
+        </p:txBody>
+      </p:sp>
+    </p:spTree>
+    <p:extLst>
+      <p:ext uri="{BB962C8B-B14F-4D97-AF65-F5344CB8AC3E}">
+        <p14:creationId xmlns:p14="http://schemas.microsoft.com/office/powerpoint/2010/main" val="3355452738"/>
+      </p:ext>
+    </p:extLst>
+  </p:cSld>
+  <p:clrMapOvr>
+    <a:masterClrMapping/>
+  </p:clrMapOvr>
+</p:sld>
+</file>
+
+<file path=ppt/slides/slide26.xml><?xml version="1.0" encoding="utf-8"?>
+<p:sld xmlns:a="http://schemas.openxmlformats.org/drawingml/2006/main" xmlns:r="http://schemas.openxmlformats.org/officeDocument/2006/relationships" xmlns:p="http://schemas.openxmlformats.org/presentationml/2006/main">
+  <p:cSld>
+    <p:spTree>
+      <p:nvGrpSpPr>
+        <p:cNvPr id="1" name=""/>
+        <p:cNvGrpSpPr/>
+        <p:nvPr/>
+      </p:nvGrpSpPr>
+      <p:grpSpPr>
+        <a:xfrm>
+          <a:off x="0" y="0"/>
+          <a:ext cx="0" cy="0"/>
+          <a:chOff x="0" y="0"/>
+          <a:chExt cx="0" cy="0"/>
+        </a:xfrm>
+      </p:grpSpPr>
+      <p:sp>
+        <p:nvSpPr>
+          <p:cNvPr id="3" name="Content Placeholder 2">
+            <a:extLst>
+              <a:ext uri="{FF2B5EF4-FFF2-40B4-BE49-F238E27FC236}">
+                <a16:creationId xmlns:a16="http://schemas.microsoft.com/office/drawing/2014/main" id="{E42FB284-DAF2-8CB9-9090-285BF2A5822E}"/>
+              </a:ext>
+            </a:extLst>
+          </p:cNvPr>
+          <p:cNvSpPr>
+            <a:spLocks noGrp="1"/>
+          </p:cNvSpPr>
+          <p:nvPr>
+            <p:ph idx="1"/>
+          </p:nvPr>
+        </p:nvSpPr>
+        <p:spPr>
+          <a:xfrm>
+            <a:off x="631722" y="508102"/>
+            <a:ext cx="10803193" cy="5646891"/>
+          </a:xfrm>
+        </p:spPr>
+        <p:txBody>
+          <a:bodyPr>
+            <a:normAutofit/>
+          </a:bodyPr>
+          <a:lstStyle/>
+          <a:p>
+            <a:pPr marL="0" indent="0">
+              <a:buNone/>
+            </a:pPr>
+            <a:endParaRPr lang="en-IN" dirty="0"/>
+          </a:p>
+        </p:txBody>
+      </p:sp>
+    </p:spTree>
+    <p:extLst>
+      <p:ext uri="{BB962C8B-B14F-4D97-AF65-F5344CB8AC3E}">
+        <p14:creationId xmlns:p14="http://schemas.microsoft.com/office/powerpoint/2010/main" val="367795984"/>
+      </p:ext>
+    </p:extLst>
+  </p:cSld>
+  <p:clrMapOvr>
+    <a:masterClrMapping/>
+  </p:clrMapOvr>
+</p:sld>
+</file>
+
+<file path=ppt/slides/slide27.xml><?xml version="1.0" encoding="utf-8"?>
+<p:sld xmlns:a="http://schemas.openxmlformats.org/drawingml/2006/main" xmlns:r="http://schemas.openxmlformats.org/officeDocument/2006/relationships" xmlns:p="http://schemas.openxmlformats.org/presentationml/2006/main">
+  <p:cSld>
+    <p:spTree>
+      <p:nvGrpSpPr>
+        <p:cNvPr id="1" name=""/>
+        <p:cNvGrpSpPr/>
+        <p:nvPr/>
+      </p:nvGrpSpPr>
+      <p:grpSpPr>
+        <a:xfrm>
+          <a:off x="0" y="0"/>
+          <a:ext cx="0" cy="0"/>
+          <a:chOff x="0" y="0"/>
+          <a:chExt cx="0" cy="0"/>
+        </a:xfrm>
+      </p:grpSpPr>
+      <p:sp>
+        <p:nvSpPr>
+          <p:cNvPr id="3" name="Content Placeholder 2">
+            <a:extLst>
+              <a:ext uri="{FF2B5EF4-FFF2-40B4-BE49-F238E27FC236}">
+                <a16:creationId xmlns:a16="http://schemas.microsoft.com/office/drawing/2014/main" id="{E42FB284-DAF2-8CB9-9090-285BF2A5822E}"/>
+              </a:ext>
+            </a:extLst>
+          </p:cNvPr>
+          <p:cNvSpPr>
+            <a:spLocks noGrp="1"/>
+          </p:cNvSpPr>
+          <p:nvPr>
+            <p:ph idx="1"/>
+          </p:nvPr>
+        </p:nvSpPr>
+        <p:spPr>
+          <a:xfrm>
+            <a:off x="631722" y="508102"/>
+            <a:ext cx="10803193" cy="5646891"/>
+          </a:xfrm>
+        </p:spPr>
+        <p:txBody>
+          <a:bodyPr>
+            <a:normAutofit/>
+          </a:bodyPr>
+          <a:lstStyle/>
+          <a:p>
+            <a:pPr marL="0" indent="0">
+              <a:buNone/>
+            </a:pPr>
+            <a:endParaRPr lang="en-IN" dirty="0"/>
+          </a:p>
+        </p:txBody>
+      </p:sp>
+    </p:spTree>
+    <p:extLst>
+      <p:ext uri="{BB962C8B-B14F-4D97-AF65-F5344CB8AC3E}">
+        <p14:creationId xmlns:p14="http://schemas.microsoft.com/office/powerpoint/2010/main" val="2269904359"/>
+      </p:ext>
+    </p:extLst>
+  </p:cSld>
+  <p:clrMapOvr>
+    <a:masterClrMapping/>
+  </p:clrMapOvr>
+</p:sld>
+</file>
+
+<file path=ppt/slides/slide28.xml><?xml version="1.0" encoding="utf-8"?>
+<p:sld xmlns:a="http://schemas.openxmlformats.org/drawingml/2006/main" xmlns:r="http://schemas.openxmlformats.org/officeDocument/2006/relationships" xmlns:p="http://schemas.openxmlformats.org/presentationml/2006/main">
+  <p:cSld>
+    <p:spTree>
+      <p:nvGrpSpPr>
+        <p:cNvPr id="1" name=""/>
+        <p:cNvGrpSpPr/>
+        <p:nvPr/>
+      </p:nvGrpSpPr>
+      <p:grpSpPr>
+        <a:xfrm>
+          <a:off x="0" y="0"/>
+          <a:ext cx="0" cy="0"/>
+          <a:chOff x="0" y="0"/>
+          <a:chExt cx="0" cy="0"/>
+        </a:xfrm>
+      </p:grpSpPr>
+      <p:sp>
+        <p:nvSpPr>
+          <p:cNvPr id="3" name="Content Placeholder 2">
+            <a:extLst>
+              <a:ext uri="{FF2B5EF4-FFF2-40B4-BE49-F238E27FC236}">
+                <a16:creationId xmlns:a16="http://schemas.microsoft.com/office/drawing/2014/main" id="{E42FB284-DAF2-8CB9-9090-285BF2A5822E}"/>
+              </a:ext>
+            </a:extLst>
+          </p:cNvPr>
+          <p:cNvSpPr>
+            <a:spLocks noGrp="1"/>
+          </p:cNvSpPr>
+          <p:nvPr>
+            <p:ph idx="1"/>
+          </p:nvPr>
+        </p:nvSpPr>
+        <p:spPr>
+          <a:xfrm>
+            <a:off x="631722" y="508102"/>
+            <a:ext cx="10803193" cy="5646891"/>
+          </a:xfrm>
+        </p:spPr>
+        <p:txBody>
+          <a:bodyPr>
+            <a:normAutofit/>
+          </a:bodyPr>
+          <a:lstStyle/>
+          <a:p>
+            <a:pPr marL="0" indent="0">
+              <a:buNone/>
+            </a:pPr>
+            <a:endParaRPr lang="en-IN" dirty="0"/>
+          </a:p>
+        </p:txBody>
+      </p:sp>
+    </p:spTree>
+    <p:extLst>
+      <p:ext uri="{BB962C8B-B14F-4D97-AF65-F5344CB8AC3E}">
+        <p14:creationId xmlns:p14="http://schemas.microsoft.com/office/powerpoint/2010/main" val="2457094391"/>
+      </p:ext>
+    </p:extLst>
+  </p:cSld>
+  <p:clrMapOvr>
+    <a:masterClrMapping/>
+  </p:clrMapOvr>
+</p:sld>
+</file>
+
+<file path=ppt/slides/slide29.xml><?xml version="1.0" encoding="utf-8"?>
+<p:sld xmlns:a="http://schemas.openxmlformats.org/drawingml/2006/main" xmlns:r="http://schemas.openxmlformats.org/officeDocument/2006/relationships" xmlns:p="http://schemas.openxmlformats.org/presentationml/2006/main">
+  <p:cSld>
+    <p:spTree>
+      <p:nvGrpSpPr>
+        <p:cNvPr id="1" name=""/>
+        <p:cNvGrpSpPr/>
+        <p:nvPr/>
+      </p:nvGrpSpPr>
+      <p:grpSpPr>
+        <a:xfrm>
+          <a:off x="0" y="0"/>
+          <a:ext cx="0" cy="0"/>
+          <a:chOff x="0" y="0"/>
+          <a:chExt cx="0" cy="0"/>
+        </a:xfrm>
+      </p:grpSpPr>
+      <p:sp>
+        <p:nvSpPr>
+          <p:cNvPr id="3" name="Content Placeholder 2">
+            <a:extLst>
+              <a:ext uri="{FF2B5EF4-FFF2-40B4-BE49-F238E27FC236}">
+                <a16:creationId xmlns:a16="http://schemas.microsoft.com/office/drawing/2014/main" id="{E42FB284-DAF2-8CB9-9090-285BF2A5822E}"/>
+              </a:ext>
+            </a:extLst>
+          </p:cNvPr>
+          <p:cNvSpPr>
+            <a:spLocks noGrp="1"/>
+          </p:cNvSpPr>
+          <p:nvPr>
+            <p:ph idx="1"/>
+          </p:nvPr>
+        </p:nvSpPr>
+        <p:spPr>
+          <a:xfrm>
+            <a:off x="631722" y="508102"/>
+            <a:ext cx="10803193" cy="5646891"/>
+          </a:xfrm>
+        </p:spPr>
+        <p:txBody>
+          <a:bodyPr>
+            <a:normAutofit/>
+          </a:bodyPr>
+          <a:lstStyle/>
+          <a:p>
+            <a:pPr marL="0" indent="0">
+              <a:buNone/>
+            </a:pPr>
             <a:r>
               <a:rPr lang="en-US" b="1" dirty="0"/>
               <a:t>Benefits of exception handling</a:t>
@@ -5401,7 +6551,270 @@
 </p:sld>
 </file>
 
-<file path=ppt/slides/slide25.xml><?xml version="1.0" encoding="utf-8"?>
+<file path=ppt/slides/slide3.xml><?xml version="1.0" encoding="utf-8"?>
+<p:sld xmlns:a="http://schemas.openxmlformats.org/drawingml/2006/main" xmlns:r="http://schemas.openxmlformats.org/officeDocument/2006/relationships" xmlns:p="http://schemas.openxmlformats.org/presentationml/2006/main">
+  <p:cSld>
+    <p:spTree>
+      <p:nvGrpSpPr>
+        <p:cNvPr id="1" name=""/>
+        <p:cNvGrpSpPr/>
+        <p:nvPr/>
+      </p:nvGrpSpPr>
+      <p:grpSpPr>
+        <a:xfrm>
+          <a:off x="0" y="0"/>
+          <a:ext cx="0" cy="0"/>
+          <a:chOff x="0" y="0"/>
+          <a:chExt cx="0" cy="0"/>
+        </a:xfrm>
+      </p:grpSpPr>
+      <p:sp>
+        <p:nvSpPr>
+          <p:cNvPr id="3" name="Content Placeholder 2">
+            <a:extLst>
+              <a:ext uri="{FF2B5EF4-FFF2-40B4-BE49-F238E27FC236}">
+                <a16:creationId xmlns:a16="http://schemas.microsoft.com/office/drawing/2014/main" id="{E42FB284-DAF2-8CB9-9090-285BF2A5822E}"/>
+              </a:ext>
+            </a:extLst>
+          </p:cNvPr>
+          <p:cNvSpPr>
+            <a:spLocks noGrp="1"/>
+          </p:cNvSpPr>
+          <p:nvPr>
+            <p:ph idx="1"/>
+          </p:nvPr>
+        </p:nvSpPr>
+        <p:spPr>
+          <a:xfrm>
+            <a:off x="631722" y="508102"/>
+            <a:ext cx="10803193" cy="5646891"/>
+          </a:xfrm>
+        </p:spPr>
+        <p:txBody>
+          <a:bodyPr>
+            <a:normAutofit lnSpcReduction="10000"/>
+          </a:bodyPr>
+          <a:lstStyle/>
+          <a:p>
+            <a:pPr marL="0" indent="0">
+              <a:buNone/>
+            </a:pPr>
+            <a:r>
+              <a:rPr lang="en-IN" b="1" i="0" dirty="0">
+                <a:solidFill>
+                  <a:srgbClr val="273239"/>
+                </a:solidFill>
+                <a:effectLst/>
+                <a:latin typeface="Nunito" pitchFamily="2" charset="0"/>
+              </a:rPr>
+              <a:t>What is Error:</a:t>
+            </a:r>
+          </a:p>
+          <a:p>
+            <a:pPr marL="0" indent="0">
+              <a:buNone/>
+            </a:pPr>
+            <a:r>
+              <a:rPr lang="en-US" b="1" i="0" dirty="0">
+                <a:solidFill>
+                  <a:srgbClr val="C00000"/>
+                </a:solidFill>
+                <a:effectLst/>
+                <a:latin typeface="Roboto" panose="020F0502020204030204" pitchFamily="2" charset="0"/>
+              </a:rPr>
+              <a:t>Exceptional conditions </a:t>
+            </a:r>
+            <a:r>
+              <a:rPr lang="en-US" b="0" i="0" dirty="0">
+                <a:solidFill>
+                  <a:srgbClr val="022144"/>
+                </a:solidFill>
+                <a:effectLst/>
+                <a:latin typeface="Roboto" panose="020F0502020204030204" pitchFamily="2" charset="0"/>
+              </a:rPr>
+              <a:t>that the application cannot normally </a:t>
+            </a:r>
+            <a:r>
+              <a:rPr lang="en-US" b="1" i="0" dirty="0">
+                <a:solidFill>
+                  <a:srgbClr val="C00000"/>
+                </a:solidFill>
+                <a:effectLst/>
+                <a:latin typeface="Roboto" panose="020F0502020204030204" pitchFamily="2" charset="0"/>
+              </a:rPr>
+              <a:t>predict</a:t>
+            </a:r>
+            <a:r>
+              <a:rPr lang="en-US" b="0" i="0" dirty="0">
+                <a:solidFill>
+                  <a:srgbClr val="022144"/>
+                </a:solidFill>
+                <a:effectLst/>
+                <a:latin typeface="Roboto" panose="020F0502020204030204" pitchFamily="2" charset="0"/>
+              </a:rPr>
+              <a:t> or </a:t>
+            </a:r>
+            <a:r>
+              <a:rPr lang="en-US" b="1" i="0" dirty="0">
+                <a:solidFill>
+                  <a:srgbClr val="C00000"/>
+                </a:solidFill>
+                <a:effectLst/>
+                <a:latin typeface="Roboto" panose="020F0502020204030204" pitchFamily="2" charset="0"/>
+              </a:rPr>
+              <a:t>recover</a:t>
+            </a:r>
+            <a:r>
+              <a:rPr lang="en-US" b="0" i="0" dirty="0">
+                <a:solidFill>
+                  <a:srgbClr val="022144"/>
+                </a:solidFill>
+                <a:effectLst/>
+                <a:latin typeface="Roboto" panose="020F0502020204030204" pitchFamily="2" charset="0"/>
+              </a:rPr>
+              <a:t> from. They are also ignored throughout the compilation process.</a:t>
+            </a:r>
+            <a:endParaRPr lang="en-IN" b="1" i="0" dirty="0">
+              <a:solidFill>
+                <a:srgbClr val="273239"/>
+              </a:solidFill>
+              <a:effectLst/>
+              <a:latin typeface="Nunito" pitchFamily="2" charset="0"/>
+            </a:endParaRPr>
+          </a:p>
+          <a:p>
+            <a:pPr marL="0" indent="0">
+              <a:buNone/>
+            </a:pPr>
+            <a:r>
+              <a:rPr lang="en-US" dirty="0"/>
+              <a:t>Errors represent </a:t>
+            </a:r>
+            <a:r>
+              <a:rPr lang="en-US" b="1" dirty="0">
+                <a:solidFill>
+                  <a:srgbClr val="C00000"/>
+                </a:solidFill>
+              </a:rPr>
+              <a:t>irrecoverable conditions </a:t>
+            </a:r>
+            <a:r>
+              <a:rPr lang="en-US" dirty="0"/>
+              <a:t>such as </a:t>
+            </a:r>
+            <a:r>
+              <a:rPr lang="en-US" b="1" dirty="0"/>
+              <a:t>Java virtual machine (JVM) running out of memory</a:t>
+            </a:r>
+            <a:r>
+              <a:rPr lang="en-US" dirty="0"/>
+              <a:t>, </a:t>
+            </a:r>
+            <a:r>
+              <a:rPr lang="en-US" b="1" dirty="0"/>
+              <a:t>memory leaks</a:t>
+            </a:r>
+            <a:r>
+              <a:rPr lang="en-US" dirty="0"/>
+              <a:t>, </a:t>
+            </a:r>
+            <a:r>
+              <a:rPr lang="en-US" b="1" dirty="0"/>
+              <a:t>stack overflow errors</a:t>
+            </a:r>
+            <a:r>
+              <a:rPr lang="en-US" dirty="0"/>
+              <a:t>, </a:t>
+            </a:r>
+            <a:r>
+              <a:rPr lang="en-US" b="1" dirty="0"/>
+              <a:t>library incompatibility</a:t>
+            </a:r>
+            <a:r>
+              <a:rPr lang="en-US" dirty="0"/>
+              <a:t>, </a:t>
+            </a:r>
+            <a:r>
+              <a:rPr lang="en-US" b="1" dirty="0"/>
+              <a:t>infinite recursion</a:t>
+            </a:r>
+            <a:r>
+              <a:rPr lang="en-US" dirty="0"/>
+              <a:t>, etc. Errors are usually </a:t>
+            </a:r>
+            <a:r>
+              <a:rPr lang="en-US" b="1" dirty="0">
+                <a:solidFill>
+                  <a:schemeClr val="accent4">
+                    <a:lumMod val="75000"/>
+                  </a:schemeClr>
+                </a:solidFill>
+              </a:rPr>
+              <a:t>beyond the control of the programmer</a:t>
+            </a:r>
+            <a:r>
+              <a:rPr lang="en-US" dirty="0"/>
+              <a:t>, and we should not try to handle errors.</a:t>
+            </a:r>
+          </a:p>
+          <a:p>
+            <a:pPr marL="0" indent="0">
+              <a:buNone/>
+            </a:pPr>
+            <a:r>
+              <a:rPr lang="en-US" b="1" dirty="0"/>
+              <a:t>Some examples of errors:</a:t>
+            </a:r>
+          </a:p>
+          <a:p>
+            <a:r>
+              <a:rPr lang="en-US" dirty="0" err="1"/>
+              <a:t>OutOfMemoryError</a:t>
+            </a:r>
+            <a:endParaRPr lang="en-US" dirty="0"/>
+          </a:p>
+          <a:p>
+            <a:r>
+              <a:rPr lang="en-US" dirty="0" err="1"/>
+              <a:t>VirtualMachineErrors</a:t>
+            </a:r>
+            <a:endParaRPr lang="en-US" dirty="0"/>
+          </a:p>
+          <a:p>
+            <a:r>
+              <a:rPr lang="en-US" dirty="0" err="1"/>
+              <a:t>AssertionError</a:t>
+            </a:r>
+            <a:endParaRPr lang="en-US" dirty="0"/>
+          </a:p>
+          <a:p>
+            <a:pPr marL="0" indent="0">
+              <a:buNone/>
+            </a:pPr>
+            <a:endParaRPr lang="en-US" dirty="0"/>
+          </a:p>
+          <a:p>
+            <a:pPr marL="0" indent="0">
+              <a:buNone/>
+            </a:pPr>
+            <a:endParaRPr lang="en-IN" dirty="0"/>
+          </a:p>
+        </p:txBody>
+      </p:sp>
+    </p:spTree>
+    <p:extLst>
+      <p:ext uri="{BB962C8B-B14F-4D97-AF65-F5344CB8AC3E}">
+        <p14:creationId xmlns:p14="http://schemas.microsoft.com/office/powerpoint/2010/main" val="2061497891"/>
+      </p:ext>
+    </p:extLst>
+  </p:cSld>
+  <p:clrMapOvr>
+    <a:masterClrMapping/>
+  </p:clrMapOvr>
+</p:sld>
+</file>
+
+<file path=ppt/slides/slide30.xml><?xml version="1.0" encoding="utf-8"?>
 <p:sld xmlns:a="http://schemas.openxmlformats.org/drawingml/2006/main" xmlns:r="http://schemas.openxmlformats.org/officeDocument/2006/relationships" xmlns:p="http://schemas.openxmlformats.org/presentationml/2006/main">
   <p:cSld>
     <p:spTree>
@@ -5523,7 +6936,7 @@
 </p:sld>
 </file>
 
-<file path=ppt/slides/slide26.xml><?xml version="1.0" encoding="utf-8"?>
+<file path=ppt/slides/slide31.xml><?xml version="1.0" encoding="utf-8"?>
 <p:sld xmlns:a="http://schemas.openxmlformats.org/drawingml/2006/main" xmlns:r="http://schemas.openxmlformats.org/officeDocument/2006/relationships" xmlns:p="http://schemas.openxmlformats.org/presentationml/2006/main">
   <p:cSld>
     <p:spTree>
@@ -5640,7 +7053,7 @@
 </p:sld>
 </file>
 
-<file path=ppt/slides/slide27.xml><?xml version="1.0" encoding="utf-8"?>
+<file path=ppt/slides/slide32.xml><?xml version="1.0" encoding="utf-8"?>
 <p:sld xmlns:a="http://schemas.openxmlformats.org/drawingml/2006/main" xmlns:r="http://schemas.openxmlformats.org/officeDocument/2006/relationships" xmlns:p="http://schemas.openxmlformats.org/presentationml/2006/main">
   <p:cSld>
     <p:spTree>
@@ -5768,7 +7181,7 @@
 </p:sld>
 </file>
 
-<file path=ppt/slides/slide28.xml><?xml version="1.0" encoding="utf-8"?>
+<file path=ppt/slides/slide33.xml><?xml version="1.0" encoding="utf-8"?>
 <p:sld xmlns:a="http://schemas.openxmlformats.org/drawingml/2006/main" xmlns:r="http://schemas.openxmlformats.org/officeDocument/2006/relationships" xmlns:p="http://schemas.openxmlformats.org/presentationml/2006/main">
   <p:cSld>
     <p:spTree>
@@ -5902,269 +7315,6 @@
     <p:extLst>
       <p:ext uri="{BB962C8B-B14F-4D97-AF65-F5344CB8AC3E}">
         <p14:creationId xmlns:p14="http://schemas.microsoft.com/office/powerpoint/2010/main" val="1359258439"/>
-      </p:ext>
-    </p:extLst>
-  </p:cSld>
-  <p:clrMapOvr>
-    <a:masterClrMapping/>
-  </p:clrMapOvr>
-</p:sld>
-</file>
-
-<file path=ppt/slides/slide3.xml><?xml version="1.0" encoding="utf-8"?>
-<p:sld xmlns:a="http://schemas.openxmlformats.org/drawingml/2006/main" xmlns:r="http://schemas.openxmlformats.org/officeDocument/2006/relationships" xmlns:p="http://schemas.openxmlformats.org/presentationml/2006/main">
-  <p:cSld>
-    <p:spTree>
-      <p:nvGrpSpPr>
-        <p:cNvPr id="1" name=""/>
-        <p:cNvGrpSpPr/>
-        <p:nvPr/>
-      </p:nvGrpSpPr>
-      <p:grpSpPr>
-        <a:xfrm>
-          <a:off x="0" y="0"/>
-          <a:ext cx="0" cy="0"/>
-          <a:chOff x="0" y="0"/>
-          <a:chExt cx="0" cy="0"/>
-        </a:xfrm>
-      </p:grpSpPr>
-      <p:sp>
-        <p:nvSpPr>
-          <p:cNvPr id="3" name="Content Placeholder 2">
-            <a:extLst>
-              <a:ext uri="{FF2B5EF4-FFF2-40B4-BE49-F238E27FC236}">
-                <a16:creationId xmlns:a16="http://schemas.microsoft.com/office/drawing/2014/main" id="{E42FB284-DAF2-8CB9-9090-285BF2A5822E}"/>
-              </a:ext>
-            </a:extLst>
-          </p:cNvPr>
-          <p:cNvSpPr>
-            <a:spLocks noGrp="1"/>
-          </p:cNvSpPr>
-          <p:nvPr>
-            <p:ph idx="1"/>
-          </p:nvPr>
-        </p:nvSpPr>
-        <p:spPr>
-          <a:xfrm>
-            <a:off x="631722" y="508102"/>
-            <a:ext cx="10803193" cy="5646891"/>
-          </a:xfrm>
-        </p:spPr>
-        <p:txBody>
-          <a:bodyPr>
-            <a:normAutofit lnSpcReduction="10000"/>
-          </a:bodyPr>
-          <a:lstStyle/>
-          <a:p>
-            <a:pPr marL="0" indent="0">
-              <a:buNone/>
-            </a:pPr>
-            <a:r>
-              <a:rPr lang="en-IN" b="1" i="0" dirty="0">
-                <a:solidFill>
-                  <a:srgbClr val="273239"/>
-                </a:solidFill>
-                <a:effectLst/>
-                <a:latin typeface="Nunito" pitchFamily="2" charset="0"/>
-              </a:rPr>
-              <a:t>What is Error:</a:t>
-            </a:r>
-          </a:p>
-          <a:p>
-            <a:pPr marL="0" indent="0">
-              <a:buNone/>
-            </a:pPr>
-            <a:r>
-              <a:rPr lang="en-US" b="1" i="0" dirty="0">
-                <a:solidFill>
-                  <a:srgbClr val="C00000"/>
-                </a:solidFill>
-                <a:effectLst/>
-                <a:latin typeface="Roboto" panose="020F0502020204030204" pitchFamily="2" charset="0"/>
-              </a:rPr>
-              <a:t>Exceptional conditions </a:t>
-            </a:r>
-            <a:r>
-              <a:rPr lang="en-US" b="0" i="0" dirty="0">
-                <a:solidFill>
-                  <a:srgbClr val="022144"/>
-                </a:solidFill>
-                <a:effectLst/>
-                <a:latin typeface="Roboto" panose="020F0502020204030204" pitchFamily="2" charset="0"/>
-              </a:rPr>
-              <a:t>that the application cannot normally </a:t>
-            </a:r>
-            <a:r>
-              <a:rPr lang="en-US" b="1" i="0" dirty="0">
-                <a:solidFill>
-                  <a:srgbClr val="C00000"/>
-                </a:solidFill>
-                <a:effectLst/>
-                <a:latin typeface="Roboto" panose="020F0502020204030204" pitchFamily="2" charset="0"/>
-              </a:rPr>
-              <a:t>predict</a:t>
-            </a:r>
-            <a:r>
-              <a:rPr lang="en-US" b="0" i="0" dirty="0">
-                <a:solidFill>
-                  <a:srgbClr val="022144"/>
-                </a:solidFill>
-                <a:effectLst/>
-                <a:latin typeface="Roboto" panose="020F0502020204030204" pitchFamily="2" charset="0"/>
-              </a:rPr>
-              <a:t> or </a:t>
-            </a:r>
-            <a:r>
-              <a:rPr lang="en-US" b="1" i="0" dirty="0">
-                <a:solidFill>
-                  <a:srgbClr val="C00000"/>
-                </a:solidFill>
-                <a:effectLst/>
-                <a:latin typeface="Roboto" panose="020F0502020204030204" pitchFamily="2" charset="0"/>
-              </a:rPr>
-              <a:t>recover</a:t>
-            </a:r>
-            <a:r>
-              <a:rPr lang="en-US" b="0" i="0" dirty="0">
-                <a:solidFill>
-                  <a:srgbClr val="022144"/>
-                </a:solidFill>
-                <a:effectLst/>
-                <a:latin typeface="Roboto" panose="020F0502020204030204" pitchFamily="2" charset="0"/>
-              </a:rPr>
-              <a:t> from. They are also ignored throughout the compilation process.</a:t>
-            </a:r>
-            <a:endParaRPr lang="en-IN" b="1" i="0" dirty="0">
-              <a:solidFill>
-                <a:srgbClr val="273239"/>
-              </a:solidFill>
-              <a:effectLst/>
-              <a:latin typeface="Nunito" pitchFamily="2" charset="0"/>
-            </a:endParaRPr>
-          </a:p>
-          <a:p>
-            <a:pPr marL="0" indent="0">
-              <a:buNone/>
-            </a:pPr>
-            <a:r>
-              <a:rPr lang="en-US" dirty="0"/>
-              <a:t>Errors represent </a:t>
-            </a:r>
-            <a:r>
-              <a:rPr lang="en-US" b="1" dirty="0">
-                <a:solidFill>
-                  <a:srgbClr val="C00000"/>
-                </a:solidFill>
-              </a:rPr>
-              <a:t>irrecoverable conditions </a:t>
-            </a:r>
-            <a:r>
-              <a:rPr lang="en-US" dirty="0"/>
-              <a:t>such as </a:t>
-            </a:r>
-            <a:r>
-              <a:rPr lang="en-US" b="1" dirty="0"/>
-              <a:t>Java virtual machine (JVM) running out of memory</a:t>
-            </a:r>
-            <a:r>
-              <a:rPr lang="en-US" dirty="0"/>
-              <a:t>, </a:t>
-            </a:r>
-            <a:r>
-              <a:rPr lang="en-US" b="1" dirty="0"/>
-              <a:t>memory leaks</a:t>
-            </a:r>
-            <a:r>
-              <a:rPr lang="en-US" dirty="0"/>
-              <a:t>, </a:t>
-            </a:r>
-            <a:r>
-              <a:rPr lang="en-US" b="1" dirty="0"/>
-              <a:t>stack overflow errors</a:t>
-            </a:r>
-            <a:r>
-              <a:rPr lang="en-US" dirty="0"/>
-              <a:t>, </a:t>
-            </a:r>
-            <a:r>
-              <a:rPr lang="en-US" b="1" dirty="0"/>
-              <a:t>library incompatibility</a:t>
-            </a:r>
-            <a:r>
-              <a:rPr lang="en-US" dirty="0"/>
-              <a:t>, </a:t>
-            </a:r>
-            <a:r>
-              <a:rPr lang="en-US" b="1" dirty="0"/>
-              <a:t>infinite recursion</a:t>
-            </a:r>
-            <a:r>
-              <a:rPr lang="en-US" dirty="0"/>
-              <a:t>, etc. Errors are usually </a:t>
-            </a:r>
-            <a:r>
-              <a:rPr lang="en-US" b="1" dirty="0">
-                <a:solidFill>
-                  <a:schemeClr val="accent4">
-                    <a:lumMod val="75000"/>
-                  </a:schemeClr>
-                </a:solidFill>
-              </a:rPr>
-              <a:t>beyond the control of the programmer</a:t>
-            </a:r>
-            <a:r>
-              <a:rPr lang="en-US" dirty="0"/>
-              <a:t>, and we should not try to handle errors.</a:t>
-            </a:r>
-          </a:p>
-          <a:p>
-            <a:pPr marL="0" indent="0">
-              <a:buNone/>
-            </a:pPr>
-            <a:r>
-              <a:rPr lang="en-US" b="1" dirty="0"/>
-              <a:t>Some examples of errors:</a:t>
-            </a:r>
-          </a:p>
-          <a:p>
-            <a:r>
-              <a:rPr lang="en-US" dirty="0" err="1"/>
-              <a:t>OutOfMemoryError</a:t>
-            </a:r>
-            <a:endParaRPr lang="en-US" dirty="0"/>
-          </a:p>
-          <a:p>
-            <a:r>
-              <a:rPr lang="en-US" dirty="0" err="1"/>
-              <a:t>VirtualMachineErrors</a:t>
-            </a:r>
-            <a:endParaRPr lang="en-US" dirty="0"/>
-          </a:p>
-          <a:p>
-            <a:r>
-              <a:rPr lang="en-US" dirty="0" err="1"/>
-              <a:t>AssertionError</a:t>
-            </a:r>
-            <a:endParaRPr lang="en-US" dirty="0"/>
-          </a:p>
-          <a:p>
-            <a:pPr marL="0" indent="0">
-              <a:buNone/>
-            </a:pPr>
-            <a:endParaRPr lang="en-US" dirty="0"/>
-          </a:p>
-          <a:p>
-            <a:pPr marL="0" indent="0">
-              <a:buNone/>
-            </a:pPr>
-            <a:endParaRPr lang="en-IN" dirty="0"/>
-          </a:p>
-        </p:txBody>
-      </p:sp>
-    </p:spTree>
-    <p:extLst>
-      <p:ext uri="{BB962C8B-B14F-4D97-AF65-F5344CB8AC3E}">
-        <p14:creationId xmlns:p14="http://schemas.microsoft.com/office/powerpoint/2010/main" val="2061497891"/>
       </p:ext>
     </p:extLst>
   </p:cSld>

--- a/Theory Class-Notes/Complete Syllabus and Notes/Module-4 Exception Handling.pptx
+++ b/Theory Class-Notes/Complete Syllabus and Notes/Module-4 Exception Handling.pptx
@@ -27,17 +27,20 @@
     <p:sldId id="486" r:id="rId21"/>
     <p:sldId id="487" r:id="rId22"/>
     <p:sldId id="488" r:id="rId23"/>
-    <p:sldId id="256" r:id="rId24"/>
-    <p:sldId id="496" r:id="rId25"/>
-    <p:sldId id="497" r:id="rId26"/>
-    <p:sldId id="498" r:id="rId27"/>
-    <p:sldId id="499" r:id="rId28"/>
+    <p:sldId id="496" r:id="rId24"/>
+    <p:sldId id="497" r:id="rId25"/>
+    <p:sldId id="498" r:id="rId26"/>
+    <p:sldId id="499" r:id="rId27"/>
+    <p:sldId id="506" r:id="rId28"/>
     <p:sldId id="500" r:id="rId29"/>
-    <p:sldId id="471" r:id="rId30"/>
-    <p:sldId id="472" r:id="rId31"/>
-    <p:sldId id="473" r:id="rId32"/>
-    <p:sldId id="474" r:id="rId33"/>
-    <p:sldId id="475" r:id="rId34"/>
+    <p:sldId id="501" r:id="rId30"/>
+    <p:sldId id="256" r:id="rId31"/>
+    <p:sldId id="502" r:id="rId32"/>
+    <p:sldId id="471" r:id="rId33"/>
+    <p:sldId id="472" r:id="rId34"/>
+    <p:sldId id="473" r:id="rId35"/>
+    <p:sldId id="474" r:id="rId36"/>
+    <p:sldId id="475" r:id="rId37"/>
   </p:sldIdLst>
   <p:sldSz cx="12192000" cy="6858000"/>
   <p:notesSz cx="6858000" cy="9144000"/>
@@ -293,7 +296,7 @@
           <a:p>
             <a:fld id="{9C0243F3-34DD-41B1-BD71-84560502D122}" type="datetimeFigureOut">
               <a:rPr lang="en-IN" smtClean="0"/>
-              <a:t>27-09-2024</a:t>
+              <a:t>28-09-2024</a:t>
             </a:fld>
             <a:endParaRPr lang="en-IN"/>
           </a:p>
@@ -493,7 +496,7 @@
           <a:p>
             <a:fld id="{9C0243F3-34DD-41B1-BD71-84560502D122}" type="datetimeFigureOut">
               <a:rPr lang="en-IN" smtClean="0"/>
-              <a:t>27-09-2024</a:t>
+              <a:t>28-09-2024</a:t>
             </a:fld>
             <a:endParaRPr lang="en-IN"/>
           </a:p>
@@ -703,7 +706,7 @@
           <a:p>
             <a:fld id="{9C0243F3-34DD-41B1-BD71-84560502D122}" type="datetimeFigureOut">
               <a:rPr lang="en-IN" smtClean="0"/>
-              <a:t>27-09-2024</a:t>
+              <a:t>28-09-2024</a:t>
             </a:fld>
             <a:endParaRPr lang="en-IN"/>
           </a:p>
@@ -903,7 +906,7 @@
           <a:p>
             <a:fld id="{9C0243F3-34DD-41B1-BD71-84560502D122}" type="datetimeFigureOut">
               <a:rPr lang="en-IN" smtClean="0"/>
-              <a:t>27-09-2024</a:t>
+              <a:t>28-09-2024</a:t>
             </a:fld>
             <a:endParaRPr lang="en-IN"/>
           </a:p>
@@ -1179,7 +1182,7 @@
           <a:p>
             <a:fld id="{9C0243F3-34DD-41B1-BD71-84560502D122}" type="datetimeFigureOut">
               <a:rPr lang="en-IN" smtClean="0"/>
-              <a:t>27-09-2024</a:t>
+              <a:t>28-09-2024</a:t>
             </a:fld>
             <a:endParaRPr lang="en-IN"/>
           </a:p>
@@ -1447,7 +1450,7 @@
           <a:p>
             <a:fld id="{9C0243F3-34DD-41B1-BD71-84560502D122}" type="datetimeFigureOut">
               <a:rPr lang="en-IN" smtClean="0"/>
-              <a:t>27-09-2024</a:t>
+              <a:t>28-09-2024</a:t>
             </a:fld>
             <a:endParaRPr lang="en-IN"/>
           </a:p>
@@ -1862,7 +1865,7 @@
           <a:p>
             <a:fld id="{9C0243F3-34DD-41B1-BD71-84560502D122}" type="datetimeFigureOut">
               <a:rPr lang="en-IN" smtClean="0"/>
-              <a:t>27-09-2024</a:t>
+              <a:t>28-09-2024</a:t>
             </a:fld>
             <a:endParaRPr lang="en-IN"/>
           </a:p>
@@ -2004,7 +2007,7 @@
           <a:p>
             <a:fld id="{9C0243F3-34DD-41B1-BD71-84560502D122}" type="datetimeFigureOut">
               <a:rPr lang="en-IN" smtClean="0"/>
-              <a:t>27-09-2024</a:t>
+              <a:t>28-09-2024</a:t>
             </a:fld>
             <a:endParaRPr lang="en-IN"/>
           </a:p>
@@ -2117,7 +2120,7 @@
           <a:p>
             <a:fld id="{9C0243F3-34DD-41B1-BD71-84560502D122}" type="datetimeFigureOut">
               <a:rPr lang="en-IN" smtClean="0"/>
-              <a:t>27-09-2024</a:t>
+              <a:t>28-09-2024</a:t>
             </a:fld>
             <a:endParaRPr lang="en-IN"/>
           </a:p>
@@ -2430,7 +2433,7 @@
           <a:p>
             <a:fld id="{9C0243F3-34DD-41B1-BD71-84560502D122}" type="datetimeFigureOut">
               <a:rPr lang="en-IN" smtClean="0"/>
-              <a:t>27-09-2024</a:t>
+              <a:t>28-09-2024</a:t>
             </a:fld>
             <a:endParaRPr lang="en-IN"/>
           </a:p>
@@ -2719,7 +2722,7 @@
           <a:p>
             <a:fld id="{9C0243F3-34DD-41B1-BD71-84560502D122}" type="datetimeFigureOut">
               <a:rPr lang="en-IN" smtClean="0"/>
-              <a:t>27-09-2024</a:t>
+              <a:t>28-09-2024</a:t>
             </a:fld>
             <a:endParaRPr lang="en-IN"/>
           </a:p>
@@ -2962,7 +2965,7 @@
           <a:p>
             <a:fld id="{9C0243F3-34DD-41B1-BD71-84560502D122}" type="datetimeFigureOut">
               <a:rPr lang="en-IN" smtClean="0"/>
-              <a:t>27-09-2024</a:t>
+              <a:t>28-09-2024</a:t>
             </a:fld>
             <a:endParaRPr lang="en-IN"/>
           </a:p>
@@ -5672,403 +5675,111 @@
       </p:grpSpPr>
       <p:sp>
         <p:nvSpPr>
-          <p:cNvPr id="5" name="Content Placeholder 2">
-            <a:extLst>
-              <a:ext uri="{FF2B5EF4-FFF2-40B4-BE49-F238E27FC236}">
-                <a16:creationId xmlns:a16="http://schemas.microsoft.com/office/drawing/2014/main" id="{36EC6F28-ADD0-A5F2-2DE5-31F3DC653397}"/>
-              </a:ext>
-            </a:extLst>
-          </p:cNvPr>
-          <p:cNvSpPr txBox="1">
-            <a:spLocks/>
-          </p:cNvSpPr>
-          <p:nvPr/>
+          <p:cNvPr id="3" name="Content Placeholder 2">
+            <a:extLst>
+              <a:ext uri="{FF2B5EF4-FFF2-40B4-BE49-F238E27FC236}">
+                <a16:creationId xmlns:a16="http://schemas.microsoft.com/office/drawing/2014/main" id="{E42FB284-DAF2-8CB9-9090-285BF2A5822E}"/>
+              </a:ext>
+            </a:extLst>
+          </p:cNvPr>
+          <p:cNvSpPr>
+            <a:spLocks noGrp="1"/>
+          </p:cNvSpPr>
+          <p:nvPr>
+            <p:ph idx="1"/>
+          </p:nvPr>
         </p:nvSpPr>
         <p:spPr>
           <a:xfrm>
-            <a:off x="650465" y="561975"/>
-            <a:ext cx="10770010" cy="5962650"/>
+            <a:off x="946354" y="793238"/>
+            <a:ext cx="10803193" cy="4122892"/>
           </a:xfrm>
-          <a:prstGeom prst="rect">
-            <a:avLst/>
-          </a:prstGeom>
         </p:spPr>
         <p:txBody>
-          <a:bodyPr vert="horz" lIns="91440" tIns="45720" rIns="91440" bIns="45720" rtlCol="0">
+          <a:bodyPr>
             <a:normAutofit/>
           </a:bodyPr>
-          <a:lstStyle>
-            <a:lvl1pPr marL="0" indent="0" algn="ctr" defTabSz="914400" rtl="0" eaLnBrk="1" latinLnBrk="0" hangingPunct="1">
-              <a:lnSpc>
-                <a:spcPct val="90000"/>
-              </a:lnSpc>
-              <a:spcBef>
-                <a:spcPts val="1000"/>
-              </a:spcBef>
-              <a:buFont typeface="Arial" panose="020B0604020202020204" pitchFamily="34" charset="0"/>
-              <a:buNone/>
-              <a:defRPr sz="2400" kern="1200">
-                <a:solidFill>
-                  <a:schemeClr val="tx1"/>
-                </a:solidFill>
-                <a:latin typeface="+mn-lt"/>
-                <a:ea typeface="+mn-ea"/>
-                <a:cs typeface="+mn-cs"/>
-              </a:defRPr>
-            </a:lvl1pPr>
-            <a:lvl2pPr marL="457200" indent="0" algn="ctr" defTabSz="914400" rtl="0" eaLnBrk="1" latinLnBrk="0" hangingPunct="1">
-              <a:lnSpc>
-                <a:spcPct val="90000"/>
-              </a:lnSpc>
-              <a:spcBef>
-                <a:spcPts val="500"/>
-              </a:spcBef>
-              <a:buFont typeface="Arial" panose="020B0604020202020204" pitchFamily="34" charset="0"/>
-              <a:buNone/>
-              <a:defRPr sz="2000" kern="1200">
-                <a:solidFill>
-                  <a:schemeClr val="tx1"/>
-                </a:solidFill>
-                <a:latin typeface="+mn-lt"/>
-                <a:ea typeface="+mn-ea"/>
-                <a:cs typeface="+mn-cs"/>
-              </a:defRPr>
-            </a:lvl2pPr>
-            <a:lvl3pPr marL="914400" indent="0" algn="ctr" defTabSz="914400" rtl="0" eaLnBrk="1" latinLnBrk="0" hangingPunct="1">
-              <a:lnSpc>
-                <a:spcPct val="90000"/>
-              </a:lnSpc>
-              <a:spcBef>
-                <a:spcPts val="500"/>
-              </a:spcBef>
-              <a:buFont typeface="Arial" panose="020B0604020202020204" pitchFamily="34" charset="0"/>
-              <a:buNone/>
-              <a:defRPr sz="1800" kern="1200">
-                <a:solidFill>
-                  <a:schemeClr val="tx1"/>
-                </a:solidFill>
-                <a:latin typeface="+mn-lt"/>
-                <a:ea typeface="+mn-ea"/>
-                <a:cs typeface="+mn-cs"/>
-              </a:defRPr>
-            </a:lvl3pPr>
-            <a:lvl4pPr marL="1371600" indent="0" algn="ctr" defTabSz="914400" rtl="0" eaLnBrk="1" latinLnBrk="0" hangingPunct="1">
-              <a:lnSpc>
-                <a:spcPct val="90000"/>
-              </a:lnSpc>
-              <a:spcBef>
-                <a:spcPts val="500"/>
-              </a:spcBef>
-              <a:buFont typeface="Arial" panose="020B0604020202020204" pitchFamily="34" charset="0"/>
-              <a:buNone/>
-              <a:defRPr sz="1600" kern="1200">
-                <a:solidFill>
-                  <a:schemeClr val="tx1"/>
-                </a:solidFill>
-                <a:latin typeface="+mn-lt"/>
-                <a:ea typeface="+mn-ea"/>
-                <a:cs typeface="+mn-cs"/>
-              </a:defRPr>
-            </a:lvl4pPr>
-            <a:lvl5pPr marL="1828800" indent="0" algn="ctr" defTabSz="914400" rtl="0" eaLnBrk="1" latinLnBrk="0" hangingPunct="1">
-              <a:lnSpc>
-                <a:spcPct val="90000"/>
-              </a:lnSpc>
-              <a:spcBef>
-                <a:spcPts val="500"/>
-              </a:spcBef>
-              <a:buFont typeface="Arial" panose="020B0604020202020204" pitchFamily="34" charset="0"/>
-              <a:buNone/>
-              <a:defRPr sz="1600" kern="1200">
-                <a:solidFill>
-                  <a:schemeClr val="tx1"/>
-                </a:solidFill>
-                <a:latin typeface="+mn-lt"/>
-                <a:ea typeface="+mn-ea"/>
-                <a:cs typeface="+mn-cs"/>
-              </a:defRPr>
-            </a:lvl5pPr>
-            <a:lvl6pPr marL="2286000" indent="0" algn="ctr" defTabSz="914400" rtl="0" eaLnBrk="1" latinLnBrk="0" hangingPunct="1">
-              <a:lnSpc>
-                <a:spcPct val="90000"/>
-              </a:lnSpc>
-              <a:spcBef>
-                <a:spcPts val="500"/>
-              </a:spcBef>
-              <a:buFont typeface="Arial" panose="020B0604020202020204" pitchFamily="34" charset="0"/>
-              <a:buNone/>
-              <a:defRPr sz="1600" kern="1200">
-                <a:solidFill>
-                  <a:schemeClr val="tx1"/>
-                </a:solidFill>
-                <a:latin typeface="+mn-lt"/>
-                <a:ea typeface="+mn-ea"/>
-                <a:cs typeface="+mn-cs"/>
-              </a:defRPr>
-            </a:lvl6pPr>
-            <a:lvl7pPr marL="2743200" indent="0" algn="ctr" defTabSz="914400" rtl="0" eaLnBrk="1" latinLnBrk="0" hangingPunct="1">
-              <a:lnSpc>
-                <a:spcPct val="90000"/>
-              </a:lnSpc>
-              <a:spcBef>
-                <a:spcPts val="500"/>
-              </a:spcBef>
-              <a:buFont typeface="Arial" panose="020B0604020202020204" pitchFamily="34" charset="0"/>
-              <a:buNone/>
-              <a:defRPr sz="1600" kern="1200">
-                <a:solidFill>
-                  <a:schemeClr val="tx1"/>
-                </a:solidFill>
-                <a:latin typeface="+mn-lt"/>
-                <a:ea typeface="+mn-ea"/>
-                <a:cs typeface="+mn-cs"/>
-              </a:defRPr>
-            </a:lvl7pPr>
-            <a:lvl8pPr marL="3200400" indent="0" algn="ctr" defTabSz="914400" rtl="0" eaLnBrk="1" latinLnBrk="0" hangingPunct="1">
-              <a:lnSpc>
-                <a:spcPct val="90000"/>
-              </a:lnSpc>
-              <a:spcBef>
-                <a:spcPts val="500"/>
-              </a:spcBef>
-              <a:buFont typeface="Arial" panose="020B0604020202020204" pitchFamily="34" charset="0"/>
-              <a:buNone/>
-              <a:defRPr sz="1600" kern="1200">
-                <a:solidFill>
-                  <a:schemeClr val="tx1"/>
-                </a:solidFill>
-                <a:latin typeface="+mn-lt"/>
-                <a:ea typeface="+mn-ea"/>
-                <a:cs typeface="+mn-cs"/>
-              </a:defRPr>
-            </a:lvl8pPr>
-            <a:lvl9pPr marL="3657600" indent="0" algn="ctr" defTabSz="914400" rtl="0" eaLnBrk="1" latinLnBrk="0" hangingPunct="1">
-              <a:lnSpc>
-                <a:spcPct val="90000"/>
-              </a:lnSpc>
-              <a:spcBef>
-                <a:spcPts val="500"/>
-              </a:spcBef>
-              <a:buFont typeface="Arial" panose="020B0604020202020204" pitchFamily="34" charset="0"/>
-              <a:buNone/>
-              <a:defRPr sz="1600" kern="1200">
-                <a:solidFill>
-                  <a:schemeClr val="tx1"/>
-                </a:solidFill>
-                <a:latin typeface="+mn-lt"/>
-                <a:ea typeface="+mn-ea"/>
-                <a:cs typeface="+mn-cs"/>
-              </a:defRPr>
-            </a:lvl9pPr>
-          </a:lstStyle>
-          <a:p>
+          <a:lstStyle/>
+          <a:p>
+            <a:pPr marL="0" indent="0">
+              <a:buNone/>
+            </a:pPr>
+            <a:r>
+              <a:rPr lang="en-US" b="1" dirty="0"/>
+              <a:t>Rethrowing Exceptions:</a:t>
+            </a:r>
+          </a:p>
+          <a:p>
+            <a:pPr marL="0" indent="0">
+              <a:buNone/>
+            </a:pPr>
+            <a:r>
+              <a:rPr lang="en-US" dirty="0"/>
+              <a:t>Rethrowing exceptions in Java refers to the practice of </a:t>
+            </a:r>
+            <a:r>
+              <a:rPr lang="en-US" b="1" dirty="0"/>
+              <a:t>catching an exception</a:t>
+            </a:r>
+            <a:r>
+              <a:rPr lang="en-US" dirty="0"/>
+              <a:t> in a </a:t>
+            </a:r>
             <a:r>
               <a:rPr lang="en-US" b="1" dirty="0">
                 <a:solidFill>
-                  <a:schemeClr val="tx2"/>
+                  <a:srgbClr val="FF0000"/>
                 </a:solidFill>
               </a:rPr>
-              <a:t>Module-4: </a:t>
-            </a:r>
-            <a:r>
-              <a:rPr lang="en-US" b="1" dirty="0">
-                <a:solidFill>
-                  <a:srgbClr val="C00000"/>
-                </a:solidFill>
-              </a:rPr>
-              <a:t>EXCEPTION HANDLING (5hrs)</a:t>
-            </a:r>
-          </a:p>
-          <a:p>
-            <a:r>
-              <a:rPr lang="en-US" b="1" dirty="0"/>
-              <a:t>Exception Handling:</a:t>
-            </a:r>
-            <a:r>
-              <a:rPr lang="en-US" dirty="0"/>
-              <a:t> </a:t>
-            </a:r>
-            <a:r>
-              <a:rPr lang="en-US" b="1" dirty="0"/>
-              <a:t>Benefits of exception handling</a:t>
-            </a:r>
-            <a:r>
-              <a:rPr lang="en-US" dirty="0"/>
-              <a:t>, </a:t>
-            </a:r>
-            <a:r>
-              <a:rPr lang="en-US" b="1" dirty="0"/>
-              <a:t>the classification of exceptions,</a:t>
-            </a:r>
-            <a:r>
-              <a:rPr lang="en-US" dirty="0"/>
-              <a:t> </a:t>
-            </a:r>
-            <a:r>
-              <a:rPr lang="en-US" b="1" dirty="0"/>
-              <a:t>exception hierarchy</a:t>
-            </a:r>
-            <a:r>
-              <a:rPr lang="en-US" dirty="0"/>
-              <a:t>, </a:t>
-            </a:r>
-            <a:r>
-              <a:rPr lang="en-US" b="1" dirty="0"/>
-              <a:t>checked exceptions and unchecked exceptions,</a:t>
-            </a:r>
-            <a:r>
-              <a:rPr lang="en-US" dirty="0"/>
-              <a:t> </a:t>
-            </a:r>
-            <a:r>
-              <a:rPr lang="en-US" b="1" dirty="0"/>
-              <a:t>usage of try, catch, throw, throws and finally</a:t>
-            </a:r>
-            <a:r>
-              <a:rPr lang="en-US" dirty="0"/>
-              <a:t>. rethrowing exceptions, exception specification</a:t>
-            </a:r>
-            <a:r>
-              <a:rPr lang="en-US" b="1" dirty="0"/>
-              <a:t>, built in exceptions</a:t>
-            </a:r>
-            <a:r>
-              <a:rPr lang="en-US" dirty="0"/>
-              <a:t>, </a:t>
-            </a:r>
-            <a:r>
-              <a:rPr lang="en-US" b="1" dirty="0"/>
-              <a:t>creating own exception sub classes.</a:t>
-            </a:r>
-          </a:p>
-          <a:p>
-            <a:endParaRPr lang="en-US" dirty="0"/>
-          </a:p>
-          <a:p>
-            <a:r>
-              <a:rPr lang="en-US" b="1" dirty="0">
-                <a:solidFill>
-                  <a:schemeClr val="tx2"/>
-                </a:solidFill>
-              </a:rPr>
-              <a:t>Module-5: </a:t>
-            </a:r>
-            <a:r>
-              <a:rPr lang="en-US" b="1" dirty="0">
-                <a:solidFill>
-                  <a:srgbClr val="C00000"/>
-                </a:solidFill>
-              </a:rPr>
-              <a:t>GUI PROGRAMMING AND APPLETS (6)</a:t>
-            </a:r>
-          </a:p>
-          <a:p>
-            <a:r>
-              <a:rPr lang="en-US" b="1" dirty="0"/>
-              <a:t>GUI Programming with Java: </a:t>
-            </a:r>
-            <a:r>
-              <a:rPr lang="en-US" dirty="0"/>
-              <a:t>The AWT class hierarchy, introduction to swing. </a:t>
-            </a:r>
-            <a:r>
-              <a:rPr lang="en-US" dirty="0" err="1"/>
-              <a:t>swangs</a:t>
-            </a:r>
-            <a:r>
-              <a:rPr lang="en-US" dirty="0"/>
-              <a:t> Vs AWT, hierarchy for swing components. </a:t>
-            </a:r>
-          </a:p>
-          <a:p>
-            <a:r>
-              <a:rPr lang="en-US" b="1" dirty="0"/>
-              <a:t>Containers: </a:t>
-            </a:r>
-            <a:r>
-              <a:rPr lang="en-US" dirty="0" err="1"/>
-              <a:t>JFrame</a:t>
-            </a:r>
-            <a:r>
-              <a:rPr lang="en-US" dirty="0"/>
-              <a:t>. </a:t>
-            </a:r>
-            <a:r>
-              <a:rPr lang="en-US" dirty="0" err="1"/>
-              <a:t>JApplet</a:t>
-            </a:r>
-            <a:r>
-              <a:rPr lang="en-US" dirty="0"/>
-              <a:t>, </a:t>
-            </a:r>
-            <a:r>
-              <a:rPr lang="en-US" dirty="0" err="1"/>
-              <a:t>JDialog</a:t>
-            </a:r>
-            <a:r>
-              <a:rPr lang="en-US" dirty="0"/>
-              <a:t>. </a:t>
-            </a:r>
-            <a:r>
-              <a:rPr lang="en-US" dirty="0" err="1"/>
-              <a:t>Jpanel</a:t>
-            </a:r>
-            <a:r>
-              <a:rPr lang="en-US" dirty="0"/>
-              <a:t>, overview of some swing components </a:t>
-            </a:r>
-            <a:r>
-              <a:rPr lang="en-US" dirty="0" err="1"/>
-              <a:t>JButton</a:t>
-            </a:r>
-            <a:r>
-              <a:rPr lang="en-US" dirty="0"/>
-              <a:t>, </a:t>
-            </a:r>
-            <a:r>
-              <a:rPr lang="en-US" dirty="0" err="1"/>
-              <a:t>JLabel</a:t>
-            </a:r>
-            <a:r>
-              <a:rPr lang="en-US" dirty="0"/>
-              <a:t>, </a:t>
-            </a:r>
-            <a:r>
-              <a:rPr lang="en-US" dirty="0" err="1"/>
-              <a:t>JTextField</a:t>
-            </a:r>
-            <a:r>
-              <a:rPr lang="en-US" dirty="0"/>
-              <a:t>, </a:t>
-            </a:r>
-            <a:r>
-              <a:rPr lang="en-US" dirty="0" err="1"/>
-              <a:t>JTextArea</a:t>
-            </a:r>
-            <a:r>
-              <a:rPr lang="en-US" dirty="0"/>
-              <a:t>, simple applications Layout management Layout manager types, border, grid and flow.</a:t>
-            </a:r>
-          </a:p>
-          <a:p>
-            <a:r>
-              <a:rPr lang="en-US" b="1" dirty="0"/>
-              <a:t>Applets: </a:t>
-            </a:r>
-            <a:r>
-              <a:rPr lang="en-US" dirty="0"/>
-              <a:t>Inheritance hierarchy for applets, differences between applets and applications, life cycle of an applet, passing parameters to applets.</a:t>
-            </a:r>
-          </a:p>
-          <a:p>
-            <a:endParaRPr lang="en-IN" dirty="0"/>
+              <a:t>catch</a:t>
+            </a:r>
+            <a:r>
+              <a:rPr lang="en-US" dirty="0"/>
+              <a:t> block and then </a:t>
+            </a:r>
+            <a:r>
+              <a:rPr lang="en-US" b="1" dirty="0"/>
+              <a:t>throwing it again</a:t>
+            </a:r>
+            <a:r>
+              <a:rPr lang="en-US" dirty="0"/>
+              <a:t>, allowing it to propagate up the call stack. This is often done after logging or modifying the exception.</a:t>
+            </a:r>
+          </a:p>
+          <a:p>
+            <a:pPr marL="0" indent="0">
+              <a:buNone/>
+            </a:pPr>
+            <a:r>
+              <a:rPr lang="en-US" b="1" dirty="0"/>
+              <a:t>Two Ways to Achieve:</a:t>
+            </a:r>
+          </a:p>
+          <a:p>
+            <a:pPr marL="514350" indent="-514350">
+              <a:buAutoNum type="arabicPeriod"/>
+            </a:pPr>
+            <a:r>
+              <a:rPr lang="en-US" b="1" dirty="0"/>
+              <a:t>Rethrow without modification</a:t>
+            </a:r>
+          </a:p>
+          <a:p>
+            <a:pPr marL="514350" indent="-514350">
+              <a:buAutoNum type="arabicPeriod"/>
+            </a:pPr>
+            <a:r>
+              <a:rPr lang="en-US" b="1" dirty="0"/>
+              <a:t>Rethrow with modification</a:t>
+            </a:r>
+            <a:endParaRPr lang="en-IN" b="1" dirty="0"/>
           </a:p>
         </p:txBody>
       </p:sp>
     </p:spTree>
     <p:extLst>
       <p:ext uri="{BB962C8B-B14F-4D97-AF65-F5344CB8AC3E}">
-        <p14:creationId xmlns:p14="http://schemas.microsoft.com/office/powerpoint/2010/main" val="361719691"/>
+        <p14:creationId xmlns:p14="http://schemas.microsoft.com/office/powerpoint/2010/main" val="984527558"/>
       </p:ext>
     </p:extLst>
   </p:cSld>
@@ -6123,6 +5834,37 @@
           </a:bodyPr>
           <a:lstStyle/>
           <a:p>
+            <a:pPr marL="514350" indent="-514350">
+              <a:buAutoNum type="arabicPeriod"/>
+            </a:pPr>
+            <a:r>
+              <a:rPr lang="en-US" b="1" dirty="0"/>
+              <a:t>Rethrow without modification:</a:t>
+            </a:r>
+            <a:r>
+              <a:rPr lang="en-US" dirty="0"/>
+              <a:t> The caught exception is simply thrown again, allowing it to propagate unchanged. </a:t>
+            </a:r>
+          </a:p>
+          <a:p>
+            <a:pPr marL="457200" lvl="1" indent="0">
+              <a:buNone/>
+            </a:pPr>
+            <a:r>
+              <a:rPr lang="en-US" b="1" dirty="0"/>
+              <a:t>Example:</a:t>
+            </a:r>
+          </a:p>
+          <a:p>
+            <a:pPr marL="457200" lvl="1" indent="0">
+              <a:buNone/>
+            </a:pPr>
+            <a:r>
+              <a:rPr lang="en-US" b="1" dirty="0"/>
+              <a:t>	</a:t>
+            </a:r>
+          </a:p>
+          <a:p>
             <a:pPr marL="0" indent="0">
               <a:buNone/>
             </a:pPr>
@@ -6130,10 +5872,40 @@
           </a:p>
         </p:txBody>
       </p:sp>
+      <p:pic>
+        <p:nvPicPr>
+          <p:cNvPr id="6" name="Picture 5">
+            <a:extLst>
+              <a:ext uri="{FF2B5EF4-FFF2-40B4-BE49-F238E27FC236}">
+                <a16:creationId xmlns:a16="http://schemas.microsoft.com/office/drawing/2014/main" id="{BA645C40-82DE-0A88-84AF-104EAE55FEF9}"/>
+              </a:ext>
+            </a:extLst>
+          </p:cNvPr>
+          <p:cNvPicPr>
+            <a:picLocks noChangeAspect="1"/>
+          </p:cNvPicPr>
+          <p:nvPr/>
+        </p:nvPicPr>
+        <p:blipFill>
+          <a:blip r:embed="rId2"/>
+          <a:stretch>
+            <a:fillRect/>
+          </a:stretch>
+        </p:blipFill>
+        <p:spPr>
+          <a:xfrm>
+            <a:off x="1453742" y="2247430"/>
+            <a:ext cx="9604208" cy="3386454"/>
+          </a:xfrm>
+          <a:prstGeom prst="rect">
+            <a:avLst/>
+          </a:prstGeom>
+        </p:spPr>
+      </p:pic>
     </p:spTree>
     <p:extLst>
       <p:ext uri="{BB962C8B-B14F-4D97-AF65-F5344CB8AC3E}">
-        <p14:creationId xmlns:p14="http://schemas.microsoft.com/office/powerpoint/2010/main" val="984527558"/>
+        <p14:creationId xmlns:p14="http://schemas.microsoft.com/office/powerpoint/2010/main" val="3355452738"/>
       </p:ext>
     </p:extLst>
   </p:cSld>
@@ -6191,14 +5963,76 @@
             <a:pPr marL="0" indent="0">
               <a:buNone/>
             </a:pPr>
+            <a:r>
+              <a:rPr lang="en-US" b="1" dirty="0"/>
+              <a:t>2. Rethrow with modification:</a:t>
+            </a:r>
+            <a:r>
+              <a:rPr lang="en-US" dirty="0"/>
+              <a:t> You can throw a new exception or wrap the original one in a new exception, which adds more context or a custom message.</a:t>
+            </a:r>
+            <a:r>
+              <a:rPr lang="en-US" b="1" dirty="0"/>
+              <a:t>	</a:t>
+            </a:r>
+          </a:p>
+          <a:p>
+            <a:pPr marL="0" indent="0">
+              <a:buNone/>
+            </a:pPr>
+            <a:r>
+              <a:rPr lang="en-US" b="1" dirty="0"/>
+              <a:t>Example:</a:t>
+            </a:r>
+          </a:p>
+          <a:p>
+            <a:pPr marL="0" indent="0">
+              <a:buNone/>
+            </a:pPr>
+            <a:endParaRPr lang="en-IN" b="1" dirty="0"/>
+          </a:p>
+          <a:p>
+            <a:pPr marL="0" indent="0">
+              <a:buNone/>
+            </a:pPr>
             <a:endParaRPr lang="en-IN" dirty="0"/>
           </a:p>
         </p:txBody>
       </p:sp>
+      <p:pic>
+        <p:nvPicPr>
+          <p:cNvPr id="4" name="Picture 3">
+            <a:extLst>
+              <a:ext uri="{FF2B5EF4-FFF2-40B4-BE49-F238E27FC236}">
+                <a16:creationId xmlns:a16="http://schemas.microsoft.com/office/drawing/2014/main" id="{19F3D250-56BF-41FA-C7AC-87FA20E48B0F}"/>
+              </a:ext>
+            </a:extLst>
+          </p:cNvPr>
+          <p:cNvPicPr>
+            <a:picLocks noChangeAspect="1"/>
+          </p:cNvPicPr>
+          <p:nvPr/>
+        </p:nvPicPr>
+        <p:blipFill>
+          <a:blip r:embed="rId2"/>
+          <a:stretch>
+            <a:fillRect/>
+          </a:stretch>
+        </p:blipFill>
+        <p:spPr>
+          <a:xfrm>
+            <a:off x="1777898" y="2509373"/>
+            <a:ext cx="8628652" cy="3163839"/>
+          </a:xfrm>
+          <a:prstGeom prst="rect">
+            <a:avLst/>
+          </a:prstGeom>
+        </p:spPr>
+      </p:pic>
     </p:spTree>
     <p:extLst>
       <p:ext uri="{BB962C8B-B14F-4D97-AF65-F5344CB8AC3E}">
-        <p14:creationId xmlns:p14="http://schemas.microsoft.com/office/powerpoint/2010/main" val="3355452738"/>
+        <p14:creationId xmlns:p14="http://schemas.microsoft.com/office/powerpoint/2010/main" val="367795984"/>
       </p:ext>
     </p:extLst>
   </p:cSld>
@@ -6256,6 +6090,61 @@
             <a:pPr marL="0" indent="0">
               <a:buNone/>
             </a:pPr>
+            <a:r>
+              <a:rPr lang="en-US" b="1" dirty="0"/>
+              <a:t>Exception Specification:</a:t>
+            </a:r>
+          </a:p>
+          <a:p>
+            <a:r>
+              <a:rPr lang="en-US" dirty="0"/>
+              <a:t>In Java, exception specification refers to the </a:t>
+            </a:r>
+            <a:r>
+              <a:rPr lang="en-US" b="1" dirty="0">
+                <a:solidFill>
+                  <a:srgbClr val="C00000"/>
+                </a:solidFill>
+              </a:rPr>
+              <a:t>declaration of exceptions </a:t>
+            </a:r>
+            <a:r>
+              <a:rPr lang="en-US" b="1" dirty="0"/>
+              <a:t>that a </a:t>
+            </a:r>
+            <a:r>
+              <a:rPr lang="en-US" b="1" dirty="0">
+                <a:solidFill>
+                  <a:srgbClr val="C00000"/>
+                </a:solidFill>
+              </a:rPr>
+              <a:t>method</a:t>
+            </a:r>
+            <a:r>
+              <a:rPr lang="en-US" b="1" dirty="0"/>
+              <a:t> might throw</a:t>
+            </a:r>
+            <a:r>
+              <a:rPr lang="en-US" dirty="0"/>
+              <a:t>. </a:t>
+            </a:r>
+          </a:p>
+          <a:p>
+            <a:r>
+              <a:rPr lang="en-US" dirty="0"/>
+              <a:t>This is done using the throws keyword in the method signature, which informs the caller of the method about the exceptions that could be thrown and that the caller must handle or propagate these exceptions.</a:t>
+            </a:r>
+          </a:p>
+          <a:p>
+            <a:pPr marL="0" indent="0">
+              <a:buNone/>
+            </a:pPr>
+            <a:endParaRPr lang="en-US" dirty="0"/>
+          </a:p>
+          <a:p>
+            <a:pPr marL="0" indent="0">
+              <a:buNone/>
+            </a:pPr>
             <a:endParaRPr lang="en-IN" dirty="0"/>
           </a:p>
         </p:txBody>
@@ -6263,7 +6152,7 @@
     </p:spTree>
     <p:extLst>
       <p:ext uri="{BB962C8B-B14F-4D97-AF65-F5344CB8AC3E}">
-        <p14:creationId xmlns:p14="http://schemas.microsoft.com/office/powerpoint/2010/main" val="367795984"/>
+        <p14:creationId xmlns:p14="http://schemas.microsoft.com/office/powerpoint/2010/main" val="2269904359"/>
       </p:ext>
     </p:extLst>
   </p:cSld>
@@ -6314,13 +6203,197 @@
         </p:spPr>
         <p:txBody>
           <a:bodyPr>
-            <a:normAutofit/>
+            <a:normAutofit fontScale="92500" lnSpcReduction="10000"/>
           </a:bodyPr>
           <a:lstStyle/>
           <a:p>
             <a:pPr marL="0" indent="0">
               <a:buNone/>
             </a:pPr>
+            <a:r>
+              <a:rPr lang="en-US" b="1" dirty="0"/>
+              <a:t>Types of Exceptions in Java:</a:t>
+            </a:r>
+          </a:p>
+          <a:p>
+            <a:pPr marL="0" indent="0">
+              <a:buNone/>
+            </a:pPr>
+            <a:r>
+              <a:rPr lang="en-US" dirty="0"/>
+              <a:t>1. Checked Exceptions:</a:t>
+            </a:r>
+          </a:p>
+          <a:p>
+            <a:r>
+              <a:rPr lang="en-US" dirty="0"/>
+              <a:t>These are exceptions that are checked at </a:t>
+            </a:r>
+            <a:r>
+              <a:rPr lang="en-US" b="1" dirty="0"/>
+              <a:t>compile-time.</a:t>
+            </a:r>
+          </a:p>
+          <a:p>
+            <a:r>
+              <a:rPr lang="en-US" dirty="0"/>
+              <a:t>A method must either handle these exceptions using a</a:t>
+            </a:r>
+            <a:r>
+              <a:rPr lang="en-US" dirty="0">
+                <a:solidFill>
+                  <a:srgbClr val="C00000"/>
+                </a:solidFill>
+              </a:rPr>
+              <a:t> </a:t>
+            </a:r>
+            <a:r>
+              <a:rPr lang="en-US" b="1" dirty="0">
+                <a:solidFill>
+                  <a:srgbClr val="C00000"/>
+                </a:solidFill>
+              </a:rPr>
+              <a:t>try-catch </a:t>
+            </a:r>
+            <a:r>
+              <a:rPr lang="en-US" b="1" dirty="0"/>
+              <a:t>block </a:t>
+            </a:r>
+            <a:r>
+              <a:rPr lang="en-US" dirty="0"/>
+              <a:t>or </a:t>
+            </a:r>
+            <a:r>
+              <a:rPr lang="en-US" b="1" dirty="0"/>
+              <a:t>specify them in the method signature using throws</a:t>
+            </a:r>
+            <a:r>
+              <a:rPr lang="en-US" dirty="0"/>
+              <a:t>.</a:t>
+            </a:r>
+          </a:p>
+          <a:p>
+            <a:r>
+              <a:rPr lang="en-US" b="1" dirty="0"/>
+              <a:t>Example</a:t>
+            </a:r>
+            <a:r>
+              <a:rPr lang="en-US" dirty="0"/>
+              <a:t>: </a:t>
+            </a:r>
+            <a:r>
+              <a:rPr lang="en-US" dirty="0" err="1"/>
+              <a:t>IOException</a:t>
+            </a:r>
+            <a:r>
+              <a:rPr lang="en-US" dirty="0"/>
+              <a:t>, </a:t>
+            </a:r>
+            <a:r>
+              <a:rPr lang="en-US" dirty="0" err="1"/>
+              <a:t>SQLException</a:t>
+            </a:r>
+            <a:r>
+              <a:rPr lang="en-US" dirty="0"/>
+              <a:t>.</a:t>
+            </a:r>
+          </a:p>
+          <a:p>
+            <a:pPr marL="0" indent="0">
+              <a:buNone/>
+            </a:pPr>
+            <a:endParaRPr lang="en-US" dirty="0"/>
+          </a:p>
+          <a:p>
+            <a:pPr marL="0" indent="0">
+              <a:buNone/>
+            </a:pPr>
+            <a:r>
+              <a:rPr lang="en-US" b="1" dirty="0"/>
+              <a:t>2. Unchecked Exceptions: (</a:t>
+            </a:r>
+            <a:r>
+              <a:rPr lang="en-US" b="1" dirty="0">
+                <a:solidFill>
+                  <a:srgbClr val="C00000"/>
+                </a:solidFill>
+              </a:rPr>
+              <a:t>Exception Specification Not Required</a:t>
+            </a:r>
+            <a:r>
+              <a:rPr lang="en-US" b="1" dirty="0"/>
+              <a:t>)</a:t>
+            </a:r>
+          </a:p>
+          <a:p>
+            <a:r>
+              <a:rPr lang="en-US" dirty="0"/>
+              <a:t>These are exceptions that are not checked at compile-time, usually derived from </a:t>
+            </a:r>
+            <a:r>
+              <a:rPr lang="en-US" dirty="0" err="1"/>
+              <a:t>RuntimeException</a:t>
+            </a:r>
+            <a:r>
+              <a:rPr lang="en-US" dirty="0"/>
+              <a:t>.</a:t>
+            </a:r>
+          </a:p>
+          <a:p>
+            <a:r>
+              <a:rPr lang="en-US" dirty="0"/>
+              <a:t>Methods are </a:t>
+            </a:r>
+            <a:r>
+              <a:rPr lang="en-US" b="1" dirty="0">
+                <a:solidFill>
+                  <a:srgbClr val="C00000"/>
+                </a:solidFill>
+              </a:rPr>
+              <a:t>not required </a:t>
+            </a:r>
+            <a:r>
+              <a:rPr lang="en-US" b="1" dirty="0"/>
+              <a:t>to specify unchecked exceptions </a:t>
+            </a:r>
+            <a:r>
+              <a:rPr lang="en-US" dirty="0"/>
+              <a:t>in their throws clause as they are propagated </a:t>
+            </a:r>
+            <a:r>
+              <a:rPr lang="en-US" b="1" dirty="0"/>
+              <a:t>automatically</a:t>
+            </a:r>
+            <a:r>
+              <a:rPr lang="en-US" dirty="0"/>
+              <a:t>.</a:t>
+            </a:r>
+          </a:p>
+          <a:p>
+            <a:r>
+              <a:rPr lang="en-US" b="1" dirty="0"/>
+              <a:t>Example</a:t>
+            </a:r>
+            <a:r>
+              <a:rPr lang="en-US" dirty="0"/>
+              <a:t>: </a:t>
+            </a:r>
+            <a:r>
+              <a:rPr lang="en-US" dirty="0" err="1"/>
+              <a:t>NullPointerException</a:t>
+            </a:r>
+            <a:r>
+              <a:rPr lang="en-US" dirty="0"/>
+              <a:t>, </a:t>
+            </a:r>
+            <a:r>
+              <a:rPr lang="en-US" dirty="0" err="1"/>
+              <a:t>ArithmeticException</a:t>
+            </a:r>
+            <a:r>
+              <a:rPr lang="en-US" dirty="0"/>
+              <a:t>.</a:t>
+            </a:r>
             <a:endParaRPr lang="en-IN" dirty="0"/>
           </a:p>
         </p:txBody>
@@ -6328,7 +6401,7 @@
     </p:spTree>
     <p:extLst>
       <p:ext uri="{BB962C8B-B14F-4D97-AF65-F5344CB8AC3E}">
-        <p14:creationId xmlns:p14="http://schemas.microsoft.com/office/powerpoint/2010/main" val="2269904359"/>
+        <p14:creationId xmlns:p14="http://schemas.microsoft.com/office/powerpoint/2010/main" val="1112887232"/>
       </p:ext>
     </p:extLst>
   </p:cSld>
@@ -6386,10 +6459,61 @@
             <a:pPr marL="0" indent="0">
               <a:buNone/>
             </a:pPr>
-            <a:endParaRPr lang="en-IN" dirty="0"/>
-          </a:p>
-        </p:txBody>
-      </p:sp>
+            <a:r>
+              <a:rPr lang="en-US" b="1" dirty="0"/>
+              <a:t>Syntax of Exception Specification:</a:t>
+            </a:r>
+          </a:p>
+          <a:p>
+            <a:pPr marL="0" indent="0">
+              <a:buNone/>
+            </a:pPr>
+            <a:r>
+              <a:rPr lang="en-US" dirty="0"/>
+              <a:t>A method can specify the exceptions it throws using the throws keyword.</a:t>
+            </a:r>
+          </a:p>
+          <a:p>
+            <a:pPr marL="0" indent="0">
+              <a:buNone/>
+            </a:pPr>
+            <a:r>
+              <a:rPr lang="en-IN" b="1" dirty="0"/>
+              <a:t>Syntax:</a:t>
+            </a:r>
+          </a:p>
+        </p:txBody>
+      </p:sp>
+      <p:pic>
+        <p:nvPicPr>
+          <p:cNvPr id="5" name="Picture 4">
+            <a:extLst>
+              <a:ext uri="{FF2B5EF4-FFF2-40B4-BE49-F238E27FC236}">
+                <a16:creationId xmlns:a16="http://schemas.microsoft.com/office/drawing/2014/main" id="{1A1E160A-443B-833F-27CD-96D6309730EB}"/>
+              </a:ext>
+            </a:extLst>
+          </p:cNvPr>
+          <p:cNvPicPr>
+            <a:picLocks noChangeAspect="1"/>
+          </p:cNvPicPr>
+          <p:nvPr/>
+        </p:nvPicPr>
+        <p:blipFill>
+          <a:blip r:embed="rId2"/>
+          <a:stretch>
+            <a:fillRect/>
+          </a:stretch>
+        </p:blipFill>
+        <p:spPr>
+          <a:xfrm>
+            <a:off x="1583180" y="2698458"/>
+            <a:ext cx="8851822" cy="1461084"/>
+          </a:xfrm>
+          <a:prstGeom prst="rect">
+            <a:avLst/>
+          </a:prstGeom>
+        </p:spPr>
+      </p:pic>
     </p:spTree>
     <p:extLst>
       <p:ext uri="{BB962C8B-B14F-4D97-AF65-F5344CB8AC3E}">
@@ -6438,7 +6562,7 @@
         </p:nvSpPr>
         <p:spPr>
           <a:xfrm>
-            <a:off x="631722" y="508102"/>
+            <a:off x="356419" y="173804"/>
             <a:ext cx="10803193" cy="5646891"/>
           </a:xfrm>
         </p:spPr>
@@ -6453,35 +6577,25 @@
             </a:pPr>
             <a:r>
               <a:rPr lang="en-US" b="1" dirty="0"/>
-              <a:t>Benefits of exception handling</a:t>
-            </a:r>
-          </a:p>
-          <a:p>
-            <a:pPr marL="0" indent="0">
-              <a:buNone/>
-            </a:pPr>
-            <a:r>
-              <a:rPr lang="en-US" dirty="0"/>
-              <a:t>Exception handling in Java provides several important benefits, making applications more robust, maintainable, and reliable. Here are the key benefits:</a:t>
-            </a:r>
-          </a:p>
-          <a:p>
-            <a:pPr marL="0" indent="0">
-              <a:buNone/>
-            </a:pPr>
-            <a:r>
-              <a:rPr lang="en-US" b="1" dirty="0"/>
-              <a:t>1. Improved Program Flow</a:t>
-            </a:r>
-          </a:p>
-          <a:p>
-            <a:r>
-              <a:rPr lang="en-US" b="1" dirty="0"/>
-              <a:t>Prevents Crashes</a:t>
-            </a:r>
-            <a:r>
-              <a:rPr lang="en-US" dirty="0"/>
-              <a:t>: By catching exceptions, you can handle errors gracefully without </a:t>
+              <a:t>Example: </a:t>
+            </a:r>
+            <a:r>
+              <a:rPr lang="en-US" dirty="0"/>
+              <a:t>In this example:</a:t>
+            </a:r>
+          </a:p>
+          <a:p>
+            <a:r>
+              <a:rPr lang="en-US" dirty="0"/>
+              <a:t>The </a:t>
+            </a:r>
+            <a:r>
+              <a:rPr lang="en-US" b="1" dirty="0" err="1"/>
+              <a:t>readFile</a:t>
+            </a:r>
+            <a:r>
+              <a:rPr lang="en-US" dirty="0"/>
+              <a:t> method </a:t>
             </a:r>
             <a:r>
               <a:rPr lang="en-US" b="1" dirty="0">
@@ -6489,11 +6603,11 @@
                   <a:srgbClr val="C00000"/>
                 </a:solidFill>
               </a:rPr>
-              <a:t>crashing</a:t>
-            </a:r>
-            <a:r>
-              <a:rPr lang="en-US" dirty="0"/>
-              <a:t> the entire program. This enables the program to </a:t>
+              <a:t>specifies</a:t>
+            </a:r>
+            <a:r>
+              <a:rPr lang="en-US" dirty="0"/>
+              <a:t> that it </a:t>
             </a:r>
             <a:r>
               <a:rPr lang="en-US" b="1" dirty="0">
@@ -6501,33 +6615,33 @@
                   <a:srgbClr val="C00000"/>
                 </a:solidFill>
               </a:rPr>
-              <a:t>continue executing </a:t>
-            </a:r>
-            <a:r>
-              <a:rPr lang="en-US" dirty="0"/>
-              <a:t>after encountering an exception.</a:t>
-            </a:r>
-          </a:p>
-          <a:p>
-            <a:r>
-              <a:rPr lang="en-US" b="1" dirty="0"/>
-              <a:t>Separation of Error-Handling Code</a:t>
-            </a:r>
-            <a:r>
-              <a:rPr lang="en-US" dirty="0"/>
-              <a:t>: Exception handling separates normal code from </a:t>
-            </a:r>
-            <a:r>
-              <a:rPr lang="en-US" b="1" dirty="0">
-                <a:solidFill>
-                  <a:srgbClr val="C00000"/>
-                </a:solidFill>
-              </a:rPr>
-              <a:t>error-handling code</a:t>
-            </a:r>
-            <a:r>
-              <a:rPr lang="en-US" dirty="0"/>
-              <a:t>, making the code cleaner and easier to maintain.</a:t>
+              <a:t>might throw </a:t>
+            </a:r>
+            <a:r>
+              <a:rPr lang="en-US" dirty="0"/>
+              <a:t>an </a:t>
+            </a:r>
+            <a:r>
+              <a:rPr lang="en-US" b="1" dirty="0" err="1"/>
+              <a:t>IOException</a:t>
+            </a:r>
+            <a:r>
+              <a:rPr lang="en-US" dirty="0"/>
+              <a:t>.</a:t>
+            </a:r>
+          </a:p>
+          <a:p>
+            <a:r>
+              <a:rPr lang="en-US" dirty="0"/>
+              <a:t>The process method catches and handles the </a:t>
+            </a:r>
+            <a:r>
+              <a:rPr lang="en-US" dirty="0" err="1"/>
+              <a:t>IOException</a:t>
+            </a:r>
+            <a:r>
+              <a:rPr lang="en-US" dirty="0"/>
+              <a:t>.</a:t>
             </a:r>
           </a:p>
           <a:p>
@@ -6538,10 +6652,40 @@
           </a:p>
         </p:txBody>
       </p:sp>
+      <p:pic>
+        <p:nvPicPr>
+          <p:cNvPr id="6" name="Picture 5">
+            <a:extLst>
+              <a:ext uri="{FF2B5EF4-FFF2-40B4-BE49-F238E27FC236}">
+                <a16:creationId xmlns:a16="http://schemas.microsoft.com/office/drawing/2014/main" id="{300CC1DB-993B-A77F-1C77-C6BCBFC48966}"/>
+              </a:ext>
+            </a:extLst>
+          </p:cNvPr>
+          <p:cNvPicPr>
+            <a:picLocks noChangeAspect="1"/>
+          </p:cNvPicPr>
+          <p:nvPr/>
+        </p:nvPicPr>
+        <p:blipFill>
+          <a:blip r:embed="rId2"/>
+          <a:stretch>
+            <a:fillRect/>
+          </a:stretch>
+        </p:blipFill>
+        <p:spPr>
+          <a:xfrm>
+            <a:off x="1510999" y="1808166"/>
+            <a:ext cx="8951366" cy="4876030"/>
+          </a:xfrm>
+          <a:prstGeom prst="rect">
+            <a:avLst/>
+          </a:prstGeom>
+        </p:spPr>
+      </p:pic>
     </p:spTree>
     <p:extLst>
       <p:ext uri="{BB962C8B-B14F-4D97-AF65-F5344CB8AC3E}">
-        <p14:creationId xmlns:p14="http://schemas.microsoft.com/office/powerpoint/2010/main" val="3251779799"/>
+        <p14:creationId xmlns:p14="http://schemas.microsoft.com/office/powerpoint/2010/main" val="2659900585"/>
       </p:ext>
     </p:extLst>
   </p:cSld>
@@ -6815,6 +6959,644 @@
 </file>
 
 <file path=ppt/slides/slide30.xml><?xml version="1.0" encoding="utf-8"?>
+<p:sld xmlns:a="http://schemas.openxmlformats.org/drawingml/2006/main" xmlns:r="http://schemas.openxmlformats.org/officeDocument/2006/relationships" xmlns:p="http://schemas.openxmlformats.org/presentationml/2006/main">
+  <p:cSld>
+    <p:spTree>
+      <p:nvGrpSpPr>
+        <p:cNvPr id="1" name=""/>
+        <p:cNvGrpSpPr/>
+        <p:nvPr/>
+      </p:nvGrpSpPr>
+      <p:grpSpPr>
+        <a:xfrm>
+          <a:off x="0" y="0"/>
+          <a:ext cx="0" cy="0"/>
+          <a:chOff x="0" y="0"/>
+          <a:chExt cx="0" cy="0"/>
+        </a:xfrm>
+      </p:grpSpPr>
+      <p:sp>
+        <p:nvSpPr>
+          <p:cNvPr id="5" name="Content Placeholder 2">
+            <a:extLst>
+              <a:ext uri="{FF2B5EF4-FFF2-40B4-BE49-F238E27FC236}">
+                <a16:creationId xmlns:a16="http://schemas.microsoft.com/office/drawing/2014/main" id="{36EC6F28-ADD0-A5F2-2DE5-31F3DC653397}"/>
+              </a:ext>
+            </a:extLst>
+          </p:cNvPr>
+          <p:cNvSpPr txBox="1">
+            <a:spLocks/>
+          </p:cNvSpPr>
+          <p:nvPr/>
+        </p:nvSpPr>
+        <p:spPr>
+          <a:xfrm>
+            <a:off x="650465" y="561975"/>
+            <a:ext cx="10770010" cy="5962650"/>
+          </a:xfrm>
+          <a:prstGeom prst="rect">
+            <a:avLst/>
+          </a:prstGeom>
+        </p:spPr>
+        <p:txBody>
+          <a:bodyPr vert="horz" lIns="91440" tIns="45720" rIns="91440" bIns="45720" rtlCol="0">
+            <a:normAutofit/>
+          </a:bodyPr>
+          <a:lstStyle>
+            <a:lvl1pPr marL="0" indent="0" algn="ctr" defTabSz="914400" rtl="0" eaLnBrk="1" latinLnBrk="0" hangingPunct="1">
+              <a:lnSpc>
+                <a:spcPct val="90000"/>
+              </a:lnSpc>
+              <a:spcBef>
+                <a:spcPts val="1000"/>
+              </a:spcBef>
+              <a:buFont typeface="Arial" panose="020B0604020202020204" pitchFamily="34" charset="0"/>
+              <a:buNone/>
+              <a:defRPr sz="2400" kern="1200">
+                <a:solidFill>
+                  <a:schemeClr val="tx1"/>
+                </a:solidFill>
+                <a:latin typeface="+mn-lt"/>
+                <a:ea typeface="+mn-ea"/>
+                <a:cs typeface="+mn-cs"/>
+              </a:defRPr>
+            </a:lvl1pPr>
+            <a:lvl2pPr marL="457200" indent="0" algn="ctr" defTabSz="914400" rtl="0" eaLnBrk="1" latinLnBrk="0" hangingPunct="1">
+              <a:lnSpc>
+                <a:spcPct val="90000"/>
+              </a:lnSpc>
+              <a:spcBef>
+                <a:spcPts val="500"/>
+              </a:spcBef>
+              <a:buFont typeface="Arial" panose="020B0604020202020204" pitchFamily="34" charset="0"/>
+              <a:buNone/>
+              <a:defRPr sz="2000" kern="1200">
+                <a:solidFill>
+                  <a:schemeClr val="tx1"/>
+                </a:solidFill>
+                <a:latin typeface="+mn-lt"/>
+                <a:ea typeface="+mn-ea"/>
+                <a:cs typeface="+mn-cs"/>
+              </a:defRPr>
+            </a:lvl2pPr>
+            <a:lvl3pPr marL="914400" indent="0" algn="ctr" defTabSz="914400" rtl="0" eaLnBrk="1" latinLnBrk="0" hangingPunct="1">
+              <a:lnSpc>
+                <a:spcPct val="90000"/>
+              </a:lnSpc>
+              <a:spcBef>
+                <a:spcPts val="500"/>
+              </a:spcBef>
+              <a:buFont typeface="Arial" panose="020B0604020202020204" pitchFamily="34" charset="0"/>
+              <a:buNone/>
+              <a:defRPr sz="1800" kern="1200">
+                <a:solidFill>
+                  <a:schemeClr val="tx1"/>
+                </a:solidFill>
+                <a:latin typeface="+mn-lt"/>
+                <a:ea typeface="+mn-ea"/>
+                <a:cs typeface="+mn-cs"/>
+              </a:defRPr>
+            </a:lvl3pPr>
+            <a:lvl4pPr marL="1371600" indent="0" algn="ctr" defTabSz="914400" rtl="0" eaLnBrk="1" latinLnBrk="0" hangingPunct="1">
+              <a:lnSpc>
+                <a:spcPct val="90000"/>
+              </a:lnSpc>
+              <a:spcBef>
+                <a:spcPts val="500"/>
+              </a:spcBef>
+              <a:buFont typeface="Arial" panose="020B0604020202020204" pitchFamily="34" charset="0"/>
+              <a:buNone/>
+              <a:defRPr sz="1600" kern="1200">
+                <a:solidFill>
+                  <a:schemeClr val="tx1"/>
+                </a:solidFill>
+                <a:latin typeface="+mn-lt"/>
+                <a:ea typeface="+mn-ea"/>
+                <a:cs typeface="+mn-cs"/>
+              </a:defRPr>
+            </a:lvl4pPr>
+            <a:lvl5pPr marL="1828800" indent="0" algn="ctr" defTabSz="914400" rtl="0" eaLnBrk="1" latinLnBrk="0" hangingPunct="1">
+              <a:lnSpc>
+                <a:spcPct val="90000"/>
+              </a:lnSpc>
+              <a:spcBef>
+                <a:spcPts val="500"/>
+              </a:spcBef>
+              <a:buFont typeface="Arial" panose="020B0604020202020204" pitchFamily="34" charset="0"/>
+              <a:buNone/>
+              <a:defRPr sz="1600" kern="1200">
+                <a:solidFill>
+                  <a:schemeClr val="tx1"/>
+                </a:solidFill>
+                <a:latin typeface="+mn-lt"/>
+                <a:ea typeface="+mn-ea"/>
+                <a:cs typeface="+mn-cs"/>
+              </a:defRPr>
+            </a:lvl5pPr>
+            <a:lvl6pPr marL="2286000" indent="0" algn="ctr" defTabSz="914400" rtl="0" eaLnBrk="1" latinLnBrk="0" hangingPunct="1">
+              <a:lnSpc>
+                <a:spcPct val="90000"/>
+              </a:lnSpc>
+              <a:spcBef>
+                <a:spcPts val="500"/>
+              </a:spcBef>
+              <a:buFont typeface="Arial" panose="020B0604020202020204" pitchFamily="34" charset="0"/>
+              <a:buNone/>
+              <a:defRPr sz="1600" kern="1200">
+                <a:solidFill>
+                  <a:schemeClr val="tx1"/>
+                </a:solidFill>
+                <a:latin typeface="+mn-lt"/>
+                <a:ea typeface="+mn-ea"/>
+                <a:cs typeface="+mn-cs"/>
+              </a:defRPr>
+            </a:lvl6pPr>
+            <a:lvl7pPr marL="2743200" indent="0" algn="ctr" defTabSz="914400" rtl="0" eaLnBrk="1" latinLnBrk="0" hangingPunct="1">
+              <a:lnSpc>
+                <a:spcPct val="90000"/>
+              </a:lnSpc>
+              <a:spcBef>
+                <a:spcPts val="500"/>
+              </a:spcBef>
+              <a:buFont typeface="Arial" panose="020B0604020202020204" pitchFamily="34" charset="0"/>
+              <a:buNone/>
+              <a:defRPr sz="1600" kern="1200">
+                <a:solidFill>
+                  <a:schemeClr val="tx1"/>
+                </a:solidFill>
+                <a:latin typeface="+mn-lt"/>
+                <a:ea typeface="+mn-ea"/>
+                <a:cs typeface="+mn-cs"/>
+              </a:defRPr>
+            </a:lvl7pPr>
+            <a:lvl8pPr marL="3200400" indent="0" algn="ctr" defTabSz="914400" rtl="0" eaLnBrk="1" latinLnBrk="0" hangingPunct="1">
+              <a:lnSpc>
+                <a:spcPct val="90000"/>
+              </a:lnSpc>
+              <a:spcBef>
+                <a:spcPts val="500"/>
+              </a:spcBef>
+              <a:buFont typeface="Arial" panose="020B0604020202020204" pitchFamily="34" charset="0"/>
+              <a:buNone/>
+              <a:defRPr sz="1600" kern="1200">
+                <a:solidFill>
+                  <a:schemeClr val="tx1"/>
+                </a:solidFill>
+                <a:latin typeface="+mn-lt"/>
+                <a:ea typeface="+mn-ea"/>
+                <a:cs typeface="+mn-cs"/>
+              </a:defRPr>
+            </a:lvl8pPr>
+            <a:lvl9pPr marL="3657600" indent="0" algn="ctr" defTabSz="914400" rtl="0" eaLnBrk="1" latinLnBrk="0" hangingPunct="1">
+              <a:lnSpc>
+                <a:spcPct val="90000"/>
+              </a:lnSpc>
+              <a:spcBef>
+                <a:spcPts val="500"/>
+              </a:spcBef>
+              <a:buFont typeface="Arial" panose="020B0604020202020204" pitchFamily="34" charset="0"/>
+              <a:buNone/>
+              <a:defRPr sz="1600" kern="1200">
+                <a:solidFill>
+                  <a:schemeClr val="tx1"/>
+                </a:solidFill>
+                <a:latin typeface="+mn-lt"/>
+                <a:ea typeface="+mn-ea"/>
+                <a:cs typeface="+mn-cs"/>
+              </a:defRPr>
+            </a:lvl9pPr>
+          </a:lstStyle>
+          <a:p>
+            <a:r>
+              <a:rPr lang="en-US" b="1" dirty="0">
+                <a:solidFill>
+                  <a:schemeClr val="tx2"/>
+                </a:solidFill>
+              </a:rPr>
+              <a:t>Module-4: </a:t>
+            </a:r>
+            <a:r>
+              <a:rPr lang="en-US" b="1" dirty="0">
+                <a:solidFill>
+                  <a:srgbClr val="C00000"/>
+                </a:solidFill>
+              </a:rPr>
+              <a:t>EXCEPTION HANDLING (5hrs)</a:t>
+            </a:r>
+          </a:p>
+          <a:p>
+            <a:r>
+              <a:rPr lang="en-US" b="1" dirty="0"/>
+              <a:t>Exception Handling:</a:t>
+            </a:r>
+            <a:r>
+              <a:rPr lang="en-US" dirty="0"/>
+              <a:t> </a:t>
+            </a:r>
+            <a:r>
+              <a:rPr lang="en-US" b="1" dirty="0"/>
+              <a:t>Benefits of exception handling</a:t>
+            </a:r>
+            <a:r>
+              <a:rPr lang="en-US" dirty="0"/>
+              <a:t>, </a:t>
+            </a:r>
+            <a:r>
+              <a:rPr lang="en-US" b="1" dirty="0"/>
+              <a:t>the classification of exceptions,</a:t>
+            </a:r>
+            <a:r>
+              <a:rPr lang="en-US" dirty="0"/>
+              <a:t> </a:t>
+            </a:r>
+            <a:r>
+              <a:rPr lang="en-US" b="1" dirty="0"/>
+              <a:t>exception hierarchy</a:t>
+            </a:r>
+            <a:r>
+              <a:rPr lang="en-US" dirty="0"/>
+              <a:t>, </a:t>
+            </a:r>
+            <a:r>
+              <a:rPr lang="en-US" b="1" dirty="0"/>
+              <a:t>checked exceptions and unchecked exceptions,</a:t>
+            </a:r>
+            <a:r>
+              <a:rPr lang="en-US" dirty="0"/>
+              <a:t> </a:t>
+            </a:r>
+            <a:r>
+              <a:rPr lang="en-US" b="1" dirty="0"/>
+              <a:t>usage of try, catch, throw, throws and finally</a:t>
+            </a:r>
+            <a:r>
+              <a:rPr lang="en-US" dirty="0"/>
+              <a:t>. </a:t>
+            </a:r>
+            <a:r>
+              <a:rPr lang="en-US" b="1" dirty="0"/>
+              <a:t>rethrowing exceptions, exception specification, built in exceptions</a:t>
+            </a:r>
+            <a:r>
+              <a:rPr lang="en-US" dirty="0"/>
+              <a:t>, </a:t>
+            </a:r>
+            <a:r>
+              <a:rPr lang="en-US" b="1" dirty="0"/>
+              <a:t>creating own exception sub classes.</a:t>
+            </a:r>
+          </a:p>
+          <a:p>
+            <a:endParaRPr lang="en-US" dirty="0"/>
+          </a:p>
+          <a:p>
+            <a:r>
+              <a:rPr lang="en-US" b="1" dirty="0">
+                <a:solidFill>
+                  <a:schemeClr val="tx2"/>
+                </a:solidFill>
+              </a:rPr>
+              <a:t>Module-5: </a:t>
+            </a:r>
+            <a:r>
+              <a:rPr lang="en-US" b="1" dirty="0">
+                <a:solidFill>
+                  <a:srgbClr val="C00000"/>
+                </a:solidFill>
+              </a:rPr>
+              <a:t>GUI PROGRAMMING AND APPLETS (6)</a:t>
+            </a:r>
+          </a:p>
+          <a:p>
+            <a:r>
+              <a:rPr lang="en-US" b="1" dirty="0"/>
+              <a:t>GUI Programming with Java: </a:t>
+            </a:r>
+            <a:r>
+              <a:rPr lang="en-US" dirty="0"/>
+              <a:t>The AWT class hierarchy, introduction to swing. </a:t>
+            </a:r>
+            <a:r>
+              <a:rPr lang="en-US" dirty="0" err="1"/>
+              <a:t>swangs</a:t>
+            </a:r>
+            <a:r>
+              <a:rPr lang="en-US" dirty="0"/>
+              <a:t> Vs AWT, hierarchy for swing components. </a:t>
+            </a:r>
+          </a:p>
+          <a:p>
+            <a:r>
+              <a:rPr lang="en-US" b="1" dirty="0"/>
+              <a:t>Containers: </a:t>
+            </a:r>
+            <a:r>
+              <a:rPr lang="en-US" dirty="0" err="1"/>
+              <a:t>JFrame</a:t>
+            </a:r>
+            <a:r>
+              <a:rPr lang="en-US" dirty="0"/>
+              <a:t>. </a:t>
+            </a:r>
+            <a:r>
+              <a:rPr lang="en-US" dirty="0" err="1"/>
+              <a:t>JApplet</a:t>
+            </a:r>
+            <a:r>
+              <a:rPr lang="en-US" dirty="0"/>
+              <a:t>, </a:t>
+            </a:r>
+            <a:r>
+              <a:rPr lang="en-US" dirty="0" err="1"/>
+              <a:t>JDialog</a:t>
+            </a:r>
+            <a:r>
+              <a:rPr lang="en-US" dirty="0"/>
+              <a:t>. </a:t>
+            </a:r>
+            <a:r>
+              <a:rPr lang="en-US" dirty="0" err="1"/>
+              <a:t>Jpanel</a:t>
+            </a:r>
+            <a:r>
+              <a:rPr lang="en-US" dirty="0"/>
+              <a:t>, overview of some swing components </a:t>
+            </a:r>
+            <a:r>
+              <a:rPr lang="en-US" dirty="0" err="1"/>
+              <a:t>JButton</a:t>
+            </a:r>
+            <a:r>
+              <a:rPr lang="en-US" dirty="0"/>
+              <a:t>, </a:t>
+            </a:r>
+            <a:r>
+              <a:rPr lang="en-US" dirty="0" err="1"/>
+              <a:t>JLabel</a:t>
+            </a:r>
+            <a:r>
+              <a:rPr lang="en-US" dirty="0"/>
+              <a:t>, </a:t>
+            </a:r>
+            <a:r>
+              <a:rPr lang="en-US" dirty="0" err="1"/>
+              <a:t>JTextField</a:t>
+            </a:r>
+            <a:r>
+              <a:rPr lang="en-US" dirty="0"/>
+              <a:t>, </a:t>
+            </a:r>
+            <a:r>
+              <a:rPr lang="en-US" dirty="0" err="1"/>
+              <a:t>JTextArea</a:t>
+            </a:r>
+            <a:r>
+              <a:rPr lang="en-US" dirty="0"/>
+              <a:t>, simple applications Layout management Layout manager types, border, grid and flow.</a:t>
+            </a:r>
+          </a:p>
+          <a:p>
+            <a:r>
+              <a:rPr lang="en-US" b="1" dirty="0"/>
+              <a:t>Applets: </a:t>
+            </a:r>
+            <a:r>
+              <a:rPr lang="en-US" dirty="0"/>
+              <a:t>Inheritance hierarchy for applets, differences between applets and applications, life cycle of an applet, passing parameters to applets.</a:t>
+            </a:r>
+          </a:p>
+          <a:p>
+            <a:endParaRPr lang="en-IN" dirty="0"/>
+          </a:p>
+        </p:txBody>
+      </p:sp>
+    </p:spTree>
+    <p:extLst>
+      <p:ext uri="{BB962C8B-B14F-4D97-AF65-F5344CB8AC3E}">
+        <p14:creationId xmlns:p14="http://schemas.microsoft.com/office/powerpoint/2010/main" val="361719691"/>
+      </p:ext>
+    </p:extLst>
+  </p:cSld>
+  <p:clrMapOvr>
+    <a:masterClrMapping/>
+  </p:clrMapOvr>
+</p:sld>
+</file>
+
+<file path=ppt/slides/slide31.xml><?xml version="1.0" encoding="utf-8"?>
+<p:sld xmlns:a="http://schemas.openxmlformats.org/drawingml/2006/main" xmlns:r="http://schemas.openxmlformats.org/officeDocument/2006/relationships" xmlns:p="http://schemas.openxmlformats.org/presentationml/2006/main">
+  <p:cSld>
+    <p:spTree>
+      <p:nvGrpSpPr>
+        <p:cNvPr id="1" name=""/>
+        <p:cNvGrpSpPr/>
+        <p:nvPr/>
+      </p:nvGrpSpPr>
+      <p:grpSpPr>
+        <a:xfrm>
+          <a:off x="0" y="0"/>
+          <a:ext cx="0" cy="0"/>
+          <a:chOff x="0" y="0"/>
+          <a:chExt cx="0" cy="0"/>
+        </a:xfrm>
+      </p:grpSpPr>
+      <p:sp>
+        <p:nvSpPr>
+          <p:cNvPr id="3" name="Content Placeholder 2">
+            <a:extLst>
+              <a:ext uri="{FF2B5EF4-FFF2-40B4-BE49-F238E27FC236}">
+                <a16:creationId xmlns:a16="http://schemas.microsoft.com/office/drawing/2014/main" id="{E42FB284-DAF2-8CB9-9090-285BF2A5822E}"/>
+              </a:ext>
+            </a:extLst>
+          </p:cNvPr>
+          <p:cNvSpPr>
+            <a:spLocks noGrp="1"/>
+          </p:cNvSpPr>
+          <p:nvPr>
+            <p:ph idx="1"/>
+          </p:nvPr>
+        </p:nvSpPr>
+        <p:spPr>
+          <a:xfrm>
+            <a:off x="631722" y="508102"/>
+            <a:ext cx="10803193" cy="5646891"/>
+          </a:xfrm>
+        </p:spPr>
+        <p:txBody>
+          <a:bodyPr>
+            <a:normAutofit/>
+          </a:bodyPr>
+          <a:lstStyle/>
+          <a:p>
+            <a:pPr marL="0" indent="0">
+              <a:buNone/>
+            </a:pPr>
+            <a:endParaRPr lang="en-IN" dirty="0"/>
+          </a:p>
+        </p:txBody>
+      </p:sp>
+    </p:spTree>
+    <p:extLst>
+      <p:ext uri="{BB962C8B-B14F-4D97-AF65-F5344CB8AC3E}">
+        <p14:creationId xmlns:p14="http://schemas.microsoft.com/office/powerpoint/2010/main" val="2603701779"/>
+      </p:ext>
+    </p:extLst>
+  </p:cSld>
+  <p:clrMapOvr>
+    <a:masterClrMapping/>
+  </p:clrMapOvr>
+</p:sld>
+</file>
+
+<file path=ppt/slides/slide32.xml><?xml version="1.0" encoding="utf-8"?>
+<p:sld xmlns:a="http://schemas.openxmlformats.org/drawingml/2006/main" xmlns:r="http://schemas.openxmlformats.org/officeDocument/2006/relationships" xmlns:p="http://schemas.openxmlformats.org/presentationml/2006/main">
+  <p:cSld>
+    <p:spTree>
+      <p:nvGrpSpPr>
+        <p:cNvPr id="1" name=""/>
+        <p:cNvGrpSpPr/>
+        <p:nvPr/>
+      </p:nvGrpSpPr>
+      <p:grpSpPr>
+        <a:xfrm>
+          <a:off x="0" y="0"/>
+          <a:ext cx="0" cy="0"/>
+          <a:chOff x="0" y="0"/>
+          <a:chExt cx="0" cy="0"/>
+        </a:xfrm>
+      </p:grpSpPr>
+      <p:sp>
+        <p:nvSpPr>
+          <p:cNvPr id="3" name="Content Placeholder 2">
+            <a:extLst>
+              <a:ext uri="{FF2B5EF4-FFF2-40B4-BE49-F238E27FC236}">
+                <a16:creationId xmlns:a16="http://schemas.microsoft.com/office/drawing/2014/main" id="{E42FB284-DAF2-8CB9-9090-285BF2A5822E}"/>
+              </a:ext>
+            </a:extLst>
+          </p:cNvPr>
+          <p:cNvSpPr>
+            <a:spLocks noGrp="1"/>
+          </p:cNvSpPr>
+          <p:nvPr>
+            <p:ph idx="1"/>
+          </p:nvPr>
+        </p:nvSpPr>
+        <p:spPr>
+          <a:xfrm>
+            <a:off x="631722" y="508102"/>
+            <a:ext cx="10803193" cy="5646891"/>
+          </a:xfrm>
+        </p:spPr>
+        <p:txBody>
+          <a:bodyPr>
+            <a:normAutofit/>
+          </a:bodyPr>
+          <a:lstStyle/>
+          <a:p>
+            <a:pPr marL="0" indent="0">
+              <a:buNone/>
+            </a:pPr>
+            <a:r>
+              <a:rPr lang="en-US" b="1" dirty="0"/>
+              <a:t>Benefits of exception handling</a:t>
+            </a:r>
+          </a:p>
+          <a:p>
+            <a:pPr marL="0" indent="0">
+              <a:buNone/>
+            </a:pPr>
+            <a:r>
+              <a:rPr lang="en-US" dirty="0"/>
+              <a:t>Exception handling in Java provides several important benefits, making applications more robust, maintainable, and reliable. Here are the key benefits:</a:t>
+            </a:r>
+          </a:p>
+          <a:p>
+            <a:pPr marL="0" indent="0">
+              <a:buNone/>
+            </a:pPr>
+            <a:r>
+              <a:rPr lang="en-US" b="1" dirty="0"/>
+              <a:t>1. Improved Program Flow</a:t>
+            </a:r>
+          </a:p>
+          <a:p>
+            <a:r>
+              <a:rPr lang="en-US" b="1" dirty="0"/>
+              <a:t>Prevents Crashes</a:t>
+            </a:r>
+            <a:r>
+              <a:rPr lang="en-US" dirty="0"/>
+              <a:t>: By catching exceptions, you can handle errors gracefully without </a:t>
+            </a:r>
+            <a:r>
+              <a:rPr lang="en-US" b="1" dirty="0">
+                <a:solidFill>
+                  <a:srgbClr val="C00000"/>
+                </a:solidFill>
+              </a:rPr>
+              <a:t>crashing</a:t>
+            </a:r>
+            <a:r>
+              <a:rPr lang="en-US" dirty="0"/>
+              <a:t> the entire program. This enables the program to </a:t>
+            </a:r>
+            <a:r>
+              <a:rPr lang="en-US" b="1" dirty="0">
+                <a:solidFill>
+                  <a:srgbClr val="C00000"/>
+                </a:solidFill>
+              </a:rPr>
+              <a:t>continue executing </a:t>
+            </a:r>
+            <a:r>
+              <a:rPr lang="en-US" dirty="0"/>
+              <a:t>after encountering an exception.</a:t>
+            </a:r>
+          </a:p>
+          <a:p>
+            <a:r>
+              <a:rPr lang="en-US" b="1" dirty="0"/>
+              <a:t>Separation of Error-Handling Code</a:t>
+            </a:r>
+            <a:r>
+              <a:rPr lang="en-US" dirty="0"/>
+              <a:t>: Exception handling separates normal code from </a:t>
+            </a:r>
+            <a:r>
+              <a:rPr lang="en-US" b="1" dirty="0">
+                <a:solidFill>
+                  <a:srgbClr val="C00000"/>
+                </a:solidFill>
+              </a:rPr>
+              <a:t>error-handling code</a:t>
+            </a:r>
+            <a:r>
+              <a:rPr lang="en-US" dirty="0"/>
+              <a:t>, making the code cleaner and easier to maintain.</a:t>
+            </a:r>
+          </a:p>
+          <a:p>
+            <a:pPr marL="0" indent="0">
+              <a:buNone/>
+            </a:pPr>
+            <a:endParaRPr lang="en-IN" dirty="0"/>
+          </a:p>
+        </p:txBody>
+      </p:sp>
+    </p:spTree>
+    <p:extLst>
+      <p:ext uri="{BB962C8B-B14F-4D97-AF65-F5344CB8AC3E}">
+        <p14:creationId xmlns:p14="http://schemas.microsoft.com/office/powerpoint/2010/main" val="3251779799"/>
+      </p:ext>
+    </p:extLst>
+  </p:cSld>
+  <p:clrMapOvr>
+    <a:masterClrMapping/>
+  </p:clrMapOvr>
+</p:sld>
+</file>
+
+<file path=ppt/slides/slide33.xml><?xml version="1.0" encoding="utf-8"?>
 <p:sld xmlns:a="http://schemas.openxmlformats.org/drawingml/2006/main" xmlns:r="http://schemas.openxmlformats.org/officeDocument/2006/relationships" xmlns:p="http://schemas.openxmlformats.org/presentationml/2006/main">
   <p:cSld>
     <p:spTree>
@@ -6936,7 +7718,7 @@
 </p:sld>
 </file>
 
-<file path=ppt/slides/slide31.xml><?xml version="1.0" encoding="utf-8"?>
+<file path=ppt/slides/slide34.xml><?xml version="1.0" encoding="utf-8"?>
 <p:sld xmlns:a="http://schemas.openxmlformats.org/drawingml/2006/main" xmlns:r="http://schemas.openxmlformats.org/officeDocument/2006/relationships" xmlns:p="http://schemas.openxmlformats.org/presentationml/2006/main">
   <p:cSld>
     <p:spTree>
@@ -7053,7 +7835,7 @@
 </p:sld>
 </file>
 
-<file path=ppt/slides/slide32.xml><?xml version="1.0" encoding="utf-8"?>
+<file path=ppt/slides/slide35.xml><?xml version="1.0" encoding="utf-8"?>
 <p:sld xmlns:a="http://schemas.openxmlformats.org/drawingml/2006/main" xmlns:r="http://schemas.openxmlformats.org/officeDocument/2006/relationships" xmlns:p="http://schemas.openxmlformats.org/presentationml/2006/main">
   <p:cSld>
     <p:spTree>
@@ -7181,7 +7963,7 @@
 </p:sld>
 </file>
 
-<file path=ppt/slides/slide33.xml><?xml version="1.0" encoding="utf-8"?>
+<file path=ppt/slides/slide36.xml><?xml version="1.0" encoding="utf-8"?>
 <p:sld xmlns:a="http://schemas.openxmlformats.org/drawingml/2006/main" xmlns:r="http://schemas.openxmlformats.org/officeDocument/2006/relationships" xmlns:p="http://schemas.openxmlformats.org/presentationml/2006/main">
   <p:cSld>
     <p:spTree>
@@ -7216,7 +7998,7 @@
         </p:nvSpPr>
         <p:spPr>
           <a:xfrm>
-            <a:off x="373626" y="275304"/>
+            <a:off x="565355" y="489155"/>
             <a:ext cx="11061289" cy="5879690"/>
           </a:xfrm>
         </p:spPr>

--- a/Theory Class-Notes/Complete Syllabus and Notes/Module-4 Exception Handling.pptx
+++ b/Theory Class-Notes/Complete Syllabus and Notes/Module-4 Exception Handling.pptx
@@ -296,7 +296,7 @@
           <a:p>
             <a:fld id="{9C0243F3-34DD-41B1-BD71-84560502D122}" type="datetimeFigureOut">
               <a:rPr lang="en-IN" smtClean="0"/>
-              <a:t>28-09-2024</a:t>
+              <a:t>04-10-2024</a:t>
             </a:fld>
             <a:endParaRPr lang="en-IN"/>
           </a:p>
@@ -496,7 +496,7 @@
           <a:p>
             <a:fld id="{9C0243F3-34DD-41B1-BD71-84560502D122}" type="datetimeFigureOut">
               <a:rPr lang="en-IN" smtClean="0"/>
-              <a:t>28-09-2024</a:t>
+              <a:t>04-10-2024</a:t>
             </a:fld>
             <a:endParaRPr lang="en-IN"/>
           </a:p>
@@ -706,7 +706,7 @@
           <a:p>
             <a:fld id="{9C0243F3-34DD-41B1-BD71-84560502D122}" type="datetimeFigureOut">
               <a:rPr lang="en-IN" smtClean="0"/>
-              <a:t>28-09-2024</a:t>
+              <a:t>04-10-2024</a:t>
             </a:fld>
             <a:endParaRPr lang="en-IN"/>
           </a:p>
@@ -906,7 +906,7 @@
           <a:p>
             <a:fld id="{9C0243F3-34DD-41B1-BD71-84560502D122}" type="datetimeFigureOut">
               <a:rPr lang="en-IN" smtClean="0"/>
-              <a:t>28-09-2024</a:t>
+              <a:t>04-10-2024</a:t>
             </a:fld>
             <a:endParaRPr lang="en-IN"/>
           </a:p>
@@ -1182,7 +1182,7 @@
           <a:p>
             <a:fld id="{9C0243F3-34DD-41B1-BD71-84560502D122}" type="datetimeFigureOut">
               <a:rPr lang="en-IN" smtClean="0"/>
-              <a:t>28-09-2024</a:t>
+              <a:t>04-10-2024</a:t>
             </a:fld>
             <a:endParaRPr lang="en-IN"/>
           </a:p>
@@ -1450,7 +1450,7 @@
           <a:p>
             <a:fld id="{9C0243F3-34DD-41B1-BD71-84560502D122}" type="datetimeFigureOut">
               <a:rPr lang="en-IN" smtClean="0"/>
-              <a:t>28-09-2024</a:t>
+              <a:t>04-10-2024</a:t>
             </a:fld>
             <a:endParaRPr lang="en-IN"/>
           </a:p>
@@ -1865,7 +1865,7 @@
           <a:p>
             <a:fld id="{9C0243F3-34DD-41B1-BD71-84560502D122}" type="datetimeFigureOut">
               <a:rPr lang="en-IN" smtClean="0"/>
-              <a:t>28-09-2024</a:t>
+              <a:t>04-10-2024</a:t>
             </a:fld>
             <a:endParaRPr lang="en-IN"/>
           </a:p>
@@ -2007,7 +2007,7 @@
           <a:p>
             <a:fld id="{9C0243F3-34DD-41B1-BD71-84560502D122}" type="datetimeFigureOut">
               <a:rPr lang="en-IN" smtClean="0"/>
-              <a:t>28-09-2024</a:t>
+              <a:t>04-10-2024</a:t>
             </a:fld>
             <a:endParaRPr lang="en-IN"/>
           </a:p>
@@ -2120,7 +2120,7 @@
           <a:p>
             <a:fld id="{9C0243F3-34DD-41B1-BD71-84560502D122}" type="datetimeFigureOut">
               <a:rPr lang="en-IN" smtClean="0"/>
-              <a:t>28-09-2024</a:t>
+              <a:t>04-10-2024</a:t>
             </a:fld>
             <a:endParaRPr lang="en-IN"/>
           </a:p>
@@ -2433,7 +2433,7 @@
           <a:p>
             <a:fld id="{9C0243F3-34DD-41B1-BD71-84560502D122}" type="datetimeFigureOut">
               <a:rPr lang="en-IN" smtClean="0"/>
-              <a:t>28-09-2024</a:t>
+              <a:t>04-10-2024</a:t>
             </a:fld>
             <a:endParaRPr lang="en-IN"/>
           </a:p>
@@ -2722,7 +2722,7 @@
           <a:p>
             <a:fld id="{9C0243F3-34DD-41B1-BD71-84560502D122}" type="datetimeFigureOut">
               <a:rPr lang="en-IN" smtClean="0"/>
-              <a:t>28-09-2024</a:t>
+              <a:t>04-10-2024</a:t>
             </a:fld>
             <a:endParaRPr lang="en-IN"/>
           </a:p>
@@ -2965,7 +2965,7 @@
           <a:p>
             <a:fld id="{9C0243F3-34DD-41B1-BD71-84560502D122}" type="datetimeFigureOut">
               <a:rPr lang="en-IN" smtClean="0"/>
-              <a:t>28-09-2024</a:t>
+              <a:t>04-10-2024</a:t>
             </a:fld>
             <a:endParaRPr lang="en-IN"/>
           </a:p>
@@ -4936,7 +4936,7 @@
               <a:buNone/>
             </a:pPr>
             <a:r>
-              <a:rPr lang="en-US" dirty="0"/>
+              <a:rPr lang="en-US" b="1" dirty="0"/>
               <a:t>1. Creating a Custom Checked Exception:</a:t>
             </a:r>
           </a:p>
@@ -5438,7 +5438,7 @@
               <a:buNone/>
             </a:pPr>
             <a:r>
-              <a:rPr lang="en-US" dirty="0"/>
+              <a:rPr lang="en-US" b="1" dirty="0"/>
               <a:t>2. Creating a Custom Unchecked Exception</a:t>
             </a:r>
           </a:p>
@@ -5638,7 +5638,19 @@
           <a:p>
             <a:r>
               <a:rPr lang="en-IN" dirty="0"/>
-              <a:t>This exception does not need to be declared in the method signature, nor does it need to be caught unless the developer chooses to.</a:t>
+              <a:t>This exception </a:t>
+            </a:r>
+            <a:r>
+              <a:rPr lang="en-IN" b="1" dirty="0">
+                <a:solidFill>
+                  <a:srgbClr val="C00000"/>
+                </a:solidFill>
+              </a:rPr>
+              <a:t>does not need to be declared in the method signature, </a:t>
+            </a:r>
+            <a:r>
+              <a:rPr lang="en-IN" dirty="0"/>
+              <a:t>nor does it need to be caught unless the developer chooses to.</a:t>
             </a:r>
           </a:p>
         </p:txBody>
@@ -5705,7 +5717,11 @@
               <a:buNone/>
             </a:pPr>
             <a:r>
-              <a:rPr lang="en-US" b="1" dirty="0"/>
+              <a:rPr lang="en-US" sz="3000" b="1" dirty="0">
+                <a:solidFill>
+                  <a:srgbClr val="0070C0"/>
+                </a:solidFill>
+              </a:rPr>
               <a:t>Rethrowing Exceptions:</a:t>
             </a:r>
           </a:p>
@@ -5969,7 +5985,31 @@
             </a:r>
             <a:r>
               <a:rPr lang="en-US" dirty="0"/>
-              <a:t> You can throw a new exception or wrap the original one in a new exception, which adds more context or a custom message.</a:t>
+              <a:t> You can throw a new exception or wrap the original one in a new exception, which adds </a:t>
+            </a:r>
+            <a:r>
+              <a:rPr lang="en-US" b="1" dirty="0">
+                <a:solidFill>
+                  <a:srgbClr val="FF0000"/>
+                </a:solidFill>
+              </a:rPr>
+              <a:t>more context </a:t>
+            </a:r>
+            <a:r>
+              <a:rPr lang="en-US" dirty="0"/>
+              <a:t>or a </a:t>
+            </a:r>
+            <a:r>
+              <a:rPr lang="en-US" b="1" dirty="0">
+                <a:solidFill>
+                  <a:srgbClr val="FF0000"/>
+                </a:solidFill>
+              </a:rPr>
+              <a:t>custom message</a:t>
+            </a:r>
+            <a:r>
+              <a:rPr lang="en-US" dirty="0"/>
+              <a:t>.</a:t>
             </a:r>
             <a:r>
               <a:rPr lang="en-US" b="1" dirty="0"/>
@@ -6132,7 +6172,55 @@
           <a:p>
             <a:r>
               <a:rPr lang="en-US" dirty="0"/>
-              <a:t>This is done using the throws keyword in the method signature, which informs the caller of the method about the exceptions that could be thrown and that the caller must handle or propagate these exceptions.</a:t>
+              <a:t>This is done using the </a:t>
+            </a:r>
+            <a:r>
+              <a:rPr lang="en-US" b="1" dirty="0">
+                <a:solidFill>
+                  <a:srgbClr val="FF0000"/>
+                </a:solidFill>
+              </a:rPr>
+              <a:t>throws</a:t>
+            </a:r>
+            <a:r>
+              <a:rPr lang="en-US" dirty="0"/>
+              <a:t> keyword in the </a:t>
+            </a:r>
+            <a:r>
+              <a:rPr lang="en-US" b="1" dirty="0"/>
+              <a:t>method signature</a:t>
+            </a:r>
+            <a:r>
+              <a:rPr lang="en-US" dirty="0"/>
+              <a:t>, which informs the </a:t>
+            </a:r>
+            <a:r>
+              <a:rPr lang="en-US" b="1" dirty="0">
+                <a:solidFill>
+                  <a:srgbClr val="FF0000"/>
+                </a:solidFill>
+              </a:rPr>
+              <a:t>caller</a:t>
+            </a:r>
+            <a:r>
+              <a:rPr lang="en-US" dirty="0"/>
+              <a:t> of the method about the exceptions that could be thrown and that the caller must </a:t>
+            </a:r>
+            <a:r>
+              <a:rPr lang="en-US" b="1" dirty="0"/>
+              <a:t>handle</a:t>
+            </a:r>
+            <a:r>
+              <a:rPr lang="en-US" dirty="0"/>
+              <a:t> or </a:t>
+            </a:r>
+            <a:r>
+              <a:rPr lang="en-US" b="1" dirty="0"/>
+              <a:t>propagate</a:t>
+            </a:r>
+            <a:r>
+              <a:rPr lang="en-US" dirty="0"/>
+              <a:t> these exceptions.</a:t>
             </a:r>
           </a:p>
           <a:p>
@@ -6220,7 +6308,7 @@
               <a:buNone/>
             </a:pPr>
             <a:r>
-              <a:rPr lang="en-US" dirty="0"/>
+              <a:rPr lang="en-US" b="1" dirty="0"/>
               <a:t>1. Checked Exceptions:</a:t>
             </a:r>
           </a:p>
@@ -6358,15 +6446,15 @@
             </a:r>
             <a:r>
               <a:rPr lang="en-US" dirty="0"/>
-              <a:t>in their throws clause as they are propagated </a:t>
-            </a:r>
-            <a:r>
-              <a:rPr lang="en-US" b="1" dirty="0"/>
-              <a:t>automatically</a:t>
-            </a:r>
-            <a:r>
-              <a:rPr lang="en-US" dirty="0"/>
-              <a:t>.</a:t>
+              <a:t>in their throws clause as they are </a:t>
+            </a:r>
+            <a:r>
+              <a:rPr lang="en-US" b="1" dirty="0">
+                <a:solidFill>
+                  <a:srgbClr val="FF0000"/>
+                </a:solidFill>
+              </a:rPr>
+              <a:t>propagated automatically.</a:t>
             </a:r>
           </a:p>
           <a:p>
@@ -6470,7 +6558,19 @@
             </a:pPr>
             <a:r>
               <a:rPr lang="en-US" dirty="0"/>
-              <a:t>A method can specify the exceptions it throws using the throws keyword.</a:t>
+              <a:t>A method can specify the exceptions it throws using the </a:t>
+            </a:r>
+            <a:r>
+              <a:rPr lang="en-US" b="1" dirty="0">
+                <a:solidFill>
+                  <a:srgbClr val="FF0000"/>
+                </a:solidFill>
+              </a:rPr>
+              <a:t>throws</a:t>
+            </a:r>
+            <a:r>
+              <a:rPr lang="en-US" dirty="0"/>
+              <a:t> keyword.</a:t>
             </a:r>
           </a:p>
           <a:p>
